--- a/00-Course Info.pptx
+++ b/00-Course Info.pptx
@@ -6,21 +6,24 @@
     <p:sldMasterId id="2147484240" r:id="rId2"/>
   </p:sldMasterIdLst>
   <p:notesMasterIdLst>
-    <p:notesMasterId r:id="rId15"/>
+    <p:notesMasterId r:id="rId18"/>
   </p:notesMasterIdLst>
   <p:sldIdLst>
     <p:sldId id="256" r:id="rId3"/>
     <p:sldId id="257" r:id="rId4"/>
     <p:sldId id="259" r:id="rId5"/>
     <p:sldId id="294" r:id="rId6"/>
-    <p:sldId id="260" r:id="rId7"/>
-    <p:sldId id="303" r:id="rId8"/>
-    <p:sldId id="304" r:id="rId9"/>
-    <p:sldId id="308" r:id="rId10"/>
-    <p:sldId id="313" r:id="rId11"/>
-    <p:sldId id="312" r:id="rId12"/>
-    <p:sldId id="315" r:id="rId13"/>
-    <p:sldId id="310" r:id="rId14"/>
+    <p:sldId id="319" r:id="rId7"/>
+    <p:sldId id="320" r:id="rId8"/>
+    <p:sldId id="260" r:id="rId9"/>
+    <p:sldId id="316" r:id="rId10"/>
+    <p:sldId id="317" r:id="rId11"/>
+    <p:sldId id="303" r:id="rId12"/>
+    <p:sldId id="318" r:id="rId13"/>
+    <p:sldId id="304" r:id="rId14"/>
+    <p:sldId id="313" r:id="rId15"/>
+    <p:sldId id="315" r:id="rId16"/>
+    <p:sldId id="310" r:id="rId17"/>
   </p:sldIdLst>
   <p:sldSz cx="9144000" cy="6858000" type="screen4x3"/>
   <p:notesSz cx="7099300" cy="10234613"/>
@@ -149,6 +152,36 @@
       </a:defRPr>
     </a:lvl9pPr>
   </p:defaultTextStyle>
+  <p:extLst>
+    <p:ext uri="{EFAFB233-063F-42B5-8137-9DF3F51BA10A}">
+      <p15:sldGuideLst xmlns:p15="http://schemas.microsoft.com/office/powerpoint/2012/main">
+        <p15:guide id="1" orient="horz" pos="2160">
+          <p15:clr>
+            <a:srgbClr val="A4A3A4"/>
+          </p15:clr>
+        </p15:guide>
+        <p15:guide id="2" pos="2880">
+          <p15:clr>
+            <a:srgbClr val="A4A3A4"/>
+          </p15:clr>
+        </p15:guide>
+      </p15:sldGuideLst>
+    </p:ext>
+    <p:ext uri="{2D200454-40CA-4A62-9FC3-DE9A4176ACB9}">
+      <p15:notesGuideLst xmlns:p15="http://schemas.microsoft.com/office/powerpoint/2012/main">
+        <p15:guide id="1" orient="horz" pos="3070">
+          <p15:clr>
+            <a:srgbClr val="A4A3A4"/>
+          </p15:clr>
+        </p15:guide>
+        <p15:guide id="2" pos="2096">
+          <p15:clr>
+            <a:srgbClr val="A4A3A4"/>
+          </p15:clr>
+        </p15:guide>
+      </p15:notesGuideLst>
+    </p:ext>
+  </p:extLst>
 </p:presentation>
 </file>
 
@@ -767,6 +800,11 @@
         </p:txBody>
       </p:sp>
     </p:spTree>
+    <p:extLst>
+      <p:ext uri="{BB962C8B-B14F-4D97-AF65-F5344CB8AC3E}">
+        <p14:creationId xmlns:p14="http://schemas.microsoft.com/office/powerpoint/2010/main" val="1212145428"/>
+      </p:ext>
+    </p:extLst>
   </p:cSld>
   <p:clrMap bg1="lt1" tx1="dk1" bg2="lt2" tx2="dk2" accent1="accent1" accent2="accent2" accent3="accent3" accent4="accent4" accent5="accent5" accent6="accent6" hlink="hlink" folHlink="folHlink"/>
   <p:notesStyle>
@@ -1160,6 +1198,11 @@
         </p:txBody>
       </p:sp>
     </p:spTree>
+    <p:extLst>
+      <p:ext uri="{BB962C8B-B14F-4D97-AF65-F5344CB8AC3E}">
+        <p14:creationId xmlns:p14="http://schemas.microsoft.com/office/powerpoint/2010/main" val="1885682142"/>
+      </p:ext>
+    </p:extLst>
   </p:cSld>
   <p:clrMapOvr>
     <a:masterClrMapping/>
@@ -1408,6 +1451,11 @@
         </p:txBody>
       </p:sp>
     </p:spTree>
+    <p:extLst>
+      <p:ext uri="{BB962C8B-B14F-4D97-AF65-F5344CB8AC3E}">
+        <p14:creationId xmlns:p14="http://schemas.microsoft.com/office/powerpoint/2010/main" val="3959912391"/>
+      </p:ext>
+    </p:extLst>
   </p:cSld>
   <p:clrMapOvr>
     <a:masterClrMapping/>
@@ -1656,6 +1704,11 @@
         </p:txBody>
       </p:sp>
     </p:spTree>
+    <p:extLst>
+      <p:ext uri="{BB962C8B-B14F-4D97-AF65-F5344CB8AC3E}">
+        <p14:creationId xmlns:p14="http://schemas.microsoft.com/office/powerpoint/2010/main" val="1608746704"/>
+      </p:ext>
+    </p:extLst>
   </p:cSld>
   <p:clrMapOvr>
     <a:masterClrMapping/>
@@ -1904,6 +1957,11 @@
         </p:txBody>
       </p:sp>
     </p:spTree>
+    <p:extLst>
+      <p:ext uri="{BB962C8B-B14F-4D97-AF65-F5344CB8AC3E}">
+        <p14:creationId xmlns:p14="http://schemas.microsoft.com/office/powerpoint/2010/main" val="1576444762"/>
+      </p:ext>
+    </p:extLst>
   </p:cSld>
   <p:clrMapOvr>
     <a:masterClrMapping/>
@@ -1965,7 +2023,7 @@
                 <a:buFont typeface="Wingdings" pitchFamily="2" charset="2"/>
                 <a:buNone/>
               </a:pPr>
-              <a:t>5</a:t>
+              <a:t>7</a:t>
             </a:fld>
             <a:endParaRPr lang="en-GB" smtClean="0">
               <a:latin typeface="Times New Roman" pitchFamily="18" charset="0"/>
@@ -2069,7 +2127,7 @@
                   <a:tab pos="9144000" algn="l"/>
                 </a:tabLst>
               </a:pPr>
-              <a:t>5</a:t>
+              <a:t>7</a:t>
             </a:fld>
             <a:endParaRPr lang="en-GB" sz="1300">
               <a:solidFill>
@@ -2152,6 +2210,11 @@
         </p:txBody>
       </p:sp>
     </p:spTree>
+    <p:extLst>
+      <p:ext uri="{BB962C8B-B14F-4D97-AF65-F5344CB8AC3E}">
+        <p14:creationId xmlns:p14="http://schemas.microsoft.com/office/powerpoint/2010/main" val="3227490791"/>
+      </p:ext>
+    </p:extLst>
   </p:cSld>
   <p:clrMapOvr>
     <a:masterClrMapping/>
@@ -8958,55 +9021,6 @@
       </p:sp>
       <p:sp>
         <p:nvSpPr>
-          <p:cNvPr id="7173" name="Subtitle 4"/>
-          <p:cNvSpPr>
-            <a:spLocks noGrp="1"/>
-          </p:cNvSpPr>
-          <p:nvPr>
-            <p:ph type="subTitle" idx="1"/>
-          </p:nvPr>
-        </p:nvSpPr>
-        <p:spPr/>
-        <p:txBody>
-          <a:bodyPr>
-            <a:normAutofit/>
-          </a:bodyPr>
-          <a:lstStyle/>
-          <a:p>
-            <a:pPr eaLnBrk="1" hangingPunct="1"/>
-            <a:r>
-              <a:rPr lang="en-GB" smtClean="0"/>
-              <a:t>Thông tin môn học</a:t>
-            </a:r>
-          </a:p>
-          <a:p>
-            <a:pPr eaLnBrk="1" hangingPunct="1"/>
-            <a:r>
-              <a:rPr lang="en-US" smtClean="0"/>
-              <a:t>Học </a:t>
-            </a:r>
-            <a:r>
-              <a:rPr lang="en-US" smtClean="0"/>
-              <a:t>kỳ 2 </a:t>
-            </a:r>
-            <a:r>
-              <a:rPr lang="en-US" smtClean="0"/>
-              <a:t>(</a:t>
-            </a:r>
-            <a:r>
-              <a:rPr lang="en-US" smtClean="0"/>
-              <a:t>2012-2013)</a:t>
-            </a:r>
-            <a:endParaRPr lang="en-GB" smtClean="0"/>
-          </a:p>
-          <a:p>
-            <a:pPr eaLnBrk="1" hangingPunct="1"/>
-            <a:endParaRPr lang="en-US" smtClean="0"/>
-          </a:p>
-        </p:txBody>
-      </p:sp>
-      <p:sp>
-        <p:nvSpPr>
           <p:cNvPr id="7172" name="Title 3"/>
           <p:cNvSpPr>
             <a:spLocks noGrp="1"/>
@@ -9023,7 +9037,7 @@
         </p:spPr>
         <p:txBody>
           <a:bodyPr>
-            <a:normAutofit/>
+            <a:normAutofit fontScale="90000"/>
           </a:bodyPr>
           <a:lstStyle/>
           <a:p>
@@ -9056,24 +9070,102 @@
               <a:t> </a:t>
             </a:r>
             <a:r>
-              <a:rPr lang="en-US" err="1" smtClean="0"/>
+              <a:rPr lang="en-US" dirty="0" err="1" smtClean="0"/>
               <a:t>phần</a:t>
             </a:r>
             <a:r>
-              <a:rPr lang="en-US" smtClean="0"/>
-              <a:t> </a:t>
-            </a:r>
-            <a:r>
-              <a:rPr lang="en-US" smtClean="0"/>
+              <a:rPr lang="en-US" dirty="0" smtClean="0"/>
+              <a:t> </a:t>
+            </a:r>
+            <a:r>
+              <a:rPr lang="en-US" dirty="0" err="1" smtClean="0"/>
               <a:t>mềm</a:t>
             </a:r>
+            <a:r>
+              <a:rPr lang="en-US" dirty="0" smtClean="0"/>
+              <a:t/>
+            </a:r>
             <a:br>
-              <a:rPr lang="en-US" smtClean="0"/>
+              <a:rPr lang="en-US" dirty="0" smtClean="0"/>
             </a:br>
             <a:r>
-              <a:rPr lang="en-US" sz="3200" smtClean="0"/>
-              <a:t>INT22082</a:t>
-            </a:r>
+              <a:rPr lang="en-US" sz="3200" dirty="0" smtClean="0"/>
+              <a:t>INT2208 2</a:t>
+            </a:r>
+            <a:endParaRPr lang="en-US" dirty="0" smtClean="0"/>
+          </a:p>
+        </p:txBody>
+      </p:sp>
+      <p:sp>
+        <p:nvSpPr>
+          <p:cNvPr id="7173" name="Subtitle 4"/>
+          <p:cNvSpPr>
+            <a:spLocks noGrp="1"/>
+          </p:cNvSpPr>
+          <p:nvPr>
+            <p:ph type="subTitle" idx="1"/>
+          </p:nvPr>
+        </p:nvSpPr>
+        <p:spPr/>
+        <p:txBody>
+          <a:bodyPr>
+            <a:normAutofit/>
+          </a:bodyPr>
+          <a:lstStyle/>
+          <a:p>
+            <a:pPr eaLnBrk="1" hangingPunct="1"/>
+            <a:r>
+              <a:rPr lang="en-GB" dirty="0" err="1" smtClean="0"/>
+              <a:t>Giới</a:t>
+            </a:r>
+            <a:r>
+              <a:rPr lang="en-GB" dirty="0" smtClean="0"/>
+              <a:t> </a:t>
+            </a:r>
+            <a:r>
+              <a:rPr lang="en-GB" dirty="0" err="1" smtClean="0"/>
+              <a:t>thiệu</a:t>
+            </a:r>
+            <a:r>
+              <a:rPr lang="en-GB" dirty="0" smtClean="0"/>
+              <a:t> </a:t>
+            </a:r>
+            <a:r>
+              <a:rPr lang="en-GB" dirty="0" err="1" smtClean="0"/>
+              <a:t>môn</a:t>
+            </a:r>
+            <a:r>
+              <a:rPr lang="en-GB" dirty="0" smtClean="0"/>
+              <a:t> </a:t>
+            </a:r>
+            <a:r>
+              <a:rPr lang="en-GB" dirty="0" err="1" smtClean="0"/>
+              <a:t>học</a:t>
+            </a:r>
+            <a:endParaRPr lang="en-GB" dirty="0" smtClean="0"/>
+          </a:p>
+          <a:p>
+            <a:pPr eaLnBrk="1" hangingPunct="1"/>
+            <a:r>
+              <a:rPr lang="en-US" dirty="0" err="1" smtClean="0"/>
+              <a:t>Học</a:t>
+            </a:r>
+            <a:r>
+              <a:rPr lang="en-US" dirty="0" smtClean="0"/>
+              <a:t> </a:t>
+            </a:r>
+            <a:r>
+              <a:rPr lang="en-US" dirty="0" err="1" smtClean="0"/>
+              <a:t>kỳ</a:t>
+            </a:r>
+            <a:r>
+              <a:rPr lang="en-US" dirty="0" smtClean="0"/>
+              <a:t> 2 (2012-2013)</a:t>
+            </a:r>
+            <a:endParaRPr lang="en-GB" dirty="0" smtClean="0"/>
+          </a:p>
+          <a:p>
+            <a:pPr eaLnBrk="1" hangingPunct="1"/>
             <a:endParaRPr lang="en-US" dirty="0" smtClean="0"/>
           </a:p>
         </p:txBody>
@@ -9133,7 +9225,7 @@
       </p:grpSpPr>
       <p:sp>
         <p:nvSpPr>
-          <p:cNvPr id="18434" name="Title 1"/>
+          <p:cNvPr id="13314" name="Title 1"/>
           <p:cNvSpPr>
             <a:spLocks noGrp="1"/>
           </p:cNvSpPr>
@@ -9143,253 +9235,377 @@
         </p:nvSpPr>
         <p:spPr/>
         <p:txBody>
-          <a:bodyPr/>
-          <a:lstStyle/>
-          <a:p>
-            <a:pPr eaLnBrk="1" hangingPunct="1"/>
-            <a:r>
-              <a:rPr lang="en-US" smtClean="0"/>
-              <a:t>Bài tập về nhà</a:t>
-            </a:r>
-            <a:endParaRPr lang="en-GB" smtClean="0"/>
-          </a:p>
-        </p:txBody>
-      </p:sp>
-      <p:sp>
-        <p:nvSpPr>
-          <p:cNvPr id="3" name="Content Placeholder 2"/>
+          <a:bodyPr>
+            <a:normAutofit/>
+          </a:bodyPr>
+          <a:lstStyle/>
+          <a:p>
+            <a:r>
+              <a:rPr lang="en-US" dirty="0" err="1" smtClean="0"/>
+              <a:t>Dự</a:t>
+            </a:r>
+            <a:r>
+              <a:rPr lang="en-US" dirty="0" smtClean="0"/>
+              <a:t> </a:t>
+            </a:r>
+            <a:r>
+              <a:rPr lang="en-US" dirty="0" err="1" smtClean="0"/>
+              <a:t>án</a:t>
+            </a:r>
+            <a:r>
+              <a:rPr lang="en-US" dirty="0" smtClean="0"/>
+              <a:t> - </a:t>
+            </a:r>
+            <a:r>
+              <a:rPr lang="en-US" dirty="0" err="1" smtClean="0"/>
+              <a:t>Công</a:t>
+            </a:r>
+            <a:r>
+              <a:rPr lang="en-US" dirty="0" smtClean="0"/>
+              <a:t> </a:t>
+            </a:r>
+            <a:r>
+              <a:rPr lang="en-US" dirty="0" err="1" smtClean="0"/>
+              <a:t>cụ</a:t>
+            </a:r>
+            <a:r>
+              <a:rPr lang="en-US" dirty="0" smtClean="0"/>
+              <a:t> </a:t>
+            </a:r>
+            <a:r>
+              <a:rPr lang="en-US" dirty="0" err="1" smtClean="0"/>
+              <a:t>sử</a:t>
+            </a:r>
+            <a:r>
+              <a:rPr lang="en-US" dirty="0" smtClean="0"/>
+              <a:t> </a:t>
+            </a:r>
+            <a:r>
+              <a:rPr lang="en-US" dirty="0" err="1" smtClean="0"/>
+              <a:t>dụng</a:t>
+            </a:r>
+            <a:endParaRPr lang="vi-VN" dirty="0" smtClean="0"/>
+          </a:p>
+        </p:txBody>
+      </p:sp>
+      <p:sp>
+        <p:nvSpPr>
+          <p:cNvPr id="13315" name="Content Placeholder 2"/>
           <p:cNvSpPr>
             <a:spLocks noGrp="1"/>
           </p:cNvSpPr>
           <p:nvPr>
-            <p:ph sz="quarter" idx="1"/>
+            <p:ph idx="1"/>
           </p:nvPr>
         </p:nvSpPr>
         <p:spPr/>
         <p:txBody>
-          <a:bodyPr/>
-          <a:lstStyle/>
-          <a:p>
-            <a:pPr eaLnBrk="1" hangingPunct="1">
-              <a:defRPr/>
+          <a:bodyPr>
+            <a:normAutofit lnSpcReduction="10000"/>
+          </a:bodyPr>
+          <a:lstStyle/>
+          <a:p>
+            <a:r>
+              <a:rPr lang="en-US" dirty="0" err="1" smtClean="0"/>
+              <a:t>Tự</a:t>
+            </a:r>
+            <a:r>
+              <a:rPr lang="en-US" dirty="0" smtClean="0"/>
+              <a:t> </a:t>
+            </a:r>
+            <a:r>
+              <a:rPr lang="en-US" dirty="0" err="1" smtClean="0"/>
+              <a:t>tìm</a:t>
+            </a:r>
+            <a:r>
+              <a:rPr lang="en-US" dirty="0" smtClean="0"/>
+              <a:t> </a:t>
+            </a:r>
+            <a:r>
+              <a:rPr lang="en-US" dirty="0" err="1" smtClean="0"/>
+              <a:t>hiểu</a:t>
+            </a:r>
+            <a:r>
+              <a:rPr lang="en-US" dirty="0" smtClean="0"/>
+              <a:t> </a:t>
+            </a:r>
+            <a:r>
+              <a:rPr lang="en-US" dirty="0" err="1" smtClean="0"/>
+              <a:t>dần</a:t>
+            </a:r>
+            <a:r>
+              <a:rPr lang="en-US" dirty="0" smtClean="0"/>
+              <a:t> qui </a:t>
+            </a:r>
+            <a:r>
+              <a:rPr lang="en-US" dirty="0" err="1" smtClean="0"/>
+              <a:t>trình</a:t>
+            </a:r>
+            <a:r>
+              <a:rPr lang="en-US" dirty="0" smtClean="0"/>
+              <a:t> Agile – </a:t>
+            </a:r>
+            <a:r>
+              <a:rPr lang="en-US" dirty="0" err="1" smtClean="0"/>
+              <a:t>hướng</a:t>
+            </a:r>
+            <a:r>
+              <a:rPr lang="en-US" dirty="0" smtClean="0"/>
+              <a:t> </a:t>
+            </a:r>
+            <a:r>
+              <a:rPr lang="en-US" dirty="0" err="1" smtClean="0"/>
+              <a:t>dẫn</a:t>
+            </a:r>
+            <a:r>
+              <a:rPr lang="en-US" dirty="0" smtClean="0"/>
+              <a:t> </a:t>
+            </a:r>
+            <a:r>
+              <a:rPr lang="en-US" dirty="0" err="1" smtClean="0"/>
+              <a:t>thực</a:t>
+            </a:r>
+            <a:r>
+              <a:rPr lang="en-US" dirty="0" smtClean="0"/>
+              <a:t> </a:t>
+            </a:r>
+            <a:r>
+              <a:rPr lang="en-US" dirty="0" err="1" smtClean="0"/>
+              <a:t>hiện</a:t>
+            </a:r>
+            <a:r>
+              <a:rPr lang="en-US" dirty="0" smtClean="0"/>
+              <a:t> </a:t>
+            </a:r>
+            <a:r>
+              <a:rPr lang="en-US" dirty="0" err="1" smtClean="0"/>
+              <a:t>trên</a:t>
+            </a:r>
+            <a:r>
+              <a:rPr lang="en-US" dirty="0" smtClean="0"/>
+              <a:t> </a:t>
+            </a:r>
+            <a:r>
+              <a:rPr lang="en-US" dirty="0" err="1" smtClean="0"/>
+              <a:t>lớp</a:t>
+            </a:r>
+            <a:endParaRPr lang="en-US" dirty="0" smtClean="0"/>
+          </a:p>
+          <a:p>
+            <a:pPr lvl="1"/>
+            <a:r>
+              <a:rPr lang="en-US" dirty="0" err="1" smtClean="0"/>
+              <a:t>Làm</a:t>
+            </a:r>
+            <a:r>
+              <a:rPr lang="en-US" dirty="0" smtClean="0"/>
+              <a:t> </a:t>
+            </a:r>
+            <a:r>
+              <a:rPr lang="en-US" dirty="0" err="1" smtClean="0"/>
+              <a:t>tài</a:t>
+            </a:r>
+            <a:r>
+              <a:rPr lang="en-US" dirty="0" smtClean="0"/>
+              <a:t> </a:t>
+            </a:r>
+            <a:r>
+              <a:rPr lang="en-US" dirty="0" err="1" smtClean="0"/>
+              <a:t>liệu</a:t>
+            </a:r>
+            <a:r>
+              <a:rPr lang="en-US" dirty="0" smtClean="0"/>
+              <a:t> </a:t>
+            </a:r>
+            <a:r>
+              <a:rPr lang="en-US" dirty="0" err="1" smtClean="0"/>
+              <a:t>theo</a:t>
+            </a:r>
+            <a:r>
+              <a:rPr lang="en-US" dirty="0" smtClean="0"/>
+              <a:t> </a:t>
+            </a:r>
+            <a:r>
+              <a:rPr lang="en-US" dirty="0" err="1" smtClean="0"/>
+              <a:t>cách</a:t>
+            </a:r>
+            <a:r>
+              <a:rPr lang="en-US" dirty="0" smtClean="0"/>
+              <a:t> </a:t>
+            </a:r>
+            <a:r>
+              <a:rPr lang="en-US" dirty="0"/>
+              <a:t>BDD </a:t>
+            </a:r>
+            <a:endParaRPr lang="en-US" dirty="0" smtClean="0"/>
+          </a:p>
+          <a:p>
+            <a:pPr lvl="2"/>
+            <a:r>
+              <a:rPr lang="en-US" dirty="0" smtClean="0">
+                <a:hlinkClick r:id="rId2"/>
+              </a:rPr>
+              <a:t>http</a:t>
+            </a:r>
+            <a:r>
+              <a:rPr lang="en-US" dirty="0">
+                <a:hlinkClick r:id="rId2"/>
+              </a:rPr>
+              <a:t>://</a:t>
+            </a:r>
+            <a:r>
+              <a:rPr lang="en-US" dirty="0" smtClean="0">
+                <a:hlinkClick r:id="rId2"/>
+              </a:rPr>
+              <a:t>en.wikipedia.org/wiki/Behavior-driven_development</a:t>
+            </a:r>
+            <a:endParaRPr lang="en-US" dirty="0" smtClean="0"/>
+          </a:p>
+          <a:p>
+            <a:pPr lvl="1"/>
+            <a:r>
+              <a:rPr lang="en-US" dirty="0" err="1" smtClean="0"/>
+              <a:t>Quản</a:t>
+            </a:r>
+            <a:r>
+              <a:rPr lang="en-US" dirty="0" smtClean="0"/>
+              <a:t> </a:t>
+            </a:r>
+            <a:r>
+              <a:rPr lang="en-US" dirty="0" err="1" smtClean="0"/>
+              <a:t>lý</a:t>
+            </a:r>
+            <a:r>
+              <a:rPr lang="en-US" dirty="0" smtClean="0"/>
+              <a:t> </a:t>
+            </a:r>
+            <a:r>
+              <a:rPr lang="en-US" dirty="0" err="1" smtClean="0"/>
+              <a:t>dự</a:t>
+            </a:r>
+            <a:r>
+              <a:rPr lang="en-US" dirty="0" smtClean="0"/>
+              <a:t> </a:t>
+            </a:r>
+            <a:r>
+              <a:rPr lang="en-US" dirty="0" err="1" smtClean="0"/>
+              <a:t>án</a:t>
+            </a:r>
+            <a:r>
+              <a:rPr lang="en-US" dirty="0" smtClean="0"/>
+              <a:t> </a:t>
+            </a:r>
+            <a:r>
+              <a:rPr lang="en-US" dirty="0" err="1" smtClean="0"/>
+              <a:t>sử</a:t>
+            </a:r>
+            <a:r>
+              <a:rPr lang="en-US" dirty="0" smtClean="0"/>
+              <a:t> </a:t>
+            </a:r>
+            <a:r>
+              <a:rPr lang="en-US" dirty="0" err="1" smtClean="0"/>
+              <a:t>dụng</a:t>
+            </a:r>
+            <a:r>
+              <a:rPr lang="en-US" dirty="0" smtClean="0"/>
+              <a:t> </a:t>
+            </a:r>
+            <a:r>
+              <a:rPr lang="en-US" dirty="0" err="1" smtClean="0"/>
+              <a:t>GitHub</a:t>
+            </a:r>
+            <a:r>
+              <a:rPr lang="en-US" dirty="0" smtClean="0"/>
+              <a:t> </a:t>
+            </a:r>
+          </a:p>
+          <a:p>
+            <a:pPr lvl="2"/>
+            <a:r>
+              <a:rPr lang="en-US" dirty="0" smtClean="0">
+                <a:hlinkClick r:id="rId3"/>
+              </a:rPr>
+              <a:t>https://github.com/</a:t>
+            </a:r>
+            <a:endParaRPr lang="en-US" dirty="0" smtClean="0"/>
+          </a:p>
+          <a:p>
+            <a:pPr lvl="1"/>
+            <a:r>
+              <a:rPr lang="en-US" dirty="0" err="1" smtClean="0"/>
+              <a:t>Dự</a:t>
+            </a:r>
+            <a:r>
+              <a:rPr lang="en-US" dirty="0" smtClean="0"/>
+              <a:t> </a:t>
+            </a:r>
+            <a:r>
+              <a:rPr lang="en-US" dirty="0" err="1" smtClean="0"/>
+              <a:t>án</a:t>
+            </a:r>
+            <a:r>
+              <a:rPr lang="en-US" dirty="0" smtClean="0"/>
+              <a:t> </a:t>
+            </a:r>
+            <a:r>
+              <a:rPr lang="en-US" dirty="0" err="1" smtClean="0"/>
+              <a:t>mẫu</a:t>
+            </a:r>
+            <a:r>
+              <a:rPr lang="en-US" dirty="0" smtClean="0"/>
+              <a:t>, </a:t>
+            </a:r>
+            <a:r>
+              <a:rPr lang="en-US" dirty="0" err="1" smtClean="0"/>
+              <a:t>tài</a:t>
+            </a:r>
+            <a:r>
+              <a:rPr lang="en-US" dirty="0" smtClean="0"/>
+              <a:t> </a:t>
+            </a:r>
+            <a:r>
+              <a:rPr lang="en-US" dirty="0" err="1" smtClean="0"/>
+              <a:t>liệu</a:t>
+            </a:r>
+            <a:r>
+              <a:rPr lang="en-US" dirty="0" smtClean="0"/>
+              <a:t> </a:t>
+            </a:r>
+            <a:r>
+              <a:rPr lang="en-US" dirty="0" err="1" smtClean="0"/>
+              <a:t>mẫu</a:t>
+            </a:r>
+            <a:r>
+              <a:rPr lang="en-US" dirty="0" smtClean="0"/>
+              <a:t> </a:t>
+            </a:r>
+          </a:p>
+          <a:p>
+            <a:pPr lvl="2"/>
+            <a:r>
+              <a:rPr lang="en-US" dirty="0" smtClean="0">
+                <a:hlinkClick r:id="rId4"/>
+              </a:rPr>
+              <a:t>http://www.thoughtworks-studios.com/mingle-agile-project-management</a:t>
+            </a:r>
+            <a:r>
+              <a:rPr lang="en-US" dirty="0" smtClean="0"/>
+              <a:t> </a:t>
+            </a:r>
+          </a:p>
+          <a:p>
+            <a:pPr marL="0" indent="0">
+              <a:buNone/>
             </a:pPr>
-            <a:r>
-              <a:rPr lang="en-US" dirty="0" err="1" smtClean="0"/>
-              <a:t>Đọc</a:t>
-            </a:r>
-            <a:r>
-              <a:rPr lang="en-US" dirty="0" smtClean="0"/>
-              <a:t> </a:t>
-            </a:r>
-            <a:r>
-              <a:rPr lang="en-US" dirty="0" err="1" smtClean="0"/>
-              <a:t>bài</a:t>
-            </a:r>
-            <a:r>
-              <a:rPr lang="en-US" dirty="0" smtClean="0"/>
-              <a:t> </a:t>
-            </a:r>
-            <a:r>
-              <a:rPr lang="en-US" dirty="0" err="1" smtClean="0"/>
-              <a:t>giảng</a:t>
-            </a:r>
-            <a:r>
-              <a:rPr lang="en-US" dirty="0" smtClean="0"/>
-              <a:t>, </a:t>
-            </a:r>
-            <a:r>
-              <a:rPr lang="en-US" dirty="0" err="1" smtClean="0"/>
-              <a:t>tài</a:t>
-            </a:r>
-            <a:r>
-              <a:rPr lang="en-US" dirty="0" smtClean="0"/>
-              <a:t> </a:t>
-            </a:r>
-            <a:r>
-              <a:rPr lang="en-US" dirty="0" err="1" smtClean="0"/>
-              <a:t>liệu</a:t>
-            </a:r>
-            <a:r>
-              <a:rPr lang="en-US" dirty="0" smtClean="0"/>
-              <a:t> </a:t>
-            </a:r>
-            <a:r>
-              <a:rPr lang="en-US" dirty="0" err="1" smtClean="0"/>
-              <a:t>môn</a:t>
-            </a:r>
-            <a:r>
-              <a:rPr lang="en-US" dirty="0" smtClean="0"/>
-              <a:t> </a:t>
-            </a:r>
-            <a:r>
-              <a:rPr lang="en-US" dirty="0" err="1" smtClean="0"/>
-              <a:t>học</a:t>
-            </a:r>
             <a:endParaRPr lang="en-US" dirty="0" smtClean="0"/>
           </a:p>
           <a:p>
-            <a:pPr eaLnBrk="1" hangingPunct="1">
-              <a:defRPr/>
-            </a:pPr>
-            <a:r>
-              <a:rPr lang="en-US" dirty="0" err="1" smtClean="0"/>
-              <a:t>Trả</a:t>
-            </a:r>
-            <a:r>
-              <a:rPr lang="en-US" dirty="0" smtClean="0"/>
-              <a:t> </a:t>
-            </a:r>
-            <a:r>
-              <a:rPr lang="en-US" dirty="0" err="1" smtClean="0"/>
-              <a:t>lời</a:t>
-            </a:r>
-            <a:r>
-              <a:rPr lang="en-US" dirty="0" smtClean="0"/>
-              <a:t> </a:t>
-            </a:r>
-            <a:r>
-              <a:rPr lang="en-US" dirty="0" err="1" smtClean="0"/>
-              <a:t>tối</a:t>
-            </a:r>
-            <a:r>
-              <a:rPr lang="en-US" dirty="0" smtClean="0"/>
-              <a:t> </a:t>
-            </a:r>
-            <a:r>
-              <a:rPr lang="en-US" dirty="0" err="1" smtClean="0"/>
-              <a:t>thiểu</a:t>
-            </a:r>
-            <a:r>
-              <a:rPr lang="en-US" dirty="0" smtClean="0"/>
-              <a:t> 4 </a:t>
-            </a:r>
-            <a:r>
-              <a:rPr lang="en-US" dirty="0" err="1" smtClean="0"/>
-              <a:t>câu</a:t>
-            </a:r>
-            <a:r>
-              <a:rPr lang="en-US" dirty="0" smtClean="0"/>
-              <a:t> </a:t>
-            </a:r>
-            <a:r>
-              <a:rPr lang="en-US" dirty="0" err="1" smtClean="0"/>
-              <a:t>hỏi</a:t>
-            </a:r>
-            <a:r>
-              <a:rPr lang="en-US" dirty="0" smtClean="0"/>
-              <a:t> ở </a:t>
-            </a:r>
-            <a:r>
-              <a:rPr lang="en-US" dirty="0" err="1" smtClean="0"/>
-              <a:t>cuối</a:t>
-            </a:r>
-            <a:r>
-              <a:rPr lang="en-US" dirty="0" smtClean="0"/>
-              <a:t> </a:t>
-            </a:r>
-            <a:r>
-              <a:rPr lang="en-US" dirty="0" err="1" smtClean="0"/>
-              <a:t>mỗi</a:t>
-            </a:r>
-            <a:r>
-              <a:rPr lang="en-US" dirty="0" smtClean="0"/>
-              <a:t> </a:t>
-            </a:r>
-            <a:r>
-              <a:rPr lang="en-US" dirty="0" err="1" smtClean="0"/>
-              <a:t>chương</a:t>
-            </a:r>
-            <a:endParaRPr lang="en-US" dirty="0"/>
-          </a:p>
-          <a:p>
-            <a:pPr lvl="1" eaLnBrk="1" hangingPunct="1">
-              <a:defRPr/>
-            </a:pPr>
-            <a:r>
-              <a:rPr lang="en-US" dirty="0" err="1" smtClean="0"/>
-              <a:t>Viết</a:t>
-            </a:r>
-            <a:r>
-              <a:rPr lang="en-US" dirty="0" smtClean="0"/>
-              <a:t> </a:t>
-            </a:r>
-            <a:r>
-              <a:rPr lang="en-US" dirty="0" err="1" smtClean="0"/>
-              <a:t>tay</a:t>
-            </a:r>
+            <a:pPr lvl="1"/>
             <a:endParaRPr lang="en-US" dirty="0" smtClean="0"/>
           </a:p>
           <a:p>
-            <a:pPr lvl="1" eaLnBrk="1" hangingPunct="1">
-              <a:defRPr/>
-            </a:pPr>
-            <a:r>
-              <a:rPr lang="en-US" dirty="0" err="1" smtClean="0"/>
-              <a:t>Nộp</a:t>
-            </a:r>
-            <a:r>
-              <a:rPr lang="en-US" dirty="0" smtClean="0"/>
-              <a:t> </a:t>
-            </a:r>
-            <a:r>
-              <a:rPr lang="en-US" dirty="0" err="1" smtClean="0"/>
-              <a:t>vào</a:t>
-            </a:r>
-            <a:r>
-              <a:rPr lang="en-US" dirty="0" smtClean="0"/>
-              <a:t> </a:t>
-            </a:r>
-            <a:r>
-              <a:rPr lang="en-US" dirty="0" err="1" smtClean="0"/>
-              <a:t>giờ</a:t>
-            </a:r>
-            <a:r>
-              <a:rPr lang="en-US" dirty="0" smtClean="0"/>
-              <a:t> </a:t>
-            </a:r>
-            <a:r>
-              <a:rPr lang="en-US" dirty="0" err="1" smtClean="0"/>
-              <a:t>học</a:t>
-            </a:r>
-            <a:r>
-              <a:rPr lang="en-US" dirty="0" smtClean="0"/>
-              <a:t> ở </a:t>
-            </a:r>
-            <a:r>
-              <a:rPr lang="en-US" dirty="0" err="1" smtClean="0"/>
-              <a:t>tuần</a:t>
-            </a:r>
-            <a:r>
-              <a:rPr lang="en-US" dirty="0" smtClean="0"/>
-              <a:t> </a:t>
-            </a:r>
-            <a:r>
-              <a:rPr lang="en-US" dirty="0" err="1" smtClean="0"/>
-              <a:t>tiếp</a:t>
-            </a:r>
-            <a:r>
-              <a:rPr lang="en-US" dirty="0" smtClean="0"/>
-              <a:t> </a:t>
-            </a:r>
-            <a:r>
-              <a:rPr lang="en-US" dirty="0" err="1" smtClean="0"/>
-              <a:t>theo</a:t>
-            </a:r>
             <a:endParaRPr lang="en-US" dirty="0" smtClean="0"/>
-          </a:p>
-          <a:p>
-            <a:pPr marL="914400" lvl="2" indent="0" eaLnBrk="1" hangingPunct="1">
-              <a:buFont typeface="Arial" charset="0"/>
-              <a:buNone/>
-              <a:defRPr/>
-            </a:pPr>
-            <a:endParaRPr lang="en-US" dirty="0"/>
-          </a:p>
-          <a:p>
-            <a:pPr eaLnBrk="1" hangingPunct="1">
-              <a:defRPr/>
-            </a:pPr>
-            <a:endParaRPr lang="en-GB" dirty="0"/>
           </a:p>
         </p:txBody>
       </p:sp>
@@ -9441,10 +9657,26 @@
           <a:lstStyle/>
           <a:p>
             <a:r>
-              <a:rPr lang="en-US" smtClean="0"/>
-              <a:t>Đánh giá &amp; cho điểm</a:t>
-            </a:r>
-            <a:endParaRPr lang="en-US"/>
+              <a:rPr lang="en-US" dirty="0" err="1" smtClean="0"/>
+              <a:t>Hướng</a:t>
+            </a:r>
+            <a:r>
+              <a:rPr lang="en-US" dirty="0" smtClean="0"/>
+              <a:t> </a:t>
+            </a:r>
+            <a:r>
+              <a:rPr lang="en-US" dirty="0" err="1" smtClean="0"/>
+              <a:t>dẫn</a:t>
+            </a:r>
+            <a:r>
+              <a:rPr lang="en-US" dirty="0" smtClean="0"/>
+              <a:t> </a:t>
+            </a:r>
+            <a:r>
+              <a:rPr lang="en-US" dirty="0" err="1" smtClean="0"/>
+              <a:t>GitHub</a:t>
+            </a:r>
+            <a:endParaRPr lang="vi-VN" dirty="0"/>
           </a:p>
         </p:txBody>
       </p:sp>
@@ -9455,23 +9687,675 @@
             <a:spLocks noGrp="1"/>
           </p:cNvSpPr>
           <p:nvPr>
-            <p:ph sz="quarter" idx="1"/>
+            <p:ph idx="1"/>
           </p:nvPr>
         </p:nvSpPr>
         <p:spPr/>
         <p:txBody>
-          <a:bodyPr/>
-          <a:lstStyle/>
-          <a:p>
-            <a:r>
-              <a:rPr lang="en-US" smtClean="0"/>
-              <a:t>Under updating</a:t>
-            </a:r>
-            <a:endParaRPr lang="en-US"/>
+          <a:bodyPr>
+            <a:normAutofit fontScale="77500" lnSpcReduction="20000"/>
+          </a:bodyPr>
+          <a:lstStyle/>
+          <a:p>
+            <a:r>
+              <a:rPr lang="en-US" dirty="0" err="1"/>
+              <a:t>Sử</a:t>
+            </a:r>
+            <a:r>
+              <a:rPr lang="en-US" dirty="0"/>
+              <a:t> </a:t>
+            </a:r>
+            <a:r>
+              <a:rPr lang="en-US" dirty="0" err="1"/>
+              <a:t>dụng</a:t>
+            </a:r>
+            <a:r>
+              <a:rPr lang="en-US" dirty="0"/>
+              <a:t> </a:t>
+            </a:r>
+            <a:r>
+              <a:rPr lang="en-US" dirty="0" err="1"/>
+              <a:t>GitHub</a:t>
+            </a:r>
+            <a:r>
+              <a:rPr lang="en-US" dirty="0"/>
+              <a:t> </a:t>
+            </a:r>
+            <a:r>
+              <a:rPr lang="en-US" dirty="0" err="1"/>
+              <a:t>để</a:t>
+            </a:r>
+            <a:r>
+              <a:rPr lang="en-US" dirty="0"/>
+              <a:t> </a:t>
+            </a:r>
+            <a:r>
+              <a:rPr lang="en-US" dirty="0" err="1"/>
+              <a:t>lưu</a:t>
+            </a:r>
+            <a:r>
+              <a:rPr lang="en-US" dirty="0"/>
+              <a:t> </a:t>
+            </a:r>
+            <a:r>
+              <a:rPr lang="en-US" dirty="0" err="1"/>
+              <a:t>trữ</a:t>
+            </a:r>
+            <a:r>
+              <a:rPr lang="en-US" dirty="0"/>
+              <a:t> </a:t>
+            </a:r>
+            <a:r>
+              <a:rPr lang="en-US" dirty="0" err="1"/>
+              <a:t>các</a:t>
+            </a:r>
+            <a:r>
+              <a:rPr lang="en-US" dirty="0"/>
+              <a:t> </a:t>
+            </a:r>
+            <a:r>
+              <a:rPr lang="en-US" dirty="0" err="1"/>
+              <a:t>chế</a:t>
+            </a:r>
+            <a:r>
+              <a:rPr lang="en-US" dirty="0"/>
+              <a:t> </a:t>
+            </a:r>
+            <a:r>
+              <a:rPr lang="en-US" dirty="0" err="1"/>
+              <a:t>tác</a:t>
+            </a:r>
+            <a:r>
+              <a:rPr lang="en-US" dirty="0"/>
+              <a:t> </a:t>
+            </a:r>
+            <a:r>
+              <a:rPr lang="en-US" dirty="0" err="1"/>
+              <a:t>trong</a:t>
+            </a:r>
+            <a:r>
+              <a:rPr lang="en-US" dirty="0"/>
+              <a:t> </a:t>
+            </a:r>
+            <a:r>
+              <a:rPr lang="en-US" dirty="0" err="1"/>
+              <a:t>quá</a:t>
+            </a:r>
+            <a:r>
+              <a:rPr lang="en-US" dirty="0"/>
+              <a:t> </a:t>
+            </a:r>
+            <a:r>
+              <a:rPr lang="en-US" dirty="0" err="1"/>
+              <a:t>trình</a:t>
+            </a:r>
+            <a:r>
+              <a:rPr lang="en-US" dirty="0"/>
+              <a:t> </a:t>
+            </a:r>
+            <a:r>
+              <a:rPr lang="en-US" dirty="0" err="1"/>
+              <a:t>thực</a:t>
+            </a:r>
+            <a:r>
+              <a:rPr lang="en-US" dirty="0"/>
+              <a:t> </a:t>
+            </a:r>
+            <a:r>
+              <a:rPr lang="en-US" dirty="0" err="1"/>
+              <a:t>hiện</a:t>
+            </a:r>
+            <a:r>
+              <a:rPr lang="en-US" dirty="0"/>
+              <a:t> </a:t>
+            </a:r>
+            <a:r>
+              <a:rPr lang="en-US" dirty="0" err="1"/>
+              <a:t>dự</a:t>
+            </a:r>
+            <a:r>
+              <a:rPr lang="en-US" dirty="0"/>
+              <a:t> </a:t>
+            </a:r>
+            <a:r>
+              <a:rPr lang="en-US" dirty="0" err="1"/>
+              <a:t>án</a:t>
+            </a:r>
+            <a:endParaRPr lang="en-US" dirty="0"/>
+          </a:p>
+          <a:p>
+            <a:pPr lvl="1"/>
+            <a:r>
+              <a:rPr lang="en-US" dirty="0" err="1"/>
+              <a:t>Mỗi</a:t>
+            </a:r>
+            <a:r>
+              <a:rPr lang="en-US" dirty="0"/>
+              <a:t> </a:t>
+            </a:r>
+            <a:r>
+              <a:rPr lang="en-US" dirty="0" err="1"/>
+              <a:t>nhóm</a:t>
+            </a:r>
+            <a:r>
+              <a:rPr lang="en-US" dirty="0"/>
+              <a:t> </a:t>
+            </a:r>
+            <a:r>
+              <a:rPr lang="en-US" dirty="0" err="1"/>
+              <a:t>tự</a:t>
+            </a:r>
+            <a:r>
+              <a:rPr lang="en-US" dirty="0"/>
+              <a:t> </a:t>
+            </a:r>
+            <a:r>
+              <a:rPr lang="en-US" dirty="0" err="1"/>
+              <a:t>tạo</a:t>
+            </a:r>
+            <a:r>
+              <a:rPr lang="en-US" dirty="0"/>
+              <a:t> </a:t>
+            </a:r>
+            <a:r>
+              <a:rPr lang="en-US" dirty="0" err="1"/>
+              <a:t>một</a:t>
+            </a:r>
+            <a:r>
+              <a:rPr lang="en-US" dirty="0"/>
+              <a:t> </a:t>
+            </a:r>
+            <a:r>
+              <a:rPr lang="en-US" dirty="0" err="1"/>
+              <a:t>kho</a:t>
+            </a:r>
+            <a:r>
+              <a:rPr lang="en-US" dirty="0"/>
+              <a:t> </a:t>
+            </a:r>
+            <a:r>
+              <a:rPr lang="en-US" dirty="0" err="1"/>
+              <a:t>lưu</a:t>
+            </a:r>
+            <a:r>
+              <a:rPr lang="en-US" dirty="0"/>
+              <a:t> </a:t>
+            </a:r>
+            <a:r>
+              <a:rPr lang="en-US" dirty="0" err="1"/>
+              <a:t>trữ</a:t>
+            </a:r>
+            <a:r>
+              <a:rPr lang="en-US" dirty="0"/>
+              <a:t> </a:t>
+            </a:r>
+            <a:r>
+              <a:rPr lang="en-US" dirty="0" err="1"/>
+              <a:t>riêng</a:t>
+            </a:r>
+            <a:r>
+              <a:rPr lang="en-US" dirty="0"/>
+              <a:t> </a:t>
+            </a:r>
+            <a:r>
+              <a:rPr lang="en-US" dirty="0">
+                <a:hlinkClick r:id="rId2"/>
+              </a:rPr>
+              <a:t>https://help.github.com/articles/creating-a-new-repository</a:t>
+            </a:r>
+            <a:r>
+              <a:rPr lang="en-US" dirty="0"/>
+              <a:t> </a:t>
+            </a:r>
+          </a:p>
+          <a:p>
+            <a:pPr lvl="1"/>
+            <a:r>
+              <a:rPr lang="en-US" dirty="0" err="1"/>
+              <a:t>Thêm</a:t>
+            </a:r>
+            <a:r>
+              <a:rPr lang="en-US" dirty="0"/>
+              <a:t> </a:t>
+            </a:r>
+            <a:r>
+              <a:rPr lang="en-US" dirty="0" err="1"/>
+              <a:t>các</a:t>
+            </a:r>
+            <a:r>
+              <a:rPr lang="en-US" dirty="0"/>
+              <a:t> </a:t>
+            </a:r>
+            <a:r>
+              <a:rPr lang="en-US" dirty="0" err="1"/>
+              <a:t>thành</a:t>
+            </a:r>
+            <a:r>
+              <a:rPr lang="en-US" dirty="0"/>
+              <a:t> </a:t>
+            </a:r>
+            <a:r>
+              <a:rPr lang="en-US" dirty="0" err="1"/>
+              <a:t>viên</a:t>
+            </a:r>
+            <a:r>
+              <a:rPr lang="en-US" dirty="0"/>
+              <a:t>/</a:t>
+            </a:r>
+            <a:r>
+              <a:rPr lang="en-US" dirty="0" err="1"/>
+              <a:t>người</a:t>
+            </a:r>
+            <a:r>
+              <a:rPr lang="en-US" dirty="0"/>
+              <a:t> </a:t>
+            </a:r>
+            <a:r>
+              <a:rPr lang="en-US" dirty="0" err="1"/>
+              <a:t>dùng</a:t>
+            </a:r>
+            <a:r>
+              <a:rPr lang="en-US" dirty="0"/>
+              <a:t> </a:t>
+            </a:r>
+            <a:r>
+              <a:rPr lang="en-US" dirty="0" err="1"/>
+              <a:t>là</a:t>
+            </a:r>
+            <a:r>
+              <a:rPr lang="en-US" dirty="0"/>
+              <a:t> </a:t>
+            </a:r>
+            <a:r>
+              <a:rPr lang="en-US" dirty="0" err="1"/>
+              <a:t>các</a:t>
+            </a:r>
+            <a:r>
+              <a:rPr lang="en-US" dirty="0"/>
+              <a:t> </a:t>
+            </a:r>
+            <a:r>
+              <a:rPr lang="en-US" dirty="0" err="1"/>
+              <a:t>thành</a:t>
+            </a:r>
+            <a:r>
+              <a:rPr lang="en-US" dirty="0"/>
+              <a:t> </a:t>
+            </a:r>
+            <a:r>
+              <a:rPr lang="en-US" dirty="0" err="1"/>
+              <a:t>viên</a:t>
+            </a:r>
+            <a:r>
+              <a:rPr lang="en-US" dirty="0"/>
+              <a:t> </a:t>
+            </a:r>
+            <a:r>
+              <a:rPr lang="en-US" dirty="0" err="1"/>
+              <a:t>trong</a:t>
+            </a:r>
+            <a:r>
+              <a:rPr lang="en-US" dirty="0"/>
+              <a:t> </a:t>
+            </a:r>
+            <a:r>
+              <a:rPr lang="en-US" dirty="0" err="1"/>
+              <a:t>nhóm</a:t>
+            </a:r>
+            <a:r>
+              <a:rPr lang="en-US" dirty="0"/>
+              <a:t> </a:t>
+            </a:r>
+            <a:r>
+              <a:rPr lang="en-US" dirty="0" err="1"/>
+              <a:t>và</a:t>
+            </a:r>
+            <a:r>
+              <a:rPr lang="en-US" dirty="0"/>
+              <a:t> 2 </a:t>
+            </a:r>
+            <a:r>
+              <a:rPr lang="en-US" dirty="0" err="1"/>
+              <a:t>giáo</a:t>
+            </a:r>
+            <a:r>
+              <a:rPr lang="en-US" dirty="0"/>
+              <a:t> </a:t>
+            </a:r>
+            <a:r>
+              <a:rPr lang="en-US" dirty="0" err="1" smtClean="0"/>
+              <a:t>viên</a:t>
+            </a:r>
+            <a:endParaRPr lang="en-US" dirty="0" smtClean="0"/>
+          </a:p>
+          <a:p>
+            <a:pPr lvl="2"/>
+            <a:r>
+              <a:rPr lang="en-US" dirty="0" smtClean="0"/>
+              <a:t>(</a:t>
+            </a:r>
+            <a:r>
+              <a:rPr lang="en-US" dirty="0" err="1" smtClean="0"/>
+              <a:t>truonganhhoang</a:t>
+            </a:r>
+            <a:r>
+              <a:rPr lang="en-US" dirty="0" smtClean="0"/>
+              <a:t>, </a:t>
+            </a:r>
+            <a:r>
+              <a:rPr lang="en-US" dirty="0" err="1" smtClean="0"/>
+              <a:t>huongvd</a:t>
+            </a:r>
+            <a:r>
+              <a:rPr lang="en-US" dirty="0" smtClean="0"/>
+              <a:t>)</a:t>
+            </a:r>
+            <a:endParaRPr lang="en-US" dirty="0"/>
+          </a:p>
+          <a:p>
+            <a:pPr lvl="1"/>
+            <a:r>
+              <a:rPr lang="en-US" dirty="0">
+                <a:hlinkClick r:id="rId3"/>
+              </a:rPr>
+              <a:t>https://github.com/vdhuong/Lectures/settings/collaboration</a:t>
+            </a:r>
+            <a:r>
+              <a:rPr lang="en-US" dirty="0"/>
+              <a:t> (sample) </a:t>
+            </a:r>
+          </a:p>
+          <a:p>
+            <a:pPr lvl="2"/>
+            <a:r>
+              <a:rPr lang="en-US" dirty="0" err="1"/>
+              <a:t>Tất</a:t>
+            </a:r>
+            <a:r>
+              <a:rPr lang="en-US" dirty="0"/>
+              <a:t> </a:t>
+            </a:r>
+            <a:r>
+              <a:rPr lang="en-US" dirty="0" err="1"/>
+              <a:t>cả</a:t>
+            </a:r>
+            <a:r>
+              <a:rPr lang="en-US" dirty="0"/>
+              <a:t> </a:t>
+            </a:r>
+            <a:r>
+              <a:rPr lang="en-US" dirty="0" err="1"/>
+              <a:t>các</a:t>
+            </a:r>
+            <a:r>
+              <a:rPr lang="en-US" dirty="0"/>
+              <a:t> </a:t>
+            </a:r>
+            <a:r>
+              <a:rPr lang="en-US" dirty="0" err="1" smtClean="0"/>
+              <a:t>tài</a:t>
+            </a:r>
+            <a:r>
+              <a:rPr lang="en-US" dirty="0" smtClean="0"/>
+              <a:t> </a:t>
+            </a:r>
+            <a:r>
+              <a:rPr lang="en-US" dirty="0" err="1"/>
+              <a:t>liệu</a:t>
+            </a:r>
+            <a:r>
+              <a:rPr lang="en-US" dirty="0"/>
+              <a:t>, </a:t>
+            </a:r>
+            <a:r>
+              <a:rPr lang="en-US" dirty="0" err="1"/>
+              <a:t>mã</a:t>
+            </a:r>
+            <a:r>
+              <a:rPr lang="en-US" dirty="0"/>
+              <a:t> </a:t>
+            </a:r>
+            <a:r>
+              <a:rPr lang="en-US" dirty="0" err="1"/>
+              <a:t>nguồn</a:t>
+            </a:r>
+            <a:r>
+              <a:rPr lang="en-US" dirty="0"/>
+              <a:t>, </a:t>
+            </a:r>
+            <a:r>
+              <a:rPr lang="en-US" dirty="0" err="1"/>
+              <a:t>dữ</a:t>
+            </a:r>
+            <a:r>
+              <a:rPr lang="en-US" dirty="0"/>
+              <a:t> </a:t>
+            </a:r>
+            <a:r>
+              <a:rPr lang="en-US" dirty="0" err="1"/>
+              <a:t>liệu</a:t>
+            </a:r>
+            <a:r>
+              <a:rPr lang="en-US" dirty="0"/>
+              <a:t>,… </a:t>
+            </a:r>
+            <a:r>
+              <a:rPr lang="en-US" dirty="0" err="1"/>
+              <a:t>cần</a:t>
+            </a:r>
+            <a:r>
+              <a:rPr lang="en-US" dirty="0"/>
+              <a:t> </a:t>
+            </a:r>
+            <a:r>
+              <a:rPr lang="en-US" dirty="0" err="1"/>
+              <a:t>được</a:t>
+            </a:r>
+            <a:r>
+              <a:rPr lang="en-US" dirty="0"/>
+              <a:t> </a:t>
+            </a:r>
+            <a:r>
+              <a:rPr lang="en-US" dirty="0" err="1"/>
+              <a:t>lưu</a:t>
+            </a:r>
+            <a:r>
+              <a:rPr lang="en-US" dirty="0"/>
+              <a:t> </a:t>
+            </a:r>
+            <a:r>
+              <a:rPr lang="en-US" dirty="0" err="1"/>
+              <a:t>trữ</a:t>
+            </a:r>
+            <a:r>
+              <a:rPr lang="en-US" dirty="0"/>
+              <a:t> </a:t>
+            </a:r>
+            <a:r>
+              <a:rPr lang="en-US" dirty="0" err="1"/>
+              <a:t>trong</a:t>
+            </a:r>
+            <a:r>
+              <a:rPr lang="en-US" dirty="0"/>
+              <a:t> </a:t>
+            </a:r>
+            <a:r>
+              <a:rPr lang="en-US" dirty="0" err="1"/>
+              <a:t>kho</a:t>
+            </a:r>
+            <a:r>
+              <a:rPr lang="en-US" dirty="0"/>
+              <a:t> </a:t>
+            </a:r>
+            <a:r>
+              <a:rPr lang="en-US" dirty="0" err="1"/>
+              <a:t>và</a:t>
+            </a:r>
+            <a:r>
+              <a:rPr lang="en-US" dirty="0"/>
+              <a:t> </a:t>
+            </a:r>
+            <a:r>
+              <a:rPr lang="en-US" dirty="0" err="1"/>
+              <a:t>thường</a:t>
+            </a:r>
+            <a:r>
+              <a:rPr lang="en-US" dirty="0"/>
+              <a:t> </a:t>
+            </a:r>
+            <a:r>
+              <a:rPr lang="en-US" dirty="0" err="1"/>
+              <a:t>xuyên</a:t>
+            </a:r>
+            <a:r>
+              <a:rPr lang="en-US" dirty="0"/>
+              <a:t> </a:t>
+            </a:r>
+            <a:r>
+              <a:rPr lang="en-US" dirty="0" err="1"/>
+              <a:t>cập</a:t>
+            </a:r>
+            <a:r>
+              <a:rPr lang="en-US" dirty="0"/>
+              <a:t> </a:t>
+            </a:r>
+            <a:r>
+              <a:rPr lang="en-US" dirty="0" err="1"/>
+              <a:t>nhật</a:t>
+            </a:r>
+            <a:endParaRPr lang="en-US" dirty="0"/>
+          </a:p>
+          <a:p>
+            <a:r>
+              <a:rPr lang="en-US" dirty="0" err="1"/>
+              <a:t>Sử</a:t>
+            </a:r>
+            <a:r>
+              <a:rPr lang="en-US" dirty="0"/>
+              <a:t> </a:t>
+            </a:r>
+            <a:r>
+              <a:rPr lang="en-US" dirty="0" err="1"/>
+              <a:t>dụng</a:t>
+            </a:r>
+            <a:r>
+              <a:rPr lang="en-US" dirty="0"/>
+              <a:t> </a:t>
+            </a:r>
+            <a:r>
+              <a:rPr lang="en-US" dirty="0" err="1"/>
+              <a:t>các</a:t>
+            </a:r>
+            <a:r>
+              <a:rPr lang="en-US" dirty="0"/>
+              <a:t> </a:t>
+            </a:r>
+            <a:r>
+              <a:rPr lang="en-US" dirty="0" err="1"/>
+              <a:t>công</a:t>
+            </a:r>
+            <a:r>
+              <a:rPr lang="en-US" dirty="0"/>
+              <a:t> </a:t>
+            </a:r>
+            <a:r>
+              <a:rPr lang="en-US" dirty="0" err="1"/>
+              <a:t>cụ</a:t>
+            </a:r>
+            <a:r>
+              <a:rPr lang="en-US" dirty="0"/>
+              <a:t> </a:t>
+            </a:r>
+            <a:r>
+              <a:rPr lang="en-US" dirty="0" err="1"/>
+              <a:t>sẵn</a:t>
+            </a:r>
+            <a:r>
+              <a:rPr lang="en-US" dirty="0"/>
+              <a:t> </a:t>
+            </a:r>
+            <a:r>
+              <a:rPr lang="en-US" dirty="0" err="1"/>
+              <a:t>có</a:t>
+            </a:r>
+            <a:r>
+              <a:rPr lang="en-US" dirty="0"/>
+              <a:t> </a:t>
+            </a:r>
+            <a:r>
+              <a:rPr lang="en-US" dirty="0" err="1"/>
+              <a:t>khác</a:t>
+            </a:r>
+            <a:r>
+              <a:rPr lang="en-US" dirty="0"/>
+              <a:t> </a:t>
+            </a:r>
+            <a:r>
+              <a:rPr lang="en-US" dirty="0" err="1"/>
+              <a:t>để</a:t>
+            </a:r>
+            <a:r>
+              <a:rPr lang="en-US" dirty="0"/>
+              <a:t> </a:t>
+            </a:r>
+            <a:r>
+              <a:rPr lang="en-US" dirty="0" err="1"/>
+              <a:t>hỗ</a:t>
+            </a:r>
+            <a:r>
+              <a:rPr lang="en-US" dirty="0"/>
+              <a:t> </a:t>
+            </a:r>
+            <a:r>
+              <a:rPr lang="en-US" dirty="0" err="1"/>
+              <a:t>trợ</a:t>
+            </a:r>
+            <a:r>
+              <a:rPr lang="en-US" dirty="0"/>
+              <a:t> </a:t>
+            </a:r>
+            <a:r>
+              <a:rPr lang="en-US" dirty="0" err="1"/>
+              <a:t>giao</a:t>
+            </a:r>
+            <a:r>
+              <a:rPr lang="en-US" dirty="0"/>
+              <a:t> </a:t>
+            </a:r>
+            <a:r>
+              <a:rPr lang="en-US" dirty="0" err="1"/>
+              <a:t>tiếp</a:t>
+            </a:r>
+            <a:r>
+              <a:rPr lang="en-US" dirty="0"/>
+              <a:t> </a:t>
+            </a:r>
+            <a:r>
+              <a:rPr lang="en-US" dirty="0" err="1"/>
+              <a:t>trong</a:t>
+            </a:r>
+            <a:r>
+              <a:rPr lang="en-US" dirty="0"/>
+              <a:t> </a:t>
+            </a:r>
+            <a:r>
+              <a:rPr lang="en-US" dirty="0" err="1"/>
+              <a:t>nhóm</a:t>
+            </a:r>
+            <a:r>
+              <a:rPr lang="en-US" dirty="0"/>
+              <a:t>,….</a:t>
+            </a:r>
+            <a:endParaRPr lang="vi-VN" dirty="0"/>
           </a:p>
         </p:txBody>
       </p:sp>
     </p:spTree>
+    <p:extLst>
+      <p:ext uri="{BB962C8B-B14F-4D97-AF65-F5344CB8AC3E}">
+        <p14:creationId xmlns:p14="http://schemas.microsoft.com/office/powerpoint/2010/main" val="3545690957"/>
+      </p:ext>
+    </p:extLst>
   </p:cSld>
   <p:clrMapOvr>
     <a:masterClrMapping/>
@@ -9498,12 +10382,12 @@
       </p:grpSpPr>
       <p:sp>
         <p:nvSpPr>
-          <p:cNvPr id="20483" name="Content Placeholder 2"/>
+          <p:cNvPr id="14338" name="Title 1"/>
           <p:cNvSpPr>
             <a:spLocks noGrp="1"/>
           </p:cNvSpPr>
           <p:nvPr>
-            <p:ph type="subTitle" idx="1"/>
+            <p:ph type="title"/>
           </p:nvPr>
         </p:nvSpPr>
         <p:spPr/>
@@ -9512,10 +10396,1218 @@
           <a:lstStyle/>
           <a:p>
             <a:pPr eaLnBrk="1" hangingPunct="1"/>
-            <a:endParaRPr lang="en-US" smtClean="0"/>
-          </a:p>
-        </p:txBody>
-      </p:sp>
+            <a:r>
+              <a:rPr lang="en-US" dirty="0" err="1" smtClean="0"/>
+              <a:t>Dự</a:t>
+            </a:r>
+            <a:r>
+              <a:rPr lang="en-US" dirty="0" smtClean="0"/>
+              <a:t> </a:t>
+            </a:r>
+            <a:r>
+              <a:rPr lang="en-US" dirty="0" err="1" smtClean="0"/>
+              <a:t>án</a:t>
+            </a:r>
+            <a:r>
+              <a:rPr lang="en-US" dirty="0" smtClean="0"/>
+              <a:t> – </a:t>
+            </a:r>
+            <a:r>
+              <a:rPr lang="en-US" dirty="0" err="1" smtClean="0"/>
+              <a:t>Báo</a:t>
+            </a:r>
+            <a:r>
+              <a:rPr lang="en-US" dirty="0" smtClean="0"/>
+              <a:t> </a:t>
+            </a:r>
+            <a:r>
+              <a:rPr lang="en-US" dirty="0" err="1" smtClean="0"/>
+              <a:t>cáo</a:t>
+            </a:r>
+            <a:endParaRPr lang="vi-VN" dirty="0" smtClean="0"/>
+          </a:p>
+        </p:txBody>
+      </p:sp>
+      <p:sp>
+        <p:nvSpPr>
+          <p:cNvPr id="14339" name="Content Placeholder 2"/>
+          <p:cNvSpPr>
+            <a:spLocks noGrp="1"/>
+          </p:cNvSpPr>
+          <p:nvPr>
+            <p:ph idx="1"/>
+          </p:nvPr>
+        </p:nvSpPr>
+        <p:spPr/>
+        <p:txBody>
+          <a:bodyPr>
+            <a:normAutofit/>
+          </a:bodyPr>
+          <a:lstStyle/>
+          <a:p>
+            <a:pPr eaLnBrk="1" hangingPunct="1">
+              <a:defRPr/>
+            </a:pPr>
+            <a:r>
+              <a:rPr lang="en-US" dirty="0" err="1" smtClean="0"/>
+              <a:t>Kiểm</a:t>
+            </a:r>
+            <a:r>
+              <a:rPr lang="en-US" dirty="0" smtClean="0"/>
+              <a:t> </a:t>
+            </a:r>
+            <a:r>
+              <a:rPr lang="en-US" dirty="0" err="1" smtClean="0"/>
+              <a:t>tra</a:t>
+            </a:r>
+            <a:r>
+              <a:rPr lang="en-US" dirty="0" smtClean="0"/>
+              <a:t>/</a:t>
+            </a:r>
+            <a:r>
+              <a:rPr lang="en-US" dirty="0" err="1" smtClean="0"/>
+              <a:t>Báo</a:t>
+            </a:r>
+            <a:r>
+              <a:rPr lang="en-US" dirty="0" smtClean="0"/>
+              <a:t> </a:t>
+            </a:r>
+            <a:r>
+              <a:rPr lang="en-US" dirty="0" err="1" smtClean="0"/>
+              <a:t>cáo</a:t>
+            </a:r>
+            <a:r>
+              <a:rPr lang="en-US" dirty="0" smtClean="0"/>
+              <a:t> </a:t>
+            </a:r>
+            <a:r>
+              <a:rPr lang="en-US" dirty="0" err="1" smtClean="0"/>
+              <a:t>hàng</a:t>
+            </a:r>
+            <a:r>
+              <a:rPr lang="en-US" dirty="0" smtClean="0"/>
+              <a:t> </a:t>
+            </a:r>
+            <a:r>
+              <a:rPr lang="en-US" dirty="0" err="1" smtClean="0"/>
+              <a:t>tuần</a:t>
+            </a:r>
+            <a:endParaRPr lang="en-US" dirty="0" smtClean="0"/>
+          </a:p>
+          <a:p>
+            <a:pPr eaLnBrk="1" hangingPunct="1">
+              <a:defRPr/>
+            </a:pPr>
+            <a:r>
+              <a:rPr lang="en-US" dirty="0" err="1" smtClean="0"/>
+              <a:t>Tuần</a:t>
+            </a:r>
+            <a:r>
+              <a:rPr lang="en-US" dirty="0" smtClean="0"/>
+              <a:t> 14-15</a:t>
+            </a:r>
+            <a:endParaRPr lang="en-US" dirty="0" smtClean="0"/>
+          </a:p>
+          <a:p>
+            <a:pPr lvl="1" eaLnBrk="1" hangingPunct="1">
+              <a:defRPr/>
+            </a:pPr>
+            <a:r>
+              <a:rPr lang="en-US" dirty="0" err="1" smtClean="0">
+                <a:solidFill>
+                  <a:srgbClr val="C00000"/>
+                </a:solidFill>
+              </a:rPr>
+              <a:t>Tổng</a:t>
+            </a:r>
+            <a:r>
+              <a:rPr lang="en-US" dirty="0" smtClean="0">
+                <a:solidFill>
+                  <a:srgbClr val="C00000"/>
+                </a:solidFill>
+              </a:rPr>
+              <a:t> </a:t>
+            </a:r>
+            <a:r>
+              <a:rPr lang="en-US" dirty="0" err="1" smtClean="0">
+                <a:solidFill>
+                  <a:srgbClr val="C00000"/>
+                </a:solidFill>
+              </a:rPr>
+              <a:t>kết</a:t>
+            </a:r>
+            <a:r>
+              <a:rPr lang="en-US" dirty="0" smtClean="0">
+                <a:solidFill>
+                  <a:srgbClr val="C00000"/>
+                </a:solidFill>
+              </a:rPr>
+              <a:t>, </a:t>
+            </a:r>
+            <a:r>
+              <a:rPr lang="en-US" dirty="0" err="1" smtClean="0">
+                <a:solidFill>
+                  <a:srgbClr val="C00000"/>
+                </a:solidFill>
+              </a:rPr>
+              <a:t>báo</a:t>
+            </a:r>
+            <a:r>
+              <a:rPr lang="en-US" dirty="0" smtClean="0">
+                <a:solidFill>
+                  <a:srgbClr val="C00000"/>
+                </a:solidFill>
+              </a:rPr>
+              <a:t> </a:t>
+            </a:r>
+            <a:r>
+              <a:rPr lang="en-US" dirty="0" err="1" smtClean="0">
+                <a:solidFill>
+                  <a:srgbClr val="C00000"/>
+                </a:solidFill>
+              </a:rPr>
+              <a:t>cáo</a:t>
+            </a:r>
+            <a:r>
+              <a:rPr lang="en-US" dirty="0" smtClean="0">
+                <a:solidFill>
+                  <a:srgbClr val="C00000"/>
+                </a:solidFill>
+              </a:rPr>
+              <a:t> </a:t>
+            </a:r>
+            <a:r>
+              <a:rPr lang="en-US" dirty="0" err="1" smtClean="0">
+                <a:solidFill>
+                  <a:srgbClr val="C00000"/>
+                </a:solidFill>
+              </a:rPr>
+              <a:t>tổng</a:t>
+            </a:r>
+            <a:r>
+              <a:rPr lang="en-US" dirty="0" smtClean="0">
+                <a:solidFill>
+                  <a:srgbClr val="C00000"/>
+                </a:solidFill>
+              </a:rPr>
+              <a:t> </a:t>
+            </a:r>
+            <a:r>
+              <a:rPr lang="en-US" dirty="0" err="1" smtClean="0">
+                <a:solidFill>
+                  <a:srgbClr val="C00000"/>
+                </a:solidFill>
+              </a:rPr>
+              <a:t>thể</a:t>
+            </a:r>
+            <a:r>
+              <a:rPr lang="en-US" dirty="0" smtClean="0">
+                <a:solidFill>
+                  <a:srgbClr val="C00000"/>
+                </a:solidFill>
+              </a:rPr>
+              <a:t> </a:t>
+            </a:r>
+            <a:r>
+              <a:rPr lang="en-US" dirty="0" err="1" smtClean="0">
+                <a:solidFill>
+                  <a:srgbClr val="C00000"/>
+                </a:solidFill>
+              </a:rPr>
+              <a:t>dự</a:t>
+            </a:r>
+            <a:r>
+              <a:rPr lang="en-US" dirty="0" smtClean="0">
+                <a:solidFill>
+                  <a:srgbClr val="C00000"/>
+                </a:solidFill>
+              </a:rPr>
+              <a:t> </a:t>
+            </a:r>
+            <a:r>
+              <a:rPr lang="en-US" dirty="0" err="1" smtClean="0">
+                <a:solidFill>
+                  <a:srgbClr val="C00000"/>
+                </a:solidFill>
+              </a:rPr>
+              <a:t>án</a:t>
+            </a:r>
+            <a:endParaRPr lang="en-US" dirty="0" smtClean="0">
+              <a:solidFill>
+                <a:srgbClr val="C00000"/>
+              </a:solidFill>
+            </a:endParaRPr>
+          </a:p>
+        </p:txBody>
+      </p:sp>
+    </p:spTree>
+  </p:cSld>
+  <p:clrMapOvr>
+    <a:masterClrMapping/>
+  </p:clrMapOvr>
+  <p:timing>
+    <p:tnLst>
+      <p:par>
+        <p:cTn id="1" dur="indefinite" restart="never" nodeType="tmRoot"/>
+      </p:par>
+    </p:tnLst>
+  </p:timing>
+</p:sld>
+</file>
+
+<file path=ppt/slides/slide13.xml><?xml version="1.0" encoding="utf-8"?>
+<p:sld xmlns:a="http://schemas.openxmlformats.org/drawingml/2006/main" xmlns:r="http://schemas.openxmlformats.org/officeDocument/2006/relationships" xmlns:p="http://schemas.openxmlformats.org/presentationml/2006/main">
+  <p:cSld>
+    <p:spTree>
+      <p:nvGrpSpPr>
+        <p:cNvPr id="1" name=""/>
+        <p:cNvGrpSpPr/>
+        <p:nvPr/>
+      </p:nvGrpSpPr>
+      <p:grpSpPr>
+        <a:xfrm>
+          <a:off x="0" y="0"/>
+          <a:ext cx="0" cy="0"/>
+          <a:chOff x="0" y="0"/>
+          <a:chExt cx="0" cy="0"/>
+        </a:xfrm>
+      </p:grpSpPr>
+      <p:sp>
+        <p:nvSpPr>
+          <p:cNvPr id="17410" name="Title 1"/>
+          <p:cNvSpPr>
+            <a:spLocks noGrp="1"/>
+          </p:cNvSpPr>
+          <p:nvPr>
+            <p:ph type="title"/>
+          </p:nvPr>
+        </p:nvSpPr>
+        <p:spPr/>
+        <p:txBody>
+          <a:bodyPr/>
+          <a:lstStyle/>
+          <a:p>
+            <a:r>
+              <a:rPr lang="en-GB" dirty="0" err="1" smtClean="0"/>
+              <a:t>Triển</a:t>
+            </a:r>
+            <a:r>
+              <a:rPr lang="en-GB" dirty="0" smtClean="0"/>
+              <a:t> </a:t>
+            </a:r>
+            <a:r>
+              <a:rPr lang="en-GB" dirty="0" err="1" smtClean="0"/>
+              <a:t>khai</a:t>
+            </a:r>
+            <a:r>
+              <a:rPr lang="en-GB" dirty="0" smtClean="0"/>
+              <a:t> </a:t>
+            </a:r>
+            <a:r>
+              <a:rPr lang="en-GB" dirty="0" err="1" smtClean="0"/>
+              <a:t>môn</a:t>
+            </a:r>
+            <a:r>
+              <a:rPr lang="en-GB" dirty="0" smtClean="0"/>
+              <a:t> </a:t>
+            </a:r>
+            <a:r>
+              <a:rPr lang="en-GB" dirty="0" err="1" smtClean="0"/>
+              <a:t>học</a:t>
+            </a:r>
+            <a:endParaRPr lang="en-GB" dirty="0" smtClean="0"/>
+          </a:p>
+        </p:txBody>
+      </p:sp>
+      <p:sp>
+        <p:nvSpPr>
+          <p:cNvPr id="7" name="Content Placeholder 6"/>
+          <p:cNvSpPr>
+            <a:spLocks noGrp="1"/>
+          </p:cNvSpPr>
+          <p:nvPr>
+            <p:ph idx="1"/>
+          </p:nvPr>
+        </p:nvSpPr>
+        <p:spPr/>
+        <p:txBody>
+          <a:bodyPr>
+            <a:normAutofit lnSpcReduction="10000"/>
+          </a:bodyPr>
+          <a:lstStyle/>
+          <a:p>
+            <a:r>
+              <a:rPr lang="en-US" dirty="0" err="1" smtClean="0"/>
+              <a:t>Các</a:t>
+            </a:r>
+            <a:r>
+              <a:rPr lang="en-US" dirty="0" smtClean="0"/>
+              <a:t> </a:t>
+            </a:r>
+            <a:r>
+              <a:rPr lang="en-US" dirty="0" err="1" smtClean="0"/>
+              <a:t>tuần</a:t>
+            </a:r>
+            <a:r>
+              <a:rPr lang="en-US" dirty="0" smtClean="0"/>
+              <a:t> </a:t>
+            </a:r>
+            <a:r>
+              <a:rPr lang="en-US" dirty="0" err="1" smtClean="0"/>
+              <a:t>học</a:t>
+            </a:r>
+            <a:r>
+              <a:rPr lang="en-US" dirty="0" smtClean="0"/>
+              <a:t> </a:t>
+            </a:r>
+            <a:r>
+              <a:rPr lang="en-US" dirty="0" err="1" smtClean="0"/>
+              <a:t>đầu</a:t>
+            </a:r>
+            <a:r>
+              <a:rPr lang="en-US" dirty="0" smtClean="0"/>
+              <a:t> (</a:t>
+            </a:r>
+            <a:r>
+              <a:rPr lang="en-US" dirty="0" err="1" smtClean="0"/>
+              <a:t>Cô</a:t>
+            </a:r>
+            <a:r>
+              <a:rPr lang="en-US" dirty="0" smtClean="0"/>
+              <a:t> </a:t>
+            </a:r>
+            <a:r>
+              <a:rPr lang="en-US" dirty="0" err="1" smtClean="0"/>
+              <a:t>Hương</a:t>
+            </a:r>
+            <a:r>
+              <a:rPr lang="en-US" dirty="0" smtClean="0"/>
+              <a:t>)</a:t>
+            </a:r>
+          </a:p>
+          <a:p>
+            <a:pPr lvl="1"/>
+            <a:r>
+              <a:rPr lang="en-US" dirty="0" err="1" smtClean="0"/>
+              <a:t>Tập</a:t>
+            </a:r>
+            <a:r>
+              <a:rPr lang="en-US" dirty="0" smtClean="0"/>
+              <a:t> </a:t>
+            </a:r>
+            <a:r>
+              <a:rPr lang="en-US" dirty="0" err="1" smtClean="0"/>
+              <a:t>trung</a:t>
+            </a:r>
+            <a:r>
+              <a:rPr lang="en-US" dirty="0" smtClean="0"/>
+              <a:t> </a:t>
+            </a:r>
+            <a:r>
+              <a:rPr lang="en-US" dirty="0" err="1" smtClean="0"/>
+              <a:t>lý</a:t>
+            </a:r>
+            <a:r>
+              <a:rPr lang="en-US" dirty="0" smtClean="0"/>
+              <a:t> </a:t>
+            </a:r>
+            <a:r>
+              <a:rPr lang="en-US" dirty="0" err="1" smtClean="0"/>
+              <a:t>thuyết</a:t>
+            </a:r>
+            <a:r>
+              <a:rPr lang="en-US" dirty="0" smtClean="0"/>
+              <a:t> </a:t>
+            </a:r>
+            <a:r>
+              <a:rPr lang="en-US" dirty="0" err="1" smtClean="0"/>
+              <a:t>trong</a:t>
+            </a:r>
+            <a:r>
+              <a:rPr lang="en-US" dirty="0" smtClean="0"/>
+              <a:t> </a:t>
+            </a:r>
+            <a:r>
+              <a:rPr lang="en-US" dirty="0" err="1" smtClean="0"/>
+              <a:t>cuốn</a:t>
+            </a:r>
+            <a:r>
+              <a:rPr lang="en-US" dirty="0" smtClean="0"/>
+              <a:t> </a:t>
+            </a:r>
+            <a:r>
+              <a:rPr lang="en-US" dirty="0" err="1" smtClean="0"/>
+              <a:t>sách</a:t>
+            </a:r>
+            <a:r>
+              <a:rPr lang="en-US" dirty="0" smtClean="0"/>
+              <a:t> SE9</a:t>
+            </a:r>
+          </a:p>
+          <a:p>
+            <a:pPr lvl="1"/>
+            <a:r>
+              <a:rPr lang="en-US" dirty="0" err="1" smtClean="0"/>
+              <a:t>Sinh</a:t>
+            </a:r>
+            <a:r>
+              <a:rPr lang="en-US" dirty="0" smtClean="0"/>
+              <a:t> </a:t>
+            </a:r>
+            <a:r>
+              <a:rPr lang="en-US" dirty="0" err="1" smtClean="0"/>
+              <a:t>viên</a:t>
+            </a:r>
+            <a:r>
+              <a:rPr lang="en-US" dirty="0" smtClean="0"/>
+              <a:t> </a:t>
+            </a:r>
+            <a:r>
+              <a:rPr lang="en-US" dirty="0" err="1" smtClean="0"/>
+              <a:t>tìm</a:t>
+            </a:r>
+            <a:r>
+              <a:rPr lang="en-US" dirty="0" smtClean="0"/>
+              <a:t> </a:t>
+            </a:r>
+            <a:r>
+              <a:rPr lang="en-US" dirty="0" err="1" smtClean="0"/>
+              <a:t>hiểu</a:t>
+            </a:r>
+            <a:r>
+              <a:rPr lang="en-US" dirty="0" smtClean="0"/>
+              <a:t> </a:t>
+            </a:r>
+            <a:r>
+              <a:rPr lang="en-US" dirty="0" err="1" smtClean="0"/>
+              <a:t>yêu</a:t>
+            </a:r>
+            <a:r>
+              <a:rPr lang="en-US" dirty="0" smtClean="0"/>
+              <a:t> </a:t>
+            </a:r>
+            <a:r>
+              <a:rPr lang="en-US" dirty="0" err="1" smtClean="0"/>
+              <a:t>cầu</a:t>
+            </a:r>
+            <a:r>
+              <a:rPr lang="en-US" dirty="0" smtClean="0"/>
+              <a:t> </a:t>
+            </a:r>
+            <a:r>
+              <a:rPr lang="en-US" dirty="0" err="1" smtClean="0"/>
+              <a:t>bài</a:t>
+            </a:r>
+            <a:r>
+              <a:rPr lang="en-US" dirty="0" smtClean="0"/>
+              <a:t> </a:t>
+            </a:r>
+            <a:r>
+              <a:rPr lang="en-US" dirty="0" err="1" smtClean="0"/>
+              <a:t>toán</a:t>
+            </a:r>
+            <a:r>
+              <a:rPr lang="en-US" dirty="0" smtClean="0"/>
+              <a:t>, </a:t>
+            </a:r>
+            <a:r>
+              <a:rPr lang="en-US" dirty="0" err="1" smtClean="0"/>
+              <a:t>nghiên</a:t>
+            </a:r>
+            <a:r>
+              <a:rPr lang="en-US" dirty="0" smtClean="0"/>
+              <a:t> </a:t>
+            </a:r>
+            <a:r>
+              <a:rPr lang="en-US" dirty="0" err="1" smtClean="0"/>
+              <a:t>cứu</a:t>
+            </a:r>
+            <a:r>
+              <a:rPr lang="en-US" dirty="0" smtClean="0"/>
+              <a:t> </a:t>
+            </a:r>
+            <a:r>
+              <a:rPr lang="en-US" dirty="0" err="1" smtClean="0"/>
+              <a:t>công</a:t>
+            </a:r>
+            <a:r>
+              <a:rPr lang="en-US" dirty="0" smtClean="0"/>
+              <a:t> </a:t>
+            </a:r>
+            <a:r>
+              <a:rPr lang="en-US" dirty="0" err="1" smtClean="0"/>
+              <a:t>nghệ</a:t>
+            </a:r>
+            <a:r>
+              <a:rPr lang="en-US" dirty="0" smtClean="0"/>
+              <a:t>, </a:t>
+            </a:r>
+            <a:r>
+              <a:rPr lang="en-US" dirty="0" err="1" smtClean="0"/>
+              <a:t>làm</a:t>
+            </a:r>
+            <a:r>
+              <a:rPr lang="en-US" dirty="0" smtClean="0"/>
+              <a:t> </a:t>
+            </a:r>
+            <a:r>
+              <a:rPr lang="en-US" dirty="0" err="1" smtClean="0"/>
+              <a:t>được</a:t>
+            </a:r>
+            <a:r>
+              <a:rPr lang="en-US" dirty="0" smtClean="0"/>
+              <a:t> </a:t>
+            </a:r>
+            <a:r>
+              <a:rPr lang="en-US" dirty="0" err="1" smtClean="0"/>
+              <a:t>một</a:t>
+            </a:r>
+            <a:r>
+              <a:rPr lang="en-US" dirty="0" smtClean="0"/>
+              <a:t> </a:t>
+            </a:r>
+            <a:r>
+              <a:rPr lang="en-US" dirty="0" err="1" smtClean="0"/>
+              <a:t>số</a:t>
+            </a:r>
+            <a:r>
+              <a:rPr lang="en-US" dirty="0" smtClean="0"/>
+              <a:t> </a:t>
+            </a:r>
+            <a:r>
+              <a:rPr lang="en-US" dirty="0" err="1" smtClean="0"/>
+              <a:t>chức</a:t>
+            </a:r>
+            <a:r>
+              <a:rPr lang="en-US" dirty="0" smtClean="0"/>
+              <a:t> </a:t>
+            </a:r>
+            <a:r>
+              <a:rPr lang="en-US" dirty="0" err="1" smtClean="0"/>
+              <a:t>năng</a:t>
+            </a:r>
+            <a:r>
+              <a:rPr lang="en-US" dirty="0" smtClean="0"/>
+              <a:t> </a:t>
+            </a:r>
+            <a:r>
+              <a:rPr lang="en-US" dirty="0" err="1" smtClean="0"/>
+              <a:t>cơ</a:t>
+            </a:r>
+            <a:r>
+              <a:rPr lang="en-US" dirty="0" smtClean="0"/>
+              <a:t> </a:t>
+            </a:r>
+            <a:r>
+              <a:rPr lang="en-US" dirty="0" err="1" smtClean="0"/>
+              <a:t>bản</a:t>
+            </a:r>
+            <a:r>
+              <a:rPr lang="en-US" dirty="0" smtClean="0"/>
+              <a:t> </a:t>
+            </a:r>
+            <a:r>
+              <a:rPr lang="en-US" dirty="0" err="1" smtClean="0"/>
+              <a:t>nhất</a:t>
+            </a:r>
+            <a:endParaRPr lang="en-US" dirty="0" smtClean="0"/>
+          </a:p>
+          <a:p>
+            <a:r>
+              <a:rPr lang="en-US" dirty="0" err="1" smtClean="0"/>
+              <a:t>Các</a:t>
+            </a:r>
+            <a:r>
+              <a:rPr lang="en-US" dirty="0" smtClean="0"/>
+              <a:t> </a:t>
+            </a:r>
+            <a:r>
+              <a:rPr lang="en-US" dirty="0" err="1" smtClean="0"/>
+              <a:t>tuần</a:t>
+            </a:r>
+            <a:r>
+              <a:rPr lang="en-US" dirty="0" smtClean="0"/>
+              <a:t> </a:t>
+            </a:r>
+            <a:r>
+              <a:rPr lang="en-US" dirty="0" err="1" smtClean="0"/>
+              <a:t>học</a:t>
+            </a:r>
+            <a:r>
+              <a:rPr lang="en-US" dirty="0" smtClean="0"/>
+              <a:t> </a:t>
+            </a:r>
+            <a:r>
+              <a:rPr lang="en-US" dirty="0" err="1" smtClean="0"/>
+              <a:t>sau</a:t>
+            </a:r>
+            <a:r>
+              <a:rPr lang="en-US" dirty="0"/>
+              <a:t> </a:t>
+            </a:r>
+            <a:r>
+              <a:rPr lang="en-US" dirty="0" smtClean="0"/>
+              <a:t>(</a:t>
+            </a:r>
+            <a:r>
+              <a:rPr lang="en-US" dirty="0" err="1" smtClean="0"/>
+              <a:t>Thầy</a:t>
+            </a:r>
+            <a:r>
+              <a:rPr lang="en-US" dirty="0" smtClean="0"/>
+              <a:t> </a:t>
+            </a:r>
+            <a:r>
+              <a:rPr lang="en-US" dirty="0" err="1" smtClean="0"/>
+              <a:t>Hoàng</a:t>
+            </a:r>
+            <a:r>
+              <a:rPr lang="en-US" dirty="0" smtClean="0"/>
+              <a:t>), </a:t>
+            </a:r>
+            <a:r>
+              <a:rPr lang="en-US" dirty="0" err="1" smtClean="0"/>
+              <a:t>m</a:t>
+            </a:r>
+            <a:r>
+              <a:rPr lang="en-US" dirty="0" err="1" smtClean="0"/>
+              <a:t>ỗi</a:t>
+            </a:r>
+            <a:r>
+              <a:rPr lang="en-US" dirty="0" smtClean="0"/>
+              <a:t> </a:t>
+            </a:r>
+            <a:r>
+              <a:rPr lang="en-US" dirty="0" err="1" smtClean="0"/>
+              <a:t>buổi</a:t>
+            </a:r>
+            <a:r>
+              <a:rPr lang="en-US" dirty="0" smtClean="0"/>
+              <a:t> </a:t>
+            </a:r>
+            <a:r>
+              <a:rPr lang="en-US" dirty="0" err="1" smtClean="0"/>
+              <a:t>học</a:t>
+            </a:r>
+            <a:r>
+              <a:rPr lang="en-US" dirty="0" smtClean="0"/>
+              <a:t> </a:t>
+            </a:r>
+            <a:r>
+              <a:rPr lang="en-US" dirty="0" err="1" smtClean="0"/>
+              <a:t>sẽ</a:t>
+            </a:r>
+            <a:r>
+              <a:rPr lang="en-US" dirty="0" smtClean="0"/>
+              <a:t> </a:t>
+            </a:r>
+            <a:r>
+              <a:rPr lang="en-US" dirty="0" err="1" smtClean="0"/>
+              <a:t>gồm</a:t>
+            </a:r>
+            <a:r>
+              <a:rPr lang="en-US" dirty="0" smtClean="0"/>
+              <a:t> </a:t>
+            </a:r>
+            <a:r>
+              <a:rPr lang="en-US" dirty="0" err="1" smtClean="0"/>
+              <a:t>hai</a:t>
+            </a:r>
+            <a:r>
+              <a:rPr lang="en-US" dirty="0" smtClean="0"/>
+              <a:t> </a:t>
+            </a:r>
+            <a:r>
+              <a:rPr lang="en-US" dirty="0" err="1" smtClean="0"/>
+              <a:t>phần</a:t>
+            </a:r>
+            <a:endParaRPr lang="en-US" dirty="0" smtClean="0"/>
+          </a:p>
+          <a:p>
+            <a:pPr lvl="1"/>
+            <a:r>
+              <a:rPr lang="en-US" dirty="0" err="1" smtClean="0"/>
+              <a:t>Lý</a:t>
+            </a:r>
+            <a:r>
+              <a:rPr lang="en-US" dirty="0" smtClean="0"/>
+              <a:t> </a:t>
+            </a:r>
+            <a:r>
+              <a:rPr lang="en-US" dirty="0" err="1" smtClean="0"/>
+              <a:t>thuyết</a:t>
+            </a:r>
+            <a:r>
+              <a:rPr lang="en-US" dirty="0" smtClean="0"/>
+              <a:t>: </a:t>
+            </a:r>
+            <a:r>
+              <a:rPr lang="en-US" dirty="0" err="1" smtClean="0"/>
+              <a:t>giới</a:t>
+            </a:r>
+            <a:r>
+              <a:rPr lang="en-US" dirty="0" smtClean="0"/>
+              <a:t> </a:t>
+            </a:r>
+            <a:r>
+              <a:rPr lang="en-US" dirty="0" err="1" smtClean="0"/>
+              <a:t>thiệu</a:t>
+            </a:r>
+            <a:r>
+              <a:rPr lang="en-US" dirty="0" smtClean="0"/>
+              <a:t> </a:t>
+            </a:r>
+            <a:r>
+              <a:rPr lang="en-US" dirty="0" err="1" smtClean="0"/>
+              <a:t>các</a:t>
+            </a:r>
+            <a:r>
+              <a:rPr lang="en-US" dirty="0" smtClean="0"/>
+              <a:t> </a:t>
+            </a:r>
+            <a:r>
+              <a:rPr lang="en-US" dirty="0" err="1" smtClean="0"/>
+              <a:t>khái</a:t>
+            </a:r>
+            <a:r>
+              <a:rPr lang="en-US" dirty="0" smtClean="0"/>
+              <a:t> </a:t>
+            </a:r>
+            <a:r>
+              <a:rPr lang="en-US" dirty="0" err="1" smtClean="0"/>
+              <a:t>niệm</a:t>
+            </a:r>
+            <a:r>
+              <a:rPr lang="en-US" dirty="0" smtClean="0"/>
+              <a:t> </a:t>
+            </a:r>
+            <a:r>
+              <a:rPr lang="en-US" dirty="0" err="1" smtClean="0"/>
+              <a:t>cơ</a:t>
+            </a:r>
+            <a:r>
+              <a:rPr lang="en-US" dirty="0" smtClean="0"/>
+              <a:t> </a:t>
+            </a:r>
+            <a:r>
+              <a:rPr lang="en-US" dirty="0" err="1" smtClean="0"/>
+              <a:t>bản</a:t>
+            </a:r>
+            <a:endParaRPr lang="en-US" dirty="0" smtClean="0"/>
+          </a:p>
+          <a:p>
+            <a:pPr lvl="1"/>
+            <a:r>
+              <a:rPr lang="en-US" dirty="0" err="1" smtClean="0"/>
+              <a:t>Thực</a:t>
+            </a:r>
+            <a:r>
+              <a:rPr lang="en-US" dirty="0" smtClean="0"/>
+              <a:t> </a:t>
+            </a:r>
+            <a:r>
+              <a:rPr lang="en-US" dirty="0" err="1" smtClean="0"/>
+              <a:t>hành</a:t>
+            </a:r>
+            <a:r>
+              <a:rPr lang="en-US" dirty="0" smtClean="0"/>
+              <a:t>: </a:t>
+            </a:r>
+            <a:r>
+              <a:rPr lang="en-US" dirty="0" err="1" smtClean="0"/>
+              <a:t>hướng</a:t>
+            </a:r>
+            <a:r>
+              <a:rPr lang="en-US" dirty="0" smtClean="0"/>
+              <a:t> </a:t>
+            </a:r>
+            <a:r>
+              <a:rPr lang="en-US" dirty="0" err="1" smtClean="0"/>
+              <a:t>dẫn</a:t>
+            </a:r>
+            <a:r>
+              <a:rPr lang="en-US" dirty="0" smtClean="0"/>
+              <a:t>, </a:t>
+            </a:r>
+            <a:r>
+              <a:rPr lang="en-US" dirty="0" err="1" smtClean="0"/>
+              <a:t>kiểm</a:t>
+            </a:r>
+            <a:r>
+              <a:rPr lang="en-US" dirty="0" smtClean="0"/>
+              <a:t> </a:t>
+            </a:r>
+            <a:r>
+              <a:rPr lang="en-US" dirty="0" err="1" smtClean="0"/>
+              <a:t>tra</a:t>
+            </a:r>
+            <a:r>
+              <a:rPr lang="en-US" dirty="0" smtClean="0"/>
+              <a:t> </a:t>
+            </a:r>
+            <a:r>
+              <a:rPr lang="en-US" dirty="0" err="1" smtClean="0"/>
+              <a:t>thực</a:t>
+            </a:r>
+            <a:r>
+              <a:rPr lang="en-US" dirty="0" smtClean="0"/>
+              <a:t> </a:t>
+            </a:r>
+            <a:r>
+              <a:rPr lang="en-US" dirty="0" err="1" smtClean="0"/>
+              <a:t>hiện</a:t>
+            </a:r>
+            <a:r>
+              <a:rPr lang="en-US" dirty="0" smtClean="0"/>
+              <a:t> </a:t>
+            </a:r>
+            <a:r>
+              <a:rPr lang="en-US" dirty="0" err="1" smtClean="0"/>
+              <a:t>dự</a:t>
+            </a:r>
+            <a:r>
+              <a:rPr lang="en-US" dirty="0" smtClean="0"/>
+              <a:t> </a:t>
+            </a:r>
+            <a:r>
+              <a:rPr lang="en-US" dirty="0" err="1" smtClean="0"/>
+              <a:t>án</a:t>
+            </a:r>
+            <a:endParaRPr lang="en-US" dirty="0" smtClean="0"/>
+          </a:p>
+        </p:txBody>
+      </p:sp>
+      <p:sp>
+        <p:nvSpPr>
+          <p:cNvPr id="17443" name="Rectangle 1"/>
+          <p:cNvSpPr>
+            <a:spLocks noChangeArrowheads="1"/>
+          </p:cNvSpPr>
+          <p:nvPr/>
+        </p:nvSpPr>
+        <p:spPr bwMode="auto">
+          <a:xfrm>
+            <a:off x="2565400" y="1600200"/>
+            <a:ext cx="9144000" cy="0"/>
+          </a:xfrm>
+          <a:prstGeom prst="rect">
+            <a:avLst/>
+          </a:prstGeom>
+          <a:noFill/>
+          <a:ln w="9525">
+            <a:noFill/>
+            <a:miter lim="800000"/>
+            <a:headEnd/>
+            <a:tailEnd/>
+          </a:ln>
+        </p:spPr>
+        <p:txBody>
+          <a:bodyPr wrap="none" anchor="ctr">
+            <a:spAutoFit/>
+          </a:bodyPr>
+          <a:lstStyle/>
+          <a:p>
+            <a:pPr algn="r" eaLnBrk="0" hangingPunct="0">
+              <a:buClr>
+                <a:srgbClr val="000000"/>
+              </a:buClr>
+              <a:buSzPct val="100000"/>
+              <a:buFont typeface="Arial" charset="0"/>
+              <a:buNone/>
+            </a:pPr>
+            <a:endParaRPr lang="en-US"/>
+          </a:p>
+        </p:txBody>
+      </p:sp>
+    </p:spTree>
+  </p:cSld>
+  <p:clrMapOvr>
+    <a:masterClrMapping/>
+  </p:clrMapOvr>
+  <p:timing>
+    <p:tnLst>
+      <p:par>
+        <p:cTn id="1" dur="indefinite" restart="never" nodeType="tmRoot"/>
+      </p:par>
+    </p:tnLst>
+  </p:timing>
+</p:sld>
+</file>
+
+<file path=ppt/slides/slide14.xml><?xml version="1.0" encoding="utf-8"?>
+<p:sld xmlns:a="http://schemas.openxmlformats.org/drawingml/2006/main" xmlns:r="http://schemas.openxmlformats.org/officeDocument/2006/relationships" xmlns:p="http://schemas.openxmlformats.org/presentationml/2006/main">
+  <p:cSld>
+    <p:spTree>
+      <p:nvGrpSpPr>
+        <p:cNvPr id="1" name=""/>
+        <p:cNvGrpSpPr/>
+        <p:nvPr/>
+      </p:nvGrpSpPr>
+      <p:grpSpPr>
+        <a:xfrm>
+          <a:off x="0" y="0"/>
+          <a:ext cx="0" cy="0"/>
+          <a:chOff x="0" y="0"/>
+          <a:chExt cx="0" cy="0"/>
+        </a:xfrm>
+      </p:grpSpPr>
+      <p:sp>
+        <p:nvSpPr>
+          <p:cNvPr id="2" name="Title 1"/>
+          <p:cNvSpPr>
+            <a:spLocks noGrp="1"/>
+          </p:cNvSpPr>
+          <p:nvPr>
+            <p:ph type="title"/>
+          </p:nvPr>
+        </p:nvSpPr>
+        <p:spPr/>
+        <p:txBody>
+          <a:bodyPr/>
+          <a:lstStyle/>
+          <a:p>
+            <a:r>
+              <a:rPr lang="en-US" smtClean="0"/>
+              <a:t>Đánh giá &amp; cho điểm</a:t>
+            </a:r>
+            <a:endParaRPr lang="en-US"/>
+          </a:p>
+        </p:txBody>
+      </p:sp>
+      <p:sp>
+        <p:nvSpPr>
+          <p:cNvPr id="5" name="Content Placeholder 4"/>
+          <p:cNvSpPr>
+            <a:spLocks noGrp="1"/>
+          </p:cNvSpPr>
+          <p:nvPr>
+            <p:ph idx="1"/>
+          </p:nvPr>
+        </p:nvSpPr>
+        <p:spPr/>
+        <p:txBody>
+          <a:bodyPr/>
+          <a:lstStyle/>
+          <a:p>
+            <a:r>
+              <a:rPr lang="en-US" dirty="0" err="1" smtClean="0"/>
+              <a:t>Kiểm</a:t>
+            </a:r>
+            <a:r>
+              <a:rPr lang="en-US" dirty="0" smtClean="0"/>
+              <a:t> </a:t>
+            </a:r>
+            <a:r>
+              <a:rPr lang="en-US" dirty="0" err="1" smtClean="0"/>
+              <a:t>tra</a:t>
+            </a:r>
+            <a:r>
+              <a:rPr lang="en-US" dirty="0" smtClean="0"/>
+              <a:t> </a:t>
+            </a:r>
+            <a:r>
+              <a:rPr lang="en-US" dirty="0" err="1" smtClean="0"/>
+              <a:t>thường</a:t>
+            </a:r>
+            <a:r>
+              <a:rPr lang="en-US" dirty="0" smtClean="0"/>
+              <a:t> </a:t>
+            </a:r>
+            <a:r>
+              <a:rPr lang="en-US" dirty="0" err="1" smtClean="0"/>
+              <a:t>xuyên</a:t>
+            </a:r>
+            <a:r>
+              <a:rPr lang="en-US" dirty="0" smtClean="0"/>
+              <a:t>: 40%</a:t>
+            </a:r>
+          </a:p>
+          <a:p>
+            <a:pPr lvl="1"/>
+            <a:r>
+              <a:rPr lang="en-US" dirty="0" err="1" smtClean="0"/>
+              <a:t>Điểm</a:t>
+            </a:r>
+            <a:r>
+              <a:rPr lang="en-US" dirty="0" smtClean="0"/>
+              <a:t> </a:t>
+            </a:r>
+            <a:r>
+              <a:rPr lang="en-US" dirty="0" err="1" smtClean="0"/>
+              <a:t>danh</a:t>
+            </a:r>
+            <a:r>
+              <a:rPr lang="en-US" dirty="0" smtClean="0"/>
+              <a:t>, </a:t>
+            </a:r>
+            <a:r>
+              <a:rPr lang="en-US" dirty="0" err="1" smtClean="0"/>
+              <a:t>thực</a:t>
+            </a:r>
+            <a:r>
+              <a:rPr lang="en-US" dirty="0" smtClean="0"/>
+              <a:t> </a:t>
+            </a:r>
+            <a:r>
+              <a:rPr lang="en-US" dirty="0" err="1" smtClean="0"/>
+              <a:t>hiện</a:t>
+            </a:r>
+            <a:r>
+              <a:rPr lang="en-US" dirty="0" smtClean="0"/>
+              <a:t> </a:t>
+            </a:r>
+            <a:r>
+              <a:rPr lang="en-US" dirty="0" err="1" smtClean="0"/>
+              <a:t>dự</a:t>
+            </a:r>
+            <a:r>
+              <a:rPr lang="en-US" dirty="0" smtClean="0"/>
+              <a:t> </a:t>
+            </a:r>
+            <a:r>
+              <a:rPr lang="en-US" dirty="0" err="1" smtClean="0"/>
+              <a:t>án</a:t>
+            </a:r>
+            <a:endParaRPr lang="en-US" dirty="0" smtClean="0"/>
+          </a:p>
+          <a:p>
+            <a:r>
+              <a:rPr lang="en-US" dirty="0" err="1" smtClean="0"/>
+              <a:t>Thi</a:t>
+            </a:r>
+            <a:r>
+              <a:rPr lang="en-US" dirty="0" smtClean="0"/>
+              <a:t> </a:t>
+            </a:r>
+            <a:r>
+              <a:rPr lang="en-US" dirty="0" err="1" smtClean="0"/>
+              <a:t>cuối</a:t>
+            </a:r>
+            <a:r>
+              <a:rPr lang="en-US" dirty="0" smtClean="0"/>
+              <a:t> </a:t>
+            </a:r>
+            <a:r>
+              <a:rPr lang="en-US" dirty="0" err="1" smtClean="0"/>
+              <a:t>kỳ</a:t>
+            </a:r>
+            <a:r>
+              <a:rPr lang="en-US" dirty="0" smtClean="0"/>
+              <a:t>: 60%</a:t>
+            </a:r>
+          </a:p>
+          <a:p>
+            <a:pPr lvl="1"/>
+            <a:r>
+              <a:rPr lang="en-US" dirty="0" err="1" smtClean="0"/>
+              <a:t>Nắm</a:t>
+            </a:r>
+            <a:r>
+              <a:rPr lang="en-US" dirty="0" smtClean="0"/>
+              <a:t> </a:t>
+            </a:r>
+            <a:r>
+              <a:rPr lang="en-US" dirty="0" err="1" smtClean="0"/>
+              <a:t>được</a:t>
+            </a:r>
+            <a:r>
+              <a:rPr lang="en-US" dirty="0" smtClean="0"/>
+              <a:t> </a:t>
+            </a:r>
+            <a:r>
+              <a:rPr lang="en-US" dirty="0" err="1" smtClean="0"/>
+              <a:t>lý</a:t>
+            </a:r>
+            <a:r>
+              <a:rPr lang="en-US" dirty="0" smtClean="0"/>
+              <a:t> </a:t>
+            </a:r>
+            <a:r>
+              <a:rPr lang="en-US" dirty="0" err="1" smtClean="0"/>
+              <a:t>thuyết</a:t>
+            </a:r>
+            <a:r>
+              <a:rPr lang="en-US" dirty="0"/>
+              <a:t> </a:t>
+            </a:r>
+            <a:endParaRPr lang="en-US" dirty="0" smtClean="0"/>
+          </a:p>
+          <a:p>
+            <a:endParaRPr lang="en-US" dirty="0" smtClean="0"/>
+          </a:p>
+          <a:p>
+            <a:r>
+              <a:rPr lang="en-US" dirty="0" smtClean="0"/>
+              <a:t>(</a:t>
+            </a:r>
+            <a:r>
+              <a:rPr lang="en-US" dirty="0" err="1" smtClean="0"/>
+              <a:t>có</a:t>
+            </a:r>
+            <a:r>
+              <a:rPr lang="en-US" dirty="0" smtClean="0"/>
+              <a:t> </a:t>
+            </a:r>
+            <a:r>
+              <a:rPr lang="en-US" dirty="0" err="1" smtClean="0"/>
+              <a:t>thể</a:t>
+            </a:r>
+            <a:r>
+              <a:rPr lang="en-US" dirty="0" smtClean="0"/>
+              <a:t> </a:t>
+            </a:r>
+            <a:r>
+              <a:rPr lang="en-US" dirty="0" err="1" smtClean="0"/>
+              <a:t>còn</a:t>
+            </a:r>
+            <a:r>
+              <a:rPr lang="en-US" dirty="0" smtClean="0"/>
+              <a:t> </a:t>
+            </a:r>
+            <a:r>
+              <a:rPr lang="en-US" dirty="0" err="1" smtClean="0"/>
+              <a:t>thay</a:t>
+            </a:r>
+            <a:r>
+              <a:rPr lang="en-US" dirty="0" smtClean="0"/>
+              <a:t> </a:t>
+            </a:r>
+            <a:r>
+              <a:rPr lang="en-US" dirty="0" err="1" smtClean="0"/>
+              <a:t>đổi</a:t>
+            </a:r>
+            <a:r>
+              <a:rPr lang="en-US" dirty="0" smtClean="0"/>
+              <a:t>)</a:t>
+            </a:r>
+          </a:p>
+        </p:txBody>
+      </p:sp>
+    </p:spTree>
+  </p:cSld>
+  <p:clrMapOvr>
+    <a:masterClrMapping/>
+  </p:clrMapOvr>
+</p:sld>
+</file>
+
+<file path=ppt/slides/slide15.xml><?xml version="1.0" encoding="utf-8"?>
+<p:sld xmlns:a="http://schemas.openxmlformats.org/drawingml/2006/main" xmlns:r="http://schemas.openxmlformats.org/officeDocument/2006/relationships" xmlns:p="http://schemas.openxmlformats.org/presentationml/2006/main">
+  <p:cSld>
+    <p:spTree>
+      <p:nvGrpSpPr>
+        <p:cNvPr id="1" name=""/>
+        <p:cNvGrpSpPr/>
+        <p:nvPr/>
+      </p:nvGrpSpPr>
+      <p:grpSpPr>
+        <a:xfrm>
+          <a:off x="0" y="0"/>
+          <a:ext cx="0" cy="0"/>
+          <a:chOff x="0" y="0"/>
+          <a:chExt cx="0" cy="0"/>
+        </a:xfrm>
+      </p:grpSpPr>
       <p:sp>
         <p:nvSpPr>
           <p:cNvPr id="19458" name="Title 1"/>
@@ -9541,6 +11633,26 @@
               <a:t>?</a:t>
             </a:r>
             <a:endParaRPr lang="vi-VN" dirty="0" smtClean="0"/>
+          </a:p>
+        </p:txBody>
+      </p:sp>
+      <p:sp>
+        <p:nvSpPr>
+          <p:cNvPr id="20483" name="Content Placeholder 2"/>
+          <p:cNvSpPr>
+            <a:spLocks noGrp="1"/>
+          </p:cNvSpPr>
+          <p:nvPr>
+            <p:ph type="subTitle" idx="1"/>
+          </p:nvPr>
+        </p:nvSpPr>
+        <p:spPr/>
+        <p:txBody>
+          <a:bodyPr/>
+          <a:lstStyle/>
+          <a:p>
+            <a:pPr eaLnBrk="1" hangingPunct="1"/>
+            <a:endParaRPr lang="en-US" smtClean="0"/>
           </a:p>
         </p:txBody>
       </p:sp>
@@ -9893,7 +12005,7 @@
             <a:spLocks noGrp="1"/>
           </p:cNvSpPr>
           <p:nvPr>
-            <p:ph sz="quarter" idx="1"/>
+            <p:ph idx="1"/>
           </p:nvPr>
         </p:nvSpPr>
         <p:spPr/>
@@ -10203,13 +12315,13 @@
             <a:spLocks noGrp="1"/>
           </p:cNvSpPr>
           <p:nvPr>
-            <p:ph sz="quarter" idx="1"/>
+            <p:ph idx="1"/>
           </p:nvPr>
         </p:nvSpPr>
         <p:spPr/>
         <p:txBody>
           <a:bodyPr>
-            <a:normAutofit/>
+            <a:normAutofit fontScale="77500" lnSpcReduction="20000"/>
           </a:bodyPr>
           <a:lstStyle/>
           <a:p>
@@ -10268,19 +12380,31 @@
             </a:pPr>
             <a:r>
               <a:rPr lang="en-US" dirty="0" smtClean="0"/>
-              <a:t>TS</a:t>
-            </a:r>
-            <a:r>
-              <a:rPr lang="en-US" smtClean="0"/>
-              <a:t>. </a:t>
-            </a:r>
-            <a:r>
-              <a:rPr lang="en-US" smtClean="0"/>
-              <a:t>Trương Anh Hoàng (hoangta@vnu.edu.vn</a:t>
-            </a:r>
-            <a:r>
-              <a:rPr lang="en-US" dirty="0" smtClean="0"/>
-              <a:t>)</a:t>
+              <a:t>TS. </a:t>
+            </a:r>
+            <a:r>
+              <a:rPr lang="en-US" dirty="0" err="1" smtClean="0"/>
+              <a:t>Trương</a:t>
+            </a:r>
+            <a:r>
+              <a:rPr lang="en-US" dirty="0" smtClean="0"/>
+              <a:t> </a:t>
+            </a:r>
+            <a:r>
+              <a:rPr lang="en-US" dirty="0" err="1" smtClean="0"/>
+              <a:t>Anh</a:t>
+            </a:r>
+            <a:r>
+              <a:rPr lang="en-US" dirty="0" smtClean="0"/>
+              <a:t> </a:t>
+            </a:r>
+            <a:r>
+              <a:rPr lang="en-US" dirty="0" err="1" smtClean="0"/>
+              <a:t>Hoàng</a:t>
+            </a:r>
+            <a:r>
+              <a:rPr lang="en-US" dirty="0" smtClean="0"/>
+              <a:t> (hoangta@vnu.edu.vn)</a:t>
             </a:r>
           </a:p>
           <a:p>
@@ -10324,25 +12448,15 @@
             <a:pPr eaLnBrk="1" hangingPunct="1">
               <a:defRPr/>
             </a:pPr>
+            <a:endParaRPr lang="en-US" dirty="0" smtClean="0"/>
+          </a:p>
+          <a:p>
+            <a:pPr eaLnBrk="1" hangingPunct="1">
+              <a:defRPr/>
+            </a:pPr>
             <a:r>
               <a:rPr lang="en-US" dirty="0" smtClean="0"/>
               <a:t>Websites </a:t>
-            </a:r>
-            <a:r>
-              <a:rPr lang="en-US" dirty="0" err="1" smtClean="0"/>
-              <a:t>hỗ</a:t>
-            </a:r>
-            <a:r>
-              <a:rPr lang="en-US" dirty="0" smtClean="0"/>
-              <a:t> </a:t>
-            </a:r>
-            <a:r>
-              <a:rPr lang="en-US" dirty="0" err="1" smtClean="0"/>
-              <a:t>trợ</a:t>
-            </a:r>
-            <a:r>
-              <a:rPr lang="en-US" dirty="0" smtClean="0"/>
-              <a:t> </a:t>
             </a:r>
             <a:r>
               <a:rPr lang="en-US" dirty="0" err="1" smtClean="0"/>
@@ -10366,141 +12480,261 @@
               <a:rPr lang="en-US" dirty="0" smtClean="0">
                 <a:hlinkClick r:id="rId3"/>
               </a:rPr>
-              <a:t>http</a:t>
-            </a:r>
-            <a:r>
-              <a:rPr lang="en-US" smtClean="0">
-                <a:hlinkClick r:id="rId3"/>
-              </a:rPr>
-              <a:t>://</a:t>
-            </a:r>
-            <a:r>
-              <a:rPr lang="en-US" smtClean="0">
-                <a:hlinkClick r:id="rId3"/>
-              </a:rPr>
-              <a:t>bbc.vnu.edu.vn/</a:t>
-            </a:r>
-            <a:r>
-              <a:rPr lang="en-US" smtClean="0">
+              <a:t>http://bbc.vnu.edu.vn/</a:t>
+            </a:r>
+            <a:r>
+              <a:rPr lang="en-US" dirty="0" smtClean="0">
                 <a:hlinkClick r:id="rId4"/>
               </a:rPr>
               <a:t>HKII-1213-INT2208-2:Công </a:t>
             </a:r>
             <a:r>
-              <a:rPr lang="en-US" smtClean="0">
+              <a:rPr lang="en-US" dirty="0" err="1" smtClean="0">
                 <a:hlinkClick r:id="rId4"/>
               </a:rPr>
-              <a:t>nghệ phần mềm</a:t>
+              <a:t>nghệ</a:t>
+            </a:r>
+            <a:r>
+              <a:rPr lang="en-US" dirty="0" smtClean="0">
+                <a:hlinkClick r:id="rId4"/>
+              </a:rPr>
+              <a:t> </a:t>
+            </a:r>
+            <a:r>
+              <a:rPr lang="en-US" dirty="0" err="1" smtClean="0">
+                <a:hlinkClick r:id="rId4"/>
+              </a:rPr>
+              <a:t>phần</a:t>
+            </a:r>
+            <a:r>
+              <a:rPr lang="en-US" dirty="0" smtClean="0">
+                <a:hlinkClick r:id="rId4"/>
+              </a:rPr>
+              <a:t> </a:t>
+            </a:r>
+            <a:r>
+              <a:rPr lang="en-US" dirty="0" err="1" smtClean="0">
+                <a:hlinkClick r:id="rId4"/>
+              </a:rPr>
+              <a:t>mềm</a:t>
             </a:r>
             <a:endParaRPr lang="en-US" dirty="0" smtClean="0"/>
           </a:p>
           <a:p>
-            <a:pPr lvl="1" eaLnBrk="1" hangingPunct="1">
+            <a:pPr lvl="1">
               <a:defRPr/>
             </a:pPr>
             <a:r>
-              <a:rPr lang="en-US" smtClean="0">
+              <a:rPr lang="en-US" dirty="0">
                 <a:hlinkClick r:id="rId5"/>
               </a:rPr>
               <a:t>https://</a:t>
             </a:r>
             <a:r>
-              <a:rPr lang="en-US" smtClean="0">
+              <a:rPr lang="en-US" dirty="0" smtClean="0">
                 <a:hlinkClick r:id="rId5"/>
               </a:rPr>
-              <a:t>github.com</a:t>
-            </a:r>
-            <a:r>
-              <a:rPr lang="en-US" smtClean="0">
-                <a:hlinkClick r:id="rId5"/>
-              </a:rPr>
-              <a:t>/</a:t>
-            </a:r>
-            <a:r>
-              <a:rPr lang="en-US" sz="2400" smtClean="0"/>
-              <a:t> </a:t>
-            </a:r>
-            <a:endParaRPr lang="en-US" sz="2400" dirty="0" smtClean="0"/>
-          </a:p>
-          <a:p>
-            <a:pPr lvl="1" eaLnBrk="1" hangingPunct="1">
-              <a:buFont typeface="Arial" pitchFamily="34" charset="0"/>
-              <a:buNone/>
+              <a:t>github.com/vdhuong/Lectures</a:t>
+            </a:r>
+            <a:endParaRPr lang="en-US" dirty="0"/>
+          </a:p>
+          <a:p>
+            <a:pPr lvl="2">
               <a:defRPr/>
             </a:pPr>
             <a:r>
-              <a:rPr lang="en-US" i="1" dirty="0" smtClean="0"/>
-              <a:t>	</a:t>
-            </a:r>
-            <a:r>
-              <a:rPr lang="en-US" i="1" dirty="0" err="1" smtClean="0"/>
+              <a:rPr lang="en-US" b="1" dirty="0" err="1" smtClean="0"/>
+              <a:t>Đăng</a:t>
+            </a:r>
+            <a:r>
+              <a:rPr lang="en-US" b="1" dirty="0" smtClean="0"/>
+              <a:t> </a:t>
+            </a:r>
+            <a:r>
+              <a:rPr lang="en-US" b="1" dirty="0" err="1" smtClean="0"/>
+              <a:t>ký</a:t>
+            </a:r>
+            <a:r>
+              <a:rPr lang="en-US" b="1" dirty="0" smtClean="0"/>
+              <a:t> </a:t>
+            </a:r>
+            <a:r>
+              <a:rPr lang="en-US" b="1" dirty="0" err="1" smtClean="0"/>
+              <a:t>tham</a:t>
+            </a:r>
+            <a:r>
+              <a:rPr lang="en-US" b="1" dirty="0" smtClean="0"/>
+              <a:t> </a:t>
+            </a:r>
+            <a:r>
+              <a:rPr lang="en-US" b="1" dirty="0" err="1" smtClean="0"/>
+              <a:t>gia</a:t>
+            </a:r>
+            <a:endParaRPr lang="en-US" b="1" dirty="0" smtClean="0"/>
+          </a:p>
+          <a:p>
+            <a:pPr>
+              <a:defRPr/>
+            </a:pPr>
+            <a:endParaRPr lang="en-US" i="1" dirty="0" smtClean="0">
+              <a:solidFill>
+                <a:srgbClr val="FF0000"/>
+              </a:solidFill>
+            </a:endParaRPr>
+          </a:p>
+          <a:p>
+            <a:pPr>
+              <a:defRPr/>
+            </a:pPr>
+            <a:r>
+              <a:rPr lang="en-US" i="1" dirty="0" err="1" smtClean="0">
+                <a:solidFill>
+                  <a:srgbClr val="FF0000"/>
+                </a:solidFill>
+              </a:rPr>
               <a:t>Sinh</a:t>
             </a:r>
             <a:r>
-              <a:rPr lang="en-US" i="1" dirty="0" smtClean="0"/>
-              <a:t> </a:t>
-            </a:r>
-            <a:r>
-              <a:rPr lang="en-US" i="1" dirty="0" err="1" smtClean="0"/>
+              <a:rPr lang="en-US" i="1" dirty="0" smtClean="0">
+                <a:solidFill>
+                  <a:srgbClr val="FF0000"/>
+                </a:solidFill>
+              </a:rPr>
+              <a:t> </a:t>
+            </a:r>
+            <a:r>
+              <a:rPr lang="en-US" i="1" dirty="0" err="1" smtClean="0">
+                <a:solidFill>
+                  <a:srgbClr val="FF0000"/>
+                </a:solidFill>
+              </a:rPr>
               <a:t>viên</a:t>
             </a:r>
             <a:r>
-              <a:rPr lang="en-US" i="1" dirty="0" smtClean="0"/>
-              <a:t> </a:t>
-            </a:r>
-            <a:r>
-              <a:rPr lang="en-US" i="1" dirty="0" err="1" smtClean="0"/>
+              <a:rPr lang="en-US" i="1" dirty="0" smtClean="0">
+                <a:solidFill>
+                  <a:srgbClr val="FF0000"/>
+                </a:solidFill>
+              </a:rPr>
+              <a:t> </a:t>
+            </a:r>
+            <a:r>
+              <a:rPr lang="en-US" i="1" dirty="0" err="1" smtClean="0">
+                <a:solidFill>
+                  <a:srgbClr val="FF0000"/>
+                </a:solidFill>
+              </a:rPr>
               <a:t>có</a:t>
             </a:r>
             <a:r>
-              <a:rPr lang="en-US" i="1" dirty="0" smtClean="0"/>
-              <a:t> </a:t>
-            </a:r>
-            <a:r>
-              <a:rPr lang="en-US" i="1" dirty="0" err="1" smtClean="0"/>
+              <a:rPr lang="en-US" i="1" dirty="0" smtClean="0">
+                <a:solidFill>
+                  <a:srgbClr val="FF0000"/>
+                </a:solidFill>
+              </a:rPr>
+              <a:t> </a:t>
+            </a:r>
+            <a:r>
+              <a:rPr lang="en-US" i="1" dirty="0" err="1" smtClean="0">
+                <a:solidFill>
+                  <a:srgbClr val="FF0000"/>
+                </a:solidFill>
+              </a:rPr>
               <a:t>trách</a:t>
             </a:r>
             <a:r>
-              <a:rPr lang="en-US" i="1" dirty="0" smtClean="0"/>
-              <a:t> </a:t>
-            </a:r>
-            <a:r>
-              <a:rPr lang="en-US" i="1" dirty="0" err="1" smtClean="0"/>
+              <a:rPr lang="en-US" i="1" dirty="0" smtClean="0">
+                <a:solidFill>
+                  <a:srgbClr val="FF0000"/>
+                </a:solidFill>
+              </a:rPr>
+              <a:t> </a:t>
+            </a:r>
+            <a:r>
+              <a:rPr lang="en-US" i="1" dirty="0" err="1" smtClean="0">
+                <a:solidFill>
+                  <a:srgbClr val="FF0000"/>
+                </a:solidFill>
+              </a:rPr>
               <a:t>nhiệm</a:t>
             </a:r>
             <a:r>
-              <a:rPr lang="en-US" i="1" dirty="0" smtClean="0"/>
-              <a:t> </a:t>
-            </a:r>
-            <a:r>
-              <a:rPr lang="en-US" i="1" dirty="0" err="1" smtClean="0"/>
+              <a:rPr lang="en-US" i="1" dirty="0" smtClean="0">
+                <a:solidFill>
+                  <a:srgbClr val="FF0000"/>
+                </a:solidFill>
+              </a:rPr>
+              <a:t> </a:t>
+            </a:r>
+            <a:r>
+              <a:rPr lang="en-US" i="1" dirty="0" err="1" smtClean="0">
+                <a:solidFill>
+                  <a:srgbClr val="FF0000"/>
+                </a:solidFill>
+              </a:rPr>
               <a:t>truy</a:t>
             </a:r>
             <a:r>
-              <a:rPr lang="en-US" i="1" dirty="0" smtClean="0"/>
-              <a:t> </a:t>
-            </a:r>
-            <a:r>
-              <a:rPr lang="en-US" i="1" dirty="0" err="1" smtClean="0"/>
+              <a:rPr lang="en-US" i="1" dirty="0" smtClean="0">
+                <a:solidFill>
+                  <a:srgbClr val="FF0000"/>
+                </a:solidFill>
+              </a:rPr>
+              <a:t> </a:t>
+            </a:r>
+            <a:r>
+              <a:rPr lang="en-US" i="1" dirty="0" err="1" smtClean="0">
+                <a:solidFill>
+                  <a:srgbClr val="FF0000"/>
+                </a:solidFill>
+              </a:rPr>
               <a:t>cập</a:t>
             </a:r>
             <a:r>
-              <a:rPr lang="en-US" i="1" dirty="0" smtClean="0"/>
-              <a:t> Website </a:t>
-            </a:r>
-            <a:r>
-              <a:rPr lang="en-US" i="1" dirty="0" err="1" smtClean="0"/>
-              <a:t>thường</a:t>
-            </a:r>
-            <a:r>
-              <a:rPr lang="en-US" i="1" dirty="0" smtClean="0"/>
-              <a:t> </a:t>
-            </a:r>
-            <a:r>
-              <a:rPr lang="en-US" i="1" dirty="0" err="1" smtClean="0"/>
-              <a:t>xuyên</a:t>
-            </a:r>
-            <a:endParaRPr lang="en-US" i="1" dirty="0" smtClean="0"/>
+              <a:rPr lang="en-US" i="1" dirty="0" smtClean="0">
+                <a:solidFill>
+                  <a:srgbClr val="FF0000"/>
+                </a:solidFill>
+              </a:rPr>
+              <a:t> </a:t>
+            </a:r>
+            <a:r>
+              <a:rPr lang="en-US" i="1" dirty="0" smtClean="0">
+                <a:solidFill>
+                  <a:srgbClr val="FF0000"/>
+                </a:solidFill>
+              </a:rPr>
+              <a:t>Website </a:t>
+            </a:r>
+            <a:r>
+              <a:rPr lang="en-US" i="1" dirty="0" err="1" smtClean="0">
+                <a:solidFill>
+                  <a:srgbClr val="FF0000"/>
+                </a:solidFill>
+              </a:rPr>
+              <a:t>hàng</a:t>
+            </a:r>
+            <a:r>
+              <a:rPr lang="en-US" i="1" dirty="0" smtClean="0">
+                <a:solidFill>
+                  <a:srgbClr val="FF0000"/>
+                </a:solidFill>
+              </a:rPr>
+              <a:t> </a:t>
+            </a:r>
+            <a:r>
+              <a:rPr lang="en-US" i="1" dirty="0" err="1" smtClean="0">
+                <a:solidFill>
+                  <a:srgbClr val="FF0000"/>
+                </a:solidFill>
+              </a:rPr>
+              <a:t>tuần</a:t>
+            </a:r>
+            <a:endParaRPr lang="en-US" i="1" dirty="0" smtClean="0">
+              <a:solidFill>
+                <a:srgbClr val="FF0000"/>
+              </a:solidFill>
+            </a:endParaRPr>
           </a:p>
         </p:txBody>
       </p:sp>
@@ -10900,10 +13134,34 @@
           <a:p>
             <a:pPr eaLnBrk="1" hangingPunct="1"/>
             <a:r>
-              <a:rPr lang="en-GB" smtClean="0"/>
-              <a:t>Mục tiêu</a:t>
-            </a:r>
-            <a:endParaRPr lang="en-US" smtClean="0"/>
+              <a:rPr lang="en-GB" dirty="0" err="1" smtClean="0"/>
+              <a:t>Mục</a:t>
+            </a:r>
+            <a:r>
+              <a:rPr lang="en-GB" dirty="0" smtClean="0"/>
+              <a:t> </a:t>
+            </a:r>
+            <a:r>
+              <a:rPr lang="en-GB" dirty="0" err="1" smtClean="0"/>
+              <a:t>tiêu</a:t>
+            </a:r>
+            <a:r>
+              <a:rPr lang="en-GB" dirty="0" smtClean="0"/>
+              <a:t> </a:t>
+            </a:r>
+            <a:r>
+              <a:rPr lang="en-GB" dirty="0" err="1" smtClean="0"/>
+              <a:t>môn</a:t>
+            </a:r>
+            <a:r>
+              <a:rPr lang="en-GB" dirty="0" smtClean="0"/>
+              <a:t> </a:t>
+            </a:r>
+            <a:r>
+              <a:rPr lang="en-GB" dirty="0" err="1" smtClean="0"/>
+              <a:t>học</a:t>
+            </a:r>
+            <a:endParaRPr lang="en-US" dirty="0" smtClean="0"/>
           </a:p>
         </p:txBody>
       </p:sp>
@@ -10914,7 +13172,7 @@
             <a:spLocks noGrp="1"/>
           </p:cNvSpPr>
           <p:nvPr>
-            <p:ph sz="quarter" idx="1"/>
+            <p:ph idx="1"/>
           </p:nvPr>
         </p:nvSpPr>
         <p:spPr/>
@@ -10929,129 +13187,41 @@
             </a:pPr>
             <a:r>
               <a:rPr lang="en-US" dirty="0" err="1" smtClean="0"/>
-              <a:t>Sinh</a:t>
-            </a:r>
-            <a:r>
-              <a:rPr lang="en-US" dirty="0" smtClean="0"/>
-              <a:t> </a:t>
-            </a:r>
-            <a:r>
-              <a:rPr lang="en-US" dirty="0" err="1" smtClean="0"/>
-              <a:t>viên</a:t>
-            </a:r>
-            <a:r>
-              <a:rPr lang="en-US" dirty="0" smtClean="0"/>
-              <a:t> </a:t>
-            </a:r>
-            <a:r>
-              <a:rPr lang="en-US" dirty="0" err="1" smtClean="0"/>
-              <a:t>hiểu</a:t>
-            </a:r>
-            <a:r>
-              <a:rPr lang="en-US" dirty="0" smtClean="0"/>
-              <a:t> </a:t>
-            </a:r>
-            <a:r>
-              <a:rPr lang="en-US" dirty="0" err="1" smtClean="0"/>
-              <a:t>các</a:t>
-            </a:r>
-            <a:r>
-              <a:rPr lang="en-US" dirty="0" smtClean="0"/>
-              <a:t> </a:t>
-            </a:r>
-            <a:r>
-              <a:rPr lang="en-US" dirty="0" err="1" smtClean="0"/>
-              <a:t>khái</a:t>
-            </a:r>
-            <a:r>
-              <a:rPr lang="en-US" dirty="0" smtClean="0"/>
-              <a:t> </a:t>
-            </a:r>
-            <a:r>
-              <a:rPr lang="en-US" dirty="0" err="1" smtClean="0"/>
-              <a:t>niệm</a:t>
-            </a:r>
-            <a:r>
-              <a:rPr lang="en-US" dirty="0" smtClean="0"/>
-              <a:t> </a:t>
-            </a:r>
-            <a:r>
-              <a:rPr lang="en-US" dirty="0" err="1" smtClean="0"/>
-              <a:t>cơ</a:t>
-            </a:r>
-            <a:r>
-              <a:rPr lang="en-US" dirty="0" smtClean="0"/>
-              <a:t> </a:t>
-            </a:r>
-            <a:r>
-              <a:rPr lang="en-US" dirty="0" err="1" smtClean="0"/>
-              <a:t>bản</a:t>
-            </a:r>
-            <a:r>
-              <a:rPr lang="en-US" dirty="0" smtClean="0"/>
-              <a:t> </a:t>
-            </a:r>
-            <a:r>
-              <a:rPr lang="en-US" dirty="0" err="1" smtClean="0"/>
-              <a:t>của</a:t>
-            </a:r>
-            <a:r>
-              <a:rPr lang="en-US" dirty="0" smtClean="0"/>
-              <a:t> </a:t>
-            </a:r>
-            <a:r>
-              <a:rPr lang="en-US" dirty="0" err="1" smtClean="0"/>
-              <a:t>Công</a:t>
-            </a:r>
-            <a:r>
-              <a:rPr lang="en-US" dirty="0" smtClean="0"/>
-              <a:t> </a:t>
-            </a:r>
-            <a:r>
-              <a:rPr lang="en-US" dirty="0" err="1" smtClean="0"/>
-              <a:t>nghệ</a:t>
-            </a:r>
-            <a:r>
-              <a:rPr lang="en-US" dirty="0" smtClean="0"/>
-              <a:t> </a:t>
-            </a:r>
-            <a:r>
-              <a:rPr lang="en-US" dirty="0" err="1" smtClean="0"/>
-              <a:t>phần</a:t>
-            </a:r>
-            <a:r>
-              <a:rPr lang="en-US" dirty="0" smtClean="0"/>
-              <a:t> </a:t>
-            </a:r>
-            <a:r>
-              <a:rPr lang="en-US" dirty="0" err="1" smtClean="0"/>
-              <a:t>mềm</a:t>
+              <a:t>Lý</a:t>
+            </a:r>
+            <a:r>
+              <a:rPr lang="en-US" dirty="0" smtClean="0"/>
+              <a:t> </a:t>
+            </a:r>
+            <a:r>
+              <a:rPr lang="en-US" dirty="0" err="1" smtClean="0"/>
+              <a:t>thuyết</a:t>
             </a:r>
             <a:endParaRPr lang="en-US" dirty="0" smtClean="0"/>
           </a:p>
           <a:p>
-            <a:pPr lvl="1" eaLnBrk="1" hangingPunct="1">
+            <a:pPr lvl="1">
               <a:defRPr/>
             </a:pPr>
             <a:r>
               <a:rPr lang="en-US" dirty="0" err="1" smtClean="0"/>
-              <a:t>Áp</a:t>
-            </a:r>
-            <a:r>
-              <a:rPr lang="en-US" dirty="0" smtClean="0"/>
-              <a:t> </a:t>
-            </a:r>
-            <a:r>
-              <a:rPr lang="en-US" dirty="0" err="1" smtClean="0"/>
-              <a:t>dụng</a:t>
-            </a:r>
-            <a:r>
-              <a:rPr lang="en-US" dirty="0" smtClean="0"/>
-              <a:t> </a:t>
-            </a:r>
-            <a:r>
-              <a:rPr lang="en-US" dirty="0" err="1" smtClean="0"/>
-              <a:t>vào</a:t>
+              <a:t>Sinh</a:t>
+            </a:r>
+            <a:r>
+              <a:rPr lang="en-US" dirty="0" smtClean="0"/>
+              <a:t> </a:t>
+            </a:r>
+            <a:r>
+              <a:rPr lang="en-US" dirty="0" err="1" smtClean="0"/>
+              <a:t>viên</a:t>
+            </a:r>
+            <a:r>
+              <a:rPr lang="en-US" dirty="0" smtClean="0"/>
+              <a:t> </a:t>
+            </a:r>
+            <a:r>
+              <a:rPr lang="en-US" dirty="0" err="1" smtClean="0"/>
+              <a:t>hiểu</a:t>
             </a:r>
             <a:r>
               <a:rPr lang="en-US" dirty="0" smtClean="0"/>
@@ -11067,15 +13237,55 @@
             </a:r>
             <a:r>
               <a:rPr lang="en-US" dirty="0" err="1" smtClean="0"/>
-              <a:t>dự</a:t>
-            </a:r>
-            <a:r>
-              <a:rPr lang="en-US" dirty="0" smtClean="0"/>
-              <a:t> </a:t>
-            </a:r>
-            <a:r>
-              <a:rPr lang="en-US" dirty="0" err="1" smtClean="0"/>
-              <a:t>án</a:t>
+              <a:t>khái</a:t>
+            </a:r>
+            <a:r>
+              <a:rPr lang="en-US" dirty="0" smtClean="0"/>
+              <a:t> </a:t>
+            </a:r>
+            <a:r>
+              <a:rPr lang="en-US" dirty="0" err="1" smtClean="0"/>
+              <a:t>niệm</a:t>
+            </a:r>
+            <a:r>
+              <a:rPr lang="en-US" dirty="0" smtClean="0"/>
+              <a:t> </a:t>
+            </a:r>
+            <a:r>
+              <a:rPr lang="en-US" dirty="0" err="1" smtClean="0"/>
+              <a:t>cơ</a:t>
+            </a:r>
+            <a:r>
+              <a:rPr lang="en-US" dirty="0" smtClean="0"/>
+              <a:t> </a:t>
+            </a:r>
+            <a:r>
+              <a:rPr lang="en-US" dirty="0" err="1" smtClean="0"/>
+              <a:t>bản</a:t>
+            </a:r>
+            <a:r>
+              <a:rPr lang="en-US" dirty="0" smtClean="0"/>
+              <a:t> </a:t>
+            </a:r>
+            <a:r>
+              <a:rPr lang="en-US" dirty="0" err="1" smtClean="0"/>
+              <a:t>của</a:t>
+            </a:r>
+            <a:r>
+              <a:rPr lang="en-US" dirty="0" smtClean="0"/>
+              <a:t> </a:t>
+            </a:r>
+            <a:r>
+              <a:rPr lang="en-US" dirty="0" err="1" smtClean="0"/>
+              <a:t>Công</a:t>
+            </a:r>
+            <a:r>
+              <a:rPr lang="en-US" dirty="0" smtClean="0"/>
+              <a:t> </a:t>
+            </a:r>
+            <a:r>
+              <a:rPr lang="en-US" dirty="0" err="1" smtClean="0"/>
+              <a:t>nghệ</a:t>
             </a:r>
             <a:r>
               <a:rPr lang="en-US" dirty="0" smtClean="0"/>
@@ -11101,161 +13311,185 @@
             </a:pPr>
             <a:r>
               <a:rPr lang="en-US" dirty="0" err="1" smtClean="0"/>
-              <a:t>Có</a:t>
-            </a:r>
-            <a:r>
-              <a:rPr lang="en-US" dirty="0" smtClean="0"/>
-              <a:t> </a:t>
-            </a:r>
-            <a:r>
-              <a:rPr lang="en-US" dirty="0" err="1" smtClean="0"/>
-              <a:t>thể</a:t>
-            </a:r>
-            <a:r>
-              <a:rPr lang="en-US" dirty="0" smtClean="0"/>
-              <a:t> </a:t>
-            </a:r>
-            <a:r>
-              <a:rPr lang="en-US" dirty="0" err="1" smtClean="0"/>
-              <a:t>giảng</a:t>
-            </a:r>
-            <a:r>
-              <a:rPr lang="en-US" dirty="0" smtClean="0"/>
-              <a:t> </a:t>
-            </a:r>
-            <a:r>
-              <a:rPr lang="en-US" dirty="0" err="1" smtClean="0"/>
-              <a:t>giải</a:t>
-            </a:r>
-            <a:r>
-              <a:rPr lang="en-US" dirty="0" smtClean="0"/>
-              <a:t> </a:t>
-            </a:r>
-            <a:r>
-              <a:rPr lang="en-US" dirty="0" err="1" smtClean="0"/>
-              <a:t>các</a:t>
-            </a:r>
-            <a:r>
-              <a:rPr lang="en-US" dirty="0" smtClean="0"/>
-              <a:t> </a:t>
-            </a:r>
-            <a:r>
-              <a:rPr lang="en-US" dirty="0" err="1" smtClean="0"/>
-              <a:t>thuật</a:t>
-            </a:r>
-            <a:r>
-              <a:rPr lang="en-US" dirty="0" smtClean="0"/>
-              <a:t> </a:t>
-            </a:r>
-            <a:r>
-              <a:rPr lang="en-US" dirty="0" err="1" smtClean="0"/>
-              <a:t>ngữ</a:t>
-            </a:r>
-            <a:r>
-              <a:rPr lang="en-US" dirty="0" smtClean="0"/>
-              <a:t> </a:t>
-            </a:r>
-            <a:r>
-              <a:rPr lang="en-US" dirty="0" err="1" smtClean="0"/>
-              <a:t>chính</a:t>
-            </a:r>
-            <a:r>
-              <a:rPr lang="en-US" dirty="0" smtClean="0"/>
-              <a:t> </a:t>
-            </a:r>
-            <a:r>
-              <a:rPr lang="en-US" dirty="0" err="1" smtClean="0"/>
-              <a:t>của</a:t>
-            </a:r>
-            <a:r>
-              <a:rPr lang="en-US" dirty="0" smtClean="0"/>
-              <a:t> </a:t>
-            </a:r>
-            <a:r>
-              <a:rPr lang="en-US" dirty="0" err="1" smtClean="0"/>
-              <a:t>Công</a:t>
-            </a:r>
-            <a:r>
-              <a:rPr lang="en-US" dirty="0" smtClean="0"/>
-              <a:t> </a:t>
-            </a:r>
-            <a:r>
-              <a:rPr lang="en-US" dirty="0" err="1" smtClean="0"/>
-              <a:t>nghệ</a:t>
-            </a:r>
-            <a:r>
-              <a:rPr lang="en-US" dirty="0" smtClean="0"/>
-              <a:t> </a:t>
-            </a:r>
-            <a:r>
-              <a:rPr lang="en-US" dirty="0" err="1" smtClean="0"/>
-              <a:t>phần</a:t>
-            </a:r>
-            <a:r>
-              <a:rPr lang="en-US" dirty="0" smtClean="0"/>
-              <a:t> </a:t>
-            </a:r>
-            <a:r>
-              <a:rPr lang="en-US" dirty="0" err="1" smtClean="0"/>
-              <a:t>mềm</a:t>
+              <a:t>Thực</a:t>
+            </a:r>
+            <a:r>
+              <a:rPr lang="en-US" dirty="0" smtClean="0"/>
+              <a:t> </a:t>
+            </a:r>
+            <a:r>
+              <a:rPr lang="en-US" dirty="0" err="1" smtClean="0"/>
+              <a:t>hành</a:t>
+            </a:r>
+            <a:r>
+              <a:rPr lang="en-US" dirty="0" smtClean="0"/>
+              <a:t> </a:t>
+            </a:r>
+            <a:r>
+              <a:rPr lang="en-US" dirty="0" err="1" smtClean="0"/>
+              <a:t>dự</a:t>
+            </a:r>
+            <a:r>
+              <a:rPr lang="en-US" dirty="0" smtClean="0"/>
+              <a:t> </a:t>
+            </a:r>
+            <a:r>
+              <a:rPr lang="en-US" dirty="0" err="1" smtClean="0"/>
+              <a:t>án</a:t>
+            </a:r>
+            <a:r>
+              <a:rPr lang="en-US" dirty="0" smtClean="0"/>
+              <a:t> </a:t>
+            </a:r>
+            <a:r>
+              <a:rPr lang="en-US" dirty="0" err="1" smtClean="0"/>
+              <a:t>theo</a:t>
+            </a:r>
+            <a:r>
+              <a:rPr lang="en-US" dirty="0" smtClean="0"/>
+              <a:t> </a:t>
+            </a:r>
+            <a:r>
+              <a:rPr lang="en-US" dirty="0" err="1" smtClean="0"/>
+              <a:t>nhóm</a:t>
             </a:r>
             <a:endParaRPr lang="en-US" dirty="0" smtClean="0"/>
           </a:p>
           <a:p>
-            <a:pPr eaLnBrk="1" hangingPunct="1">
+            <a:pPr lvl="1">
               <a:defRPr/>
             </a:pPr>
             <a:r>
               <a:rPr lang="en-US" dirty="0" err="1" smtClean="0"/>
-              <a:t>Nắm</a:t>
-            </a:r>
-            <a:r>
-              <a:rPr lang="en-US" dirty="0" smtClean="0"/>
-              <a:t> </a:t>
-            </a:r>
-            <a:r>
-              <a:rPr lang="en-US" dirty="0" err="1" smtClean="0"/>
-              <a:t>được</a:t>
-            </a:r>
-            <a:r>
-              <a:rPr lang="en-US" dirty="0" smtClean="0"/>
-              <a:t> </a:t>
-            </a:r>
-            <a:r>
-              <a:rPr lang="en-US" dirty="0" err="1" smtClean="0"/>
-              <a:t>phương</a:t>
-            </a:r>
-            <a:r>
-              <a:rPr lang="en-US" dirty="0" smtClean="0"/>
-              <a:t> </a:t>
-            </a:r>
-            <a:r>
-              <a:rPr lang="en-US" dirty="0" err="1" smtClean="0"/>
-              <a:t>pháp</a:t>
-            </a:r>
-            <a:r>
-              <a:rPr lang="en-US" dirty="0" smtClean="0"/>
-              <a:t> Agile </a:t>
-            </a:r>
-            <a:r>
-              <a:rPr lang="en-US" dirty="0" err="1" smtClean="0"/>
-              <a:t>và</a:t>
-            </a:r>
-            <a:r>
-              <a:rPr lang="en-US" dirty="0" smtClean="0"/>
-              <a:t> </a:t>
-            </a:r>
-            <a:r>
-              <a:rPr lang="en-US" dirty="0" err="1" smtClean="0"/>
-              <a:t>thực</a:t>
-            </a:r>
-            <a:r>
-              <a:rPr lang="en-US" dirty="0" smtClean="0"/>
-              <a:t> </a:t>
-            </a:r>
-            <a:r>
-              <a:rPr lang="en-US" dirty="0" err="1" smtClean="0"/>
-              <a:t>hiện</a:t>
+              <a:t>Khả</a:t>
+            </a:r>
+            <a:r>
+              <a:rPr lang="en-US" dirty="0" smtClean="0"/>
+              <a:t> </a:t>
+            </a:r>
+            <a:r>
+              <a:rPr lang="en-US" dirty="0" err="1" smtClean="0"/>
+              <a:t>năng</a:t>
+            </a:r>
+            <a:r>
+              <a:rPr lang="en-US" dirty="0" smtClean="0"/>
+              <a:t> </a:t>
+            </a:r>
+            <a:r>
+              <a:rPr lang="en-US" dirty="0" err="1" smtClean="0"/>
+              <a:t>tự</a:t>
+            </a:r>
+            <a:r>
+              <a:rPr lang="en-US" dirty="0" smtClean="0"/>
+              <a:t> </a:t>
+            </a:r>
+            <a:r>
+              <a:rPr lang="en-US" dirty="0" err="1" smtClean="0"/>
+              <a:t>học</a:t>
+            </a:r>
+            <a:r>
+              <a:rPr lang="en-US" dirty="0" smtClean="0"/>
+              <a:t> </a:t>
+            </a:r>
+            <a:r>
+              <a:rPr lang="en-US" dirty="0" err="1" smtClean="0"/>
+              <a:t>công</a:t>
+            </a:r>
+            <a:r>
+              <a:rPr lang="en-US" dirty="0" smtClean="0"/>
+              <a:t> </a:t>
+            </a:r>
+            <a:r>
+              <a:rPr lang="en-US" dirty="0" err="1" smtClean="0"/>
+              <a:t>nghệ</a:t>
+            </a:r>
+            <a:r>
+              <a:rPr lang="en-US" dirty="0" smtClean="0"/>
+              <a:t>, </a:t>
+            </a:r>
+            <a:r>
+              <a:rPr lang="en-US" dirty="0" err="1" smtClean="0"/>
+              <a:t>biết</a:t>
+            </a:r>
+            <a:r>
+              <a:rPr lang="en-US" dirty="0" smtClean="0"/>
+              <a:t> </a:t>
+            </a:r>
+            <a:r>
+              <a:rPr lang="en-US" dirty="0" err="1" smtClean="0"/>
+              <a:t>sử</a:t>
+            </a:r>
+            <a:r>
+              <a:rPr lang="en-US" dirty="0" smtClean="0"/>
+              <a:t> </a:t>
+            </a:r>
+            <a:r>
+              <a:rPr lang="en-US" dirty="0" err="1" smtClean="0"/>
+              <a:t>dụng</a:t>
+            </a:r>
+            <a:r>
+              <a:rPr lang="en-US" dirty="0" smtClean="0"/>
+              <a:t> </a:t>
+            </a:r>
+            <a:r>
+              <a:rPr lang="en-US" dirty="0" err="1" smtClean="0"/>
+              <a:t>các</a:t>
+            </a:r>
+            <a:r>
+              <a:rPr lang="en-US" dirty="0" smtClean="0"/>
+              <a:t> </a:t>
+            </a:r>
+            <a:r>
+              <a:rPr lang="en-US" dirty="0" err="1" smtClean="0"/>
+              <a:t>công</a:t>
+            </a:r>
+            <a:r>
+              <a:rPr lang="en-US" dirty="0" smtClean="0"/>
+              <a:t> </a:t>
+            </a:r>
+            <a:r>
+              <a:rPr lang="en-US" dirty="0" err="1" smtClean="0"/>
+              <a:t>cụ</a:t>
+            </a:r>
+            <a:r>
+              <a:rPr lang="en-US" dirty="0" smtClean="0"/>
+              <a:t> </a:t>
+            </a:r>
+            <a:r>
+              <a:rPr lang="en-US" dirty="0" err="1" smtClean="0"/>
+              <a:t>quản</a:t>
+            </a:r>
+            <a:r>
+              <a:rPr lang="en-US" dirty="0" smtClean="0"/>
+              <a:t> </a:t>
+            </a:r>
+            <a:r>
+              <a:rPr lang="en-US" dirty="0" err="1" smtClean="0"/>
+              <a:t>lý</a:t>
+            </a:r>
+            <a:r>
+              <a:rPr lang="en-US" dirty="0" smtClean="0"/>
+              <a:t>, </a:t>
+            </a:r>
+            <a:r>
+              <a:rPr lang="en-US" dirty="0" err="1" smtClean="0"/>
+              <a:t>phối</a:t>
+            </a:r>
+            <a:r>
+              <a:rPr lang="en-US" dirty="0" smtClean="0"/>
+              <a:t> </a:t>
+            </a:r>
+            <a:r>
+              <a:rPr lang="en-US" dirty="0" err="1" smtClean="0"/>
+              <a:t>hợp</a:t>
+            </a:r>
+            <a:r>
+              <a:rPr lang="en-US" dirty="0" smtClean="0"/>
+              <a:t> </a:t>
+            </a:r>
+            <a:r>
+              <a:rPr lang="en-US" dirty="0" err="1" smtClean="0"/>
+              <a:t>trong</a:t>
             </a:r>
             <a:r>
               <a:rPr lang="en-US" dirty="0" smtClean="0"/>
@@ -11281,105 +13515,125 @@
               <a:rPr lang="en-US" dirty="0" err="1" smtClean="0"/>
               <a:t>án</a:t>
             </a:r>
-            <a:r>
-              <a:rPr lang="en-US" dirty="0" smtClean="0"/>
-              <a:t> </a:t>
-            </a:r>
-            <a:r>
-              <a:rPr lang="en-US" dirty="0" err="1" smtClean="0"/>
-              <a:t>nhỏ</a:t>
-            </a:r>
-            <a:r>
-              <a:rPr lang="en-US" dirty="0" smtClean="0"/>
-              <a:t> </a:t>
-            </a:r>
-            <a:r>
-              <a:rPr lang="en-US" dirty="0" err="1" smtClean="0"/>
-              <a:t>theo</a:t>
-            </a:r>
-            <a:r>
-              <a:rPr lang="en-US" dirty="0" smtClean="0"/>
-              <a:t> </a:t>
-            </a:r>
-            <a:r>
-              <a:rPr lang="en-US" dirty="0" err="1" smtClean="0"/>
-              <a:t>phương</a:t>
-            </a:r>
-            <a:r>
-              <a:rPr lang="en-US" dirty="0" smtClean="0"/>
-              <a:t> </a:t>
-            </a:r>
-            <a:r>
-              <a:rPr lang="en-US" dirty="0" err="1" smtClean="0"/>
-              <a:t>pháp</a:t>
-            </a:r>
-            <a:r>
-              <a:rPr lang="en-US" dirty="0" smtClean="0"/>
-              <a:t> </a:t>
-            </a:r>
-            <a:r>
-              <a:rPr lang="en-US" dirty="0" err="1" smtClean="0"/>
-              <a:t>này</a:t>
-            </a:r>
             <a:endParaRPr lang="en-US" dirty="0" smtClean="0"/>
           </a:p>
           <a:p>
-            <a:pPr eaLnBrk="1" hangingPunct="1">
+            <a:pPr lvl="1">
               <a:defRPr/>
             </a:pPr>
             <a:r>
               <a:rPr lang="en-US" dirty="0" err="1" smtClean="0"/>
-              <a:t>Có</a:t>
-            </a:r>
-            <a:r>
-              <a:rPr lang="en-US" dirty="0" smtClean="0"/>
-              <a:t> </a:t>
-            </a:r>
-            <a:r>
-              <a:rPr lang="en-US" dirty="0" err="1" smtClean="0"/>
-              <a:t>kinh</a:t>
-            </a:r>
-            <a:r>
-              <a:rPr lang="en-US" dirty="0" smtClean="0"/>
-              <a:t> </a:t>
-            </a:r>
-            <a:r>
-              <a:rPr lang="en-US" dirty="0" err="1" smtClean="0"/>
-              <a:t>nghiệm</a:t>
-            </a:r>
-            <a:r>
-              <a:rPr lang="en-US" dirty="0" smtClean="0"/>
-              <a:t> </a:t>
-            </a:r>
-            <a:r>
-              <a:rPr lang="en-US" dirty="0" err="1" smtClean="0"/>
-              <a:t>làm</a:t>
-            </a:r>
-            <a:r>
-              <a:rPr lang="en-US" dirty="0" smtClean="0"/>
-              <a:t> </a:t>
-            </a:r>
-            <a:r>
-              <a:rPr lang="en-US" dirty="0" err="1" smtClean="0"/>
-              <a:t>việc</a:t>
-            </a:r>
-            <a:r>
-              <a:rPr lang="en-US" dirty="0" smtClean="0"/>
-              <a:t> </a:t>
-            </a:r>
-            <a:r>
-              <a:rPr lang="en-US" dirty="0" err="1" smtClean="0"/>
-              <a:t>nhóm</a:t>
+              <a:t>Nắm</a:t>
+            </a:r>
+            <a:r>
+              <a:rPr lang="en-US" dirty="0" smtClean="0"/>
+              <a:t> </a:t>
+            </a:r>
+            <a:r>
+              <a:rPr lang="en-US" dirty="0" err="1" smtClean="0"/>
+              <a:t>được</a:t>
+            </a:r>
+            <a:r>
+              <a:rPr lang="en-US" dirty="0" smtClean="0"/>
+              <a:t> </a:t>
+            </a:r>
+            <a:r>
+              <a:rPr lang="en-US" dirty="0" err="1" smtClean="0"/>
+              <a:t>phương</a:t>
+            </a:r>
+            <a:r>
+              <a:rPr lang="en-US" dirty="0" smtClean="0"/>
+              <a:t> </a:t>
+            </a:r>
+            <a:r>
+              <a:rPr lang="en-US" dirty="0" err="1" smtClean="0"/>
+              <a:t>pháp</a:t>
+            </a:r>
+            <a:r>
+              <a:rPr lang="en-US" dirty="0" smtClean="0"/>
+              <a:t> Agile </a:t>
             </a:r>
             <a:endParaRPr lang="en-US" dirty="0" smtClean="0"/>
           </a:p>
           <a:p>
-            <a:pPr eaLnBrk="1" hangingPunct="1">
+            <a:pPr lvl="1">
               <a:defRPr/>
             </a:pPr>
             <a:r>
-              <a:rPr lang="en-US" smtClean="0"/>
-              <a:t>..</a:t>
+              <a:rPr lang="en-US" dirty="0" err="1" smtClean="0"/>
+              <a:t>Hoàn</a:t>
+            </a:r>
+            <a:r>
+              <a:rPr lang="en-US" dirty="0" smtClean="0"/>
+              <a:t> </a:t>
+            </a:r>
+            <a:r>
+              <a:rPr lang="en-US" dirty="0" err="1" smtClean="0"/>
+              <a:t>thành</a:t>
+            </a:r>
+            <a:r>
+              <a:rPr lang="en-US" dirty="0" smtClean="0"/>
+              <a:t> </a:t>
+            </a:r>
+            <a:r>
+              <a:rPr lang="en-US" dirty="0" err="1" smtClean="0"/>
+              <a:t>một</a:t>
+            </a:r>
+            <a:r>
+              <a:rPr lang="en-US" dirty="0" smtClean="0"/>
+              <a:t> </a:t>
+            </a:r>
+            <a:r>
+              <a:rPr lang="en-US" dirty="0" err="1" smtClean="0"/>
+              <a:t>sản</a:t>
+            </a:r>
+            <a:r>
+              <a:rPr lang="en-US" dirty="0" smtClean="0"/>
+              <a:t> </a:t>
+            </a:r>
+            <a:r>
+              <a:rPr lang="en-US" dirty="0" err="1" smtClean="0"/>
+              <a:t>phẩm</a:t>
+            </a:r>
+            <a:r>
+              <a:rPr lang="en-US" dirty="0" smtClean="0"/>
+              <a:t> </a:t>
+            </a:r>
+            <a:r>
+              <a:rPr lang="en-US" dirty="0" err="1" smtClean="0"/>
+              <a:t>phần</a:t>
+            </a:r>
+            <a:r>
+              <a:rPr lang="en-US" dirty="0" smtClean="0"/>
+              <a:t> </a:t>
+            </a:r>
+            <a:r>
+              <a:rPr lang="en-US" dirty="0" err="1" smtClean="0"/>
+              <a:t>mềm</a:t>
+            </a:r>
+            <a:r>
+              <a:rPr lang="en-US" dirty="0" smtClean="0"/>
+              <a:t> </a:t>
+            </a:r>
+            <a:r>
+              <a:rPr lang="en-US" dirty="0" err="1" smtClean="0"/>
+              <a:t>nhỏ</a:t>
+            </a:r>
+            <a:r>
+              <a:rPr lang="en-US" dirty="0" smtClean="0"/>
+              <a:t> </a:t>
+            </a:r>
+            <a:r>
+              <a:rPr lang="en-US" dirty="0" err="1" smtClean="0"/>
+              <a:t>theo</a:t>
+            </a:r>
+            <a:r>
+              <a:rPr lang="en-US" dirty="0" smtClean="0"/>
+              <a:t> </a:t>
+            </a:r>
+            <a:r>
+              <a:rPr lang="en-US" dirty="0" err="1" smtClean="0"/>
+              <a:t>nhóm</a:t>
             </a:r>
             <a:endParaRPr lang="en-US" dirty="0" smtClean="0"/>
           </a:p>
@@ -11422,6 +13676,611 @@
 </file>
 
 <file path=ppt/slides/slide5.xml><?xml version="1.0" encoding="utf-8"?>
+<p:sld xmlns:a="http://schemas.openxmlformats.org/drawingml/2006/main" xmlns:r="http://schemas.openxmlformats.org/officeDocument/2006/relationships" xmlns:p="http://schemas.openxmlformats.org/presentationml/2006/main">
+  <p:cSld>
+    <p:spTree>
+      <p:nvGrpSpPr>
+        <p:cNvPr id="1" name=""/>
+        <p:cNvGrpSpPr/>
+        <p:nvPr/>
+      </p:nvGrpSpPr>
+      <p:grpSpPr>
+        <a:xfrm>
+          <a:off x="0" y="0"/>
+          <a:ext cx="0" cy="0"/>
+          <a:chOff x="0" y="0"/>
+          <a:chExt cx="0" cy="0"/>
+        </a:xfrm>
+      </p:grpSpPr>
+      <p:sp>
+        <p:nvSpPr>
+          <p:cNvPr id="16386" name="Title 1"/>
+          <p:cNvSpPr>
+            <a:spLocks noGrp="1"/>
+          </p:cNvSpPr>
+          <p:nvPr>
+            <p:ph type="title"/>
+          </p:nvPr>
+        </p:nvSpPr>
+        <p:spPr/>
+        <p:txBody>
+          <a:bodyPr/>
+          <a:lstStyle/>
+          <a:p>
+            <a:pPr eaLnBrk="1" hangingPunct="1"/>
+            <a:r>
+              <a:rPr lang="en-US" dirty="0" err="1" smtClean="0"/>
+              <a:t>Lý</a:t>
+            </a:r>
+            <a:r>
+              <a:rPr lang="en-US" dirty="0" smtClean="0"/>
+              <a:t> </a:t>
+            </a:r>
+            <a:r>
+              <a:rPr lang="en-US" dirty="0" err="1" smtClean="0"/>
+              <a:t>thuyết</a:t>
+            </a:r>
+            <a:endParaRPr lang="vi-VN" dirty="0" smtClean="0"/>
+          </a:p>
+        </p:txBody>
+      </p:sp>
+      <p:sp>
+        <p:nvSpPr>
+          <p:cNvPr id="18435" name="Content Placeholder 2"/>
+          <p:cNvSpPr>
+            <a:spLocks noGrp="1"/>
+          </p:cNvSpPr>
+          <p:nvPr>
+            <p:ph idx="1"/>
+          </p:nvPr>
+        </p:nvSpPr>
+        <p:spPr>
+          <a:xfrm>
+            <a:off x="838200" y="1600200"/>
+            <a:ext cx="5257800" cy="4525963"/>
+          </a:xfrm>
+        </p:spPr>
+        <p:txBody>
+          <a:bodyPr>
+            <a:normAutofit/>
+          </a:bodyPr>
+          <a:lstStyle/>
+          <a:p>
+            <a:pPr eaLnBrk="1" hangingPunct="1">
+              <a:defRPr/>
+            </a:pPr>
+            <a:r>
+              <a:rPr lang="en-US" dirty="0" err="1" smtClean="0"/>
+              <a:t>Tiếng</a:t>
+            </a:r>
+            <a:r>
+              <a:rPr lang="en-US" dirty="0" smtClean="0"/>
+              <a:t> </a:t>
+            </a:r>
+            <a:r>
+              <a:rPr lang="en-US" dirty="0" err="1" smtClean="0"/>
+              <a:t>Anh</a:t>
+            </a:r>
+            <a:endParaRPr lang="en-US" dirty="0"/>
+          </a:p>
+          <a:p>
+            <a:pPr lvl="1" eaLnBrk="1" hangingPunct="1">
+              <a:defRPr/>
+            </a:pPr>
+            <a:r>
+              <a:rPr lang="en-US" dirty="0" smtClean="0"/>
+              <a:t>“Software Engineering </a:t>
+            </a:r>
+            <a:r>
+              <a:rPr lang="en-US" dirty="0" smtClean="0"/>
+              <a:t>9”</a:t>
+            </a:r>
+            <a:endParaRPr lang="en-US" dirty="0" smtClean="0"/>
+          </a:p>
+          <a:p>
+            <a:pPr lvl="1" eaLnBrk="1" hangingPunct="1">
+              <a:defRPr/>
+            </a:pPr>
+            <a:r>
+              <a:rPr lang="en-US" dirty="0" smtClean="0"/>
+              <a:t>By Ian </a:t>
+            </a:r>
+            <a:r>
+              <a:rPr lang="en-US" dirty="0" err="1" smtClean="0"/>
+              <a:t>Sommerville</a:t>
+            </a:r>
+            <a:endParaRPr lang="en-US" dirty="0" smtClean="0"/>
+          </a:p>
+          <a:p>
+            <a:pPr eaLnBrk="1" hangingPunct="1">
+              <a:defRPr/>
+            </a:pPr>
+            <a:r>
+              <a:rPr lang="en-US" dirty="0" err="1" smtClean="0"/>
+              <a:t>Tiếng</a:t>
+            </a:r>
+            <a:r>
+              <a:rPr lang="en-US" dirty="0" smtClean="0"/>
+              <a:t> </a:t>
+            </a:r>
+            <a:r>
+              <a:rPr lang="en-US" dirty="0" err="1" smtClean="0"/>
+              <a:t>Việt</a:t>
+            </a:r>
+            <a:endParaRPr lang="en-US" dirty="0" smtClean="0"/>
+          </a:p>
+          <a:p>
+            <a:pPr lvl="1" eaLnBrk="1" hangingPunct="1">
+              <a:defRPr/>
+            </a:pPr>
+            <a:r>
+              <a:rPr lang="en-US" dirty="0" err="1" smtClean="0"/>
+              <a:t>Giáo</a:t>
+            </a:r>
+            <a:r>
+              <a:rPr lang="en-US" dirty="0" smtClean="0"/>
+              <a:t> </a:t>
+            </a:r>
+            <a:r>
+              <a:rPr lang="en-US" dirty="0" err="1" smtClean="0"/>
+              <a:t>trình</a:t>
+            </a:r>
+            <a:r>
+              <a:rPr lang="en-US" dirty="0" smtClean="0"/>
+              <a:t> “</a:t>
+            </a:r>
+            <a:r>
+              <a:rPr lang="en-US" dirty="0" err="1" smtClean="0"/>
+              <a:t>Kỹ</a:t>
+            </a:r>
+            <a:r>
+              <a:rPr lang="en-US" dirty="0" smtClean="0"/>
+              <a:t> </a:t>
+            </a:r>
+            <a:r>
+              <a:rPr lang="en-US" dirty="0" err="1" smtClean="0"/>
+              <a:t>nghệ</a:t>
+            </a:r>
+            <a:r>
+              <a:rPr lang="en-US" dirty="0" smtClean="0"/>
+              <a:t> </a:t>
+            </a:r>
+            <a:r>
+              <a:rPr lang="en-US" dirty="0" err="1" smtClean="0"/>
+              <a:t>phần</a:t>
+            </a:r>
+            <a:r>
+              <a:rPr lang="en-US" dirty="0" smtClean="0"/>
+              <a:t> </a:t>
+            </a:r>
+            <a:r>
+              <a:rPr lang="en-US" dirty="0" err="1" smtClean="0"/>
+              <a:t>mềm</a:t>
+            </a:r>
+            <a:r>
+              <a:rPr lang="en-US" dirty="0" smtClean="0"/>
+              <a:t>”</a:t>
+            </a:r>
+          </a:p>
+          <a:p>
+            <a:pPr lvl="1" eaLnBrk="1" hangingPunct="1">
+              <a:defRPr/>
+            </a:pPr>
+            <a:r>
+              <a:rPr lang="en-US" dirty="0" err="1" smtClean="0"/>
+              <a:t>Tác</a:t>
+            </a:r>
+            <a:r>
+              <a:rPr lang="en-US" dirty="0" smtClean="0"/>
+              <a:t> </a:t>
+            </a:r>
+            <a:r>
+              <a:rPr lang="en-US" dirty="0" err="1" smtClean="0"/>
+              <a:t>giả</a:t>
+            </a:r>
+            <a:r>
+              <a:rPr lang="en-US" dirty="0" smtClean="0"/>
+              <a:t>: </a:t>
+            </a:r>
+            <a:r>
+              <a:rPr lang="en-US" sz="1600" dirty="0" smtClean="0"/>
+              <a:t>PGS.TS. </a:t>
+            </a:r>
+            <a:r>
+              <a:rPr lang="en-US" sz="1600" dirty="0" err="1" smtClean="0"/>
+              <a:t>Nguyễn</a:t>
+            </a:r>
+            <a:r>
+              <a:rPr lang="en-US" sz="1600" dirty="0" smtClean="0"/>
+              <a:t> </a:t>
+            </a:r>
+            <a:r>
+              <a:rPr lang="en-US" sz="1600" dirty="0" err="1" smtClean="0"/>
+              <a:t>Văn</a:t>
+            </a:r>
+            <a:r>
+              <a:rPr lang="en-US" sz="1600" dirty="0" smtClean="0"/>
+              <a:t> </a:t>
+            </a:r>
+            <a:r>
+              <a:rPr lang="en-US" sz="1600" dirty="0" err="1" smtClean="0"/>
+              <a:t>Vỵ</a:t>
+            </a:r>
+            <a:r>
+              <a:rPr lang="en-US" sz="1600" dirty="0" smtClean="0"/>
+              <a:t>, </a:t>
+            </a:r>
+          </a:p>
+          <a:p>
+            <a:pPr lvl="1" eaLnBrk="1" hangingPunct="1">
+              <a:buNone/>
+              <a:defRPr/>
+            </a:pPr>
+            <a:r>
+              <a:rPr lang="en-US" sz="1600" dirty="0" smtClean="0"/>
+              <a:t>		         TS. </a:t>
+            </a:r>
+            <a:r>
+              <a:rPr lang="en-US" sz="1600" dirty="0" err="1" smtClean="0"/>
+              <a:t>Nguyễn</a:t>
+            </a:r>
+            <a:r>
+              <a:rPr lang="en-US" sz="1600" dirty="0" smtClean="0"/>
+              <a:t> </a:t>
+            </a:r>
+            <a:r>
+              <a:rPr lang="en-US" sz="1600" dirty="0" err="1" smtClean="0"/>
+              <a:t>Việt</a:t>
+            </a:r>
+            <a:r>
+              <a:rPr lang="en-US" sz="1600" dirty="0" smtClean="0"/>
+              <a:t> </a:t>
+            </a:r>
+            <a:r>
+              <a:rPr lang="en-US" sz="1600" dirty="0" err="1" smtClean="0"/>
+              <a:t>Hà</a:t>
+            </a:r>
+            <a:endParaRPr lang="en-US" sz="1600" dirty="0" smtClean="0"/>
+          </a:p>
+          <a:p>
+            <a:pPr eaLnBrk="1" hangingPunct="1">
+              <a:defRPr/>
+            </a:pPr>
+            <a:endParaRPr lang="en-US" dirty="0" smtClean="0"/>
+          </a:p>
+          <a:p>
+            <a:pPr lvl="2" eaLnBrk="1" hangingPunct="1">
+              <a:defRPr/>
+            </a:pPr>
+            <a:endParaRPr lang="en-US" dirty="0" smtClean="0"/>
+          </a:p>
+          <a:p>
+            <a:pPr eaLnBrk="1" hangingPunct="1">
+              <a:defRPr/>
+            </a:pPr>
+            <a:endParaRPr lang="vi-VN" dirty="0" smtClean="0"/>
+          </a:p>
+        </p:txBody>
+      </p:sp>
+      <p:pic>
+        <p:nvPicPr>
+          <p:cNvPr id="2" name="Picture 1"/>
+          <p:cNvPicPr>
+            <a:picLocks noChangeAspect="1"/>
+          </p:cNvPicPr>
+          <p:nvPr/>
+        </p:nvPicPr>
+        <p:blipFill>
+          <a:blip r:embed="rId2"/>
+          <a:stretch>
+            <a:fillRect/>
+          </a:stretch>
+        </p:blipFill>
+        <p:spPr>
+          <a:xfrm>
+            <a:off x="5495925" y="1752600"/>
+            <a:ext cx="3190875" cy="3962400"/>
+          </a:xfrm>
+          <a:prstGeom prst="rect">
+            <a:avLst/>
+          </a:prstGeom>
+        </p:spPr>
+      </p:pic>
+    </p:spTree>
+    <p:extLst>
+      <p:ext uri="{BB962C8B-B14F-4D97-AF65-F5344CB8AC3E}">
+        <p14:creationId xmlns:p14="http://schemas.microsoft.com/office/powerpoint/2010/main" val="4025438532"/>
+      </p:ext>
+    </p:extLst>
+  </p:cSld>
+  <p:clrMapOvr>
+    <a:masterClrMapping/>
+  </p:clrMapOvr>
+  <p:timing>
+    <p:tnLst>
+      <p:par>
+        <p:cTn id="1" dur="indefinite" restart="never" nodeType="tmRoot"/>
+      </p:par>
+    </p:tnLst>
+  </p:timing>
+</p:sld>
+</file>
+
+<file path=ppt/slides/slide6.xml><?xml version="1.0" encoding="utf-8"?>
+<p:sld xmlns:a="http://schemas.openxmlformats.org/drawingml/2006/main" xmlns:r="http://schemas.openxmlformats.org/officeDocument/2006/relationships" xmlns:p="http://schemas.openxmlformats.org/presentationml/2006/main">
+  <p:cSld>
+    <p:spTree>
+      <p:nvGrpSpPr>
+        <p:cNvPr id="1" name=""/>
+        <p:cNvGrpSpPr/>
+        <p:nvPr/>
+      </p:nvGrpSpPr>
+      <p:grpSpPr>
+        <a:xfrm>
+          <a:off x="0" y="0"/>
+          <a:ext cx="0" cy="0"/>
+          <a:chOff x="0" y="0"/>
+          <a:chExt cx="0" cy="0"/>
+        </a:xfrm>
+      </p:grpSpPr>
+      <p:sp>
+        <p:nvSpPr>
+          <p:cNvPr id="18434" name="Title 1"/>
+          <p:cNvSpPr>
+            <a:spLocks noGrp="1"/>
+          </p:cNvSpPr>
+          <p:nvPr>
+            <p:ph type="title"/>
+          </p:nvPr>
+        </p:nvSpPr>
+        <p:spPr/>
+        <p:txBody>
+          <a:bodyPr/>
+          <a:lstStyle/>
+          <a:p>
+            <a:r>
+              <a:rPr lang="en-US" smtClean="0"/>
+              <a:t>Bài tập về nhà</a:t>
+            </a:r>
+            <a:endParaRPr lang="en-GB" smtClean="0"/>
+          </a:p>
+        </p:txBody>
+      </p:sp>
+      <p:sp>
+        <p:nvSpPr>
+          <p:cNvPr id="3" name="Content Placeholder 2"/>
+          <p:cNvSpPr>
+            <a:spLocks noGrp="1"/>
+          </p:cNvSpPr>
+          <p:nvPr>
+            <p:ph idx="1"/>
+          </p:nvPr>
+        </p:nvSpPr>
+        <p:spPr/>
+        <p:txBody>
+          <a:bodyPr/>
+          <a:lstStyle/>
+          <a:p>
+            <a:r>
+              <a:rPr lang="en-US" dirty="0" err="1" smtClean="0"/>
+              <a:t>Đọc</a:t>
+            </a:r>
+            <a:r>
+              <a:rPr lang="en-US" dirty="0" smtClean="0"/>
+              <a:t> </a:t>
+            </a:r>
+            <a:r>
+              <a:rPr lang="en-US" dirty="0" err="1" smtClean="0"/>
+              <a:t>bài</a:t>
+            </a:r>
+            <a:r>
+              <a:rPr lang="en-US" dirty="0" smtClean="0"/>
+              <a:t> </a:t>
+            </a:r>
+            <a:r>
+              <a:rPr lang="en-US" dirty="0" err="1" smtClean="0"/>
+              <a:t>giảng</a:t>
+            </a:r>
+            <a:r>
+              <a:rPr lang="en-US" dirty="0" smtClean="0"/>
+              <a:t>, </a:t>
+            </a:r>
+            <a:r>
+              <a:rPr lang="en-US" dirty="0" err="1" smtClean="0"/>
+              <a:t>tài</a:t>
+            </a:r>
+            <a:r>
+              <a:rPr lang="en-US" dirty="0" smtClean="0"/>
+              <a:t> </a:t>
+            </a:r>
+            <a:r>
+              <a:rPr lang="en-US" dirty="0" err="1" smtClean="0"/>
+              <a:t>liệu</a:t>
+            </a:r>
+            <a:r>
+              <a:rPr lang="en-US" dirty="0" smtClean="0"/>
+              <a:t> </a:t>
+            </a:r>
+            <a:r>
+              <a:rPr lang="en-US" dirty="0" err="1" smtClean="0"/>
+              <a:t>môn</a:t>
+            </a:r>
+            <a:r>
+              <a:rPr lang="en-US" dirty="0" smtClean="0"/>
+              <a:t> </a:t>
+            </a:r>
+            <a:r>
+              <a:rPr lang="en-US" dirty="0" err="1" smtClean="0"/>
+              <a:t>học</a:t>
+            </a:r>
+            <a:endParaRPr lang="en-US" dirty="0" smtClean="0"/>
+          </a:p>
+          <a:p>
+            <a:r>
+              <a:rPr lang="en-US" dirty="0" err="1" smtClean="0"/>
+              <a:t>Trả</a:t>
+            </a:r>
+            <a:r>
+              <a:rPr lang="en-US" dirty="0" smtClean="0"/>
+              <a:t> </a:t>
+            </a:r>
+            <a:r>
+              <a:rPr lang="en-US" dirty="0" err="1" smtClean="0"/>
+              <a:t>lời</a:t>
+            </a:r>
+            <a:r>
+              <a:rPr lang="en-US" dirty="0" smtClean="0"/>
+              <a:t> </a:t>
+            </a:r>
+            <a:r>
+              <a:rPr lang="en-US" dirty="0" err="1" smtClean="0"/>
+              <a:t>tối</a:t>
+            </a:r>
+            <a:r>
+              <a:rPr lang="en-US" dirty="0" smtClean="0"/>
+              <a:t> </a:t>
+            </a:r>
+            <a:r>
+              <a:rPr lang="en-US" dirty="0" err="1" smtClean="0"/>
+              <a:t>thiểu</a:t>
+            </a:r>
+            <a:r>
+              <a:rPr lang="en-US" dirty="0" smtClean="0"/>
+              <a:t> 3 </a:t>
+            </a:r>
+            <a:r>
+              <a:rPr lang="en-US" dirty="0" err="1" smtClean="0"/>
+              <a:t>câu</a:t>
+            </a:r>
+            <a:r>
+              <a:rPr lang="en-US" dirty="0" smtClean="0"/>
+              <a:t> </a:t>
+            </a:r>
+            <a:r>
+              <a:rPr lang="en-US" dirty="0" err="1" smtClean="0"/>
+              <a:t>hỏi</a:t>
+            </a:r>
+            <a:r>
+              <a:rPr lang="en-US" dirty="0" smtClean="0"/>
+              <a:t> ở </a:t>
+            </a:r>
+            <a:r>
+              <a:rPr lang="en-US" dirty="0" err="1" smtClean="0"/>
+              <a:t>cuối</a:t>
+            </a:r>
+            <a:r>
+              <a:rPr lang="en-US" dirty="0" smtClean="0"/>
+              <a:t> </a:t>
+            </a:r>
+            <a:r>
+              <a:rPr lang="en-US" dirty="0" err="1" smtClean="0"/>
+              <a:t>mỗi</a:t>
+            </a:r>
+            <a:r>
+              <a:rPr lang="en-US" dirty="0" smtClean="0"/>
+              <a:t> </a:t>
+            </a:r>
+            <a:r>
+              <a:rPr lang="en-US" dirty="0" err="1" smtClean="0"/>
+              <a:t>chương</a:t>
+            </a:r>
+            <a:endParaRPr lang="en-US" dirty="0" smtClean="0"/>
+          </a:p>
+          <a:p>
+            <a:pPr lvl="1"/>
+            <a:r>
+              <a:rPr lang="en-US" dirty="0" err="1" smtClean="0"/>
+              <a:t>Viết</a:t>
+            </a:r>
+            <a:r>
+              <a:rPr lang="en-US" dirty="0" smtClean="0"/>
+              <a:t> </a:t>
+            </a:r>
+            <a:r>
+              <a:rPr lang="en-US" dirty="0" err="1" smtClean="0"/>
+              <a:t>tay</a:t>
+            </a:r>
+            <a:endParaRPr lang="en-US" dirty="0" smtClean="0"/>
+          </a:p>
+          <a:p>
+            <a:pPr lvl="1"/>
+            <a:r>
+              <a:rPr lang="en-US" dirty="0" err="1" smtClean="0"/>
+              <a:t>Nộp</a:t>
+            </a:r>
+            <a:r>
+              <a:rPr lang="en-US" dirty="0" smtClean="0"/>
+              <a:t> </a:t>
+            </a:r>
+            <a:r>
+              <a:rPr lang="en-US" dirty="0" err="1" smtClean="0"/>
+              <a:t>vào</a:t>
+            </a:r>
+            <a:r>
+              <a:rPr lang="en-US" dirty="0" smtClean="0"/>
+              <a:t> </a:t>
+            </a:r>
+            <a:r>
+              <a:rPr lang="en-US" dirty="0" err="1" smtClean="0"/>
+              <a:t>giờ</a:t>
+            </a:r>
+            <a:r>
+              <a:rPr lang="en-US" dirty="0" smtClean="0"/>
+              <a:t> </a:t>
+            </a:r>
+            <a:r>
+              <a:rPr lang="en-US" dirty="0" err="1" smtClean="0"/>
+              <a:t>học</a:t>
+            </a:r>
+            <a:r>
+              <a:rPr lang="en-US" dirty="0" smtClean="0"/>
+              <a:t> ở </a:t>
+            </a:r>
+            <a:r>
+              <a:rPr lang="en-US" dirty="0" err="1" smtClean="0"/>
+              <a:t>tuần</a:t>
+            </a:r>
+            <a:r>
+              <a:rPr lang="en-US" dirty="0" smtClean="0"/>
+              <a:t> </a:t>
+            </a:r>
+            <a:r>
+              <a:rPr lang="en-US" dirty="0" err="1" smtClean="0"/>
+              <a:t>tiếp</a:t>
+            </a:r>
+            <a:r>
+              <a:rPr lang="en-US" dirty="0" smtClean="0"/>
+              <a:t> </a:t>
+            </a:r>
+            <a:r>
+              <a:rPr lang="en-US" dirty="0" err="1" smtClean="0"/>
+              <a:t>theo</a:t>
+            </a:r>
+            <a:endParaRPr lang="en-US" dirty="0" smtClean="0"/>
+          </a:p>
+        </p:txBody>
+      </p:sp>
+    </p:spTree>
+    <p:extLst>
+      <p:ext uri="{BB962C8B-B14F-4D97-AF65-F5344CB8AC3E}">
+        <p14:creationId xmlns:p14="http://schemas.microsoft.com/office/powerpoint/2010/main" val="2691161190"/>
+      </p:ext>
+    </p:extLst>
+  </p:cSld>
+  <p:clrMapOvr>
+    <a:masterClrMapping/>
+  </p:clrMapOvr>
+  <p:timing>
+    <p:tnLst>
+      <p:par>
+        <p:cTn id="1" dur="indefinite" restart="never" nodeType="tmRoot"/>
+      </p:par>
+    </p:tnLst>
+  </p:timing>
+</p:sld>
+</file>
+
+<file path=ppt/slides/slide7.xml><?xml version="1.0" encoding="utf-8"?>
 <p:sld xmlns:a="http://schemas.openxmlformats.org/drawingml/2006/main" xmlns:r="http://schemas.openxmlformats.org/officeDocument/2006/relationships" xmlns:p="http://schemas.openxmlformats.org/presentationml/2006/main">
   <p:cSld>
     <p:spTree>
@@ -11614,7 +14473,7 @@
                   <a:tab pos="9144000" algn="l"/>
                 </a:tabLst>
               </a:pPr>
-              <a:t>5</a:t>
+              <a:t>7</a:t>
             </a:fld>
             <a:endParaRPr lang="en-GB" sz="1400">
               <a:solidFill>
@@ -11781,18 +14640,26 @@
           <a:p>
             <a:pPr eaLnBrk="1" hangingPunct="1"/>
             <a:r>
-              <a:rPr lang="en-GB" smtClean="0"/>
-              <a:t>Dự án – </a:t>
-            </a:r>
-            <a:r>
-              <a:rPr lang="en-GB" sz="3600" smtClean="0">
-                <a:solidFill>
-                  <a:srgbClr val="C00000"/>
-                </a:solidFill>
-              </a:rPr>
-              <a:t>Phân nhóm</a:t>
-            </a:r>
-            <a:endParaRPr lang="en-US" sz="3600" smtClean="0">
+              <a:rPr lang="en-GB" dirty="0" err="1" smtClean="0"/>
+              <a:t>Dự</a:t>
+            </a:r>
+            <a:r>
+              <a:rPr lang="en-GB" dirty="0" smtClean="0"/>
+              <a:t> </a:t>
+            </a:r>
+            <a:r>
+              <a:rPr lang="en-GB" dirty="0" err="1" smtClean="0"/>
+              <a:t>án</a:t>
+            </a:r>
+            <a:r>
+              <a:rPr lang="en-GB" dirty="0" smtClean="0"/>
+              <a:t> - </a:t>
+            </a:r>
+            <a:r>
+              <a:rPr lang="en-GB" dirty="0" err="1" smtClean="0"/>
+              <a:t>Nhóm</a:t>
+            </a:r>
+            <a:endParaRPr lang="en-US" sz="3600" dirty="0" smtClean="0">
               <a:solidFill>
                 <a:srgbClr val="C00000"/>
               </a:solidFill>
@@ -11807,7 +14674,7 @@
             <a:spLocks noGrp="1"/>
           </p:cNvSpPr>
           <p:nvPr>
-            <p:ph sz="quarter" idx="1"/>
+            <p:ph idx="1"/>
           </p:nvPr>
         </p:nvSpPr>
         <p:spPr/>
@@ -11999,55 +14866,71 @@
               <a:t> </a:t>
             </a:r>
             <a:r>
-              <a:rPr lang="en-US" err="1" smtClean="0"/>
+              <a:rPr lang="en-US" dirty="0" err="1" smtClean="0"/>
               <a:t>dự</a:t>
             </a:r>
             <a:r>
-              <a:rPr lang="en-US" smtClean="0"/>
-              <a:t> </a:t>
-            </a:r>
-            <a:r>
-              <a:rPr lang="en-US" smtClean="0"/>
+              <a:rPr lang="en-US" dirty="0" smtClean="0"/>
+              <a:t> </a:t>
+            </a:r>
+            <a:r>
+              <a:rPr lang="en-US" dirty="0" err="1" smtClean="0"/>
               <a:t>án</a:t>
             </a:r>
+            <a:endParaRPr lang="en-US" dirty="0" smtClean="0"/>
           </a:p>
           <a:p>
             <a:pPr lvl="1" eaLnBrk="1" hangingPunct="1">
               <a:defRPr/>
             </a:pPr>
             <a:r>
-              <a:rPr lang="en-US" smtClean="0"/>
-              <a:t>Quản lý dự án bằng </a:t>
-            </a:r>
-            <a:r>
-              <a:rPr lang="en-US" b="1" smtClean="0"/>
+              <a:rPr lang="en-US" dirty="0" err="1" smtClean="0"/>
+              <a:t>Quản</a:t>
+            </a:r>
+            <a:r>
+              <a:rPr lang="en-US" dirty="0" smtClean="0"/>
+              <a:t> </a:t>
+            </a:r>
+            <a:r>
+              <a:rPr lang="en-US" dirty="0" err="1" smtClean="0"/>
+              <a:t>lý</a:t>
+            </a:r>
+            <a:r>
+              <a:rPr lang="en-US" dirty="0" smtClean="0"/>
+              <a:t> </a:t>
+            </a:r>
+            <a:r>
+              <a:rPr lang="en-US" dirty="0" err="1" smtClean="0"/>
+              <a:t>dự</a:t>
+            </a:r>
+            <a:r>
+              <a:rPr lang="en-US" dirty="0" smtClean="0"/>
+              <a:t> </a:t>
+            </a:r>
+            <a:r>
+              <a:rPr lang="en-US" dirty="0" err="1" smtClean="0"/>
+              <a:t>án</a:t>
+            </a:r>
+            <a:r>
+              <a:rPr lang="en-US" dirty="0" smtClean="0"/>
+              <a:t> </a:t>
+            </a:r>
+            <a:r>
+              <a:rPr lang="en-US" dirty="0" err="1" smtClean="0"/>
+              <a:t>bằng</a:t>
+            </a:r>
+            <a:r>
+              <a:rPr lang="en-US" dirty="0" smtClean="0"/>
+              <a:t> </a:t>
+            </a:r>
+            <a:r>
+              <a:rPr lang="en-US" b="1" dirty="0" err="1" smtClean="0"/>
               <a:t>GitHub</a:t>
             </a:r>
             <a:r>
-              <a:rPr lang="en-US" smtClean="0"/>
-              <a:t> </a:t>
-            </a:r>
-            <a:r>
-              <a:rPr lang="en-US" smtClean="0"/>
-              <a:t>(</a:t>
-            </a:r>
-            <a:r>
-              <a:rPr lang="en-US" smtClean="0"/>
-              <a:t>a </a:t>
-            </a:r>
-            <a:r>
-              <a:rPr lang="en-US" smtClean="0"/>
-              <a:t>web-based </a:t>
-            </a:r>
-            <a:r>
-              <a:rPr lang="en-US" smtClean="0"/>
-              <a:t>hosting </a:t>
-            </a:r>
-            <a:r>
-              <a:rPr lang="en-US" smtClean="0"/>
-              <a:t>service)</a:t>
-            </a:r>
-            <a:endParaRPr lang="en-US" dirty="0" smtClean="0"/>
+              <a:rPr lang="en-US" dirty="0" smtClean="0"/>
+              <a:t> (a web-based hosting service)</a:t>
+            </a:r>
           </a:p>
           <a:p>
             <a:pPr eaLnBrk="1" hangingPunct="1">
@@ -12093,1218 +14976,6 @@
 </p:sld>
 </file>
 
-<file path=ppt/slides/slide6.xml><?xml version="1.0" encoding="utf-8"?>
-<p:sld xmlns:a="http://schemas.openxmlformats.org/drawingml/2006/main" xmlns:r="http://schemas.openxmlformats.org/officeDocument/2006/relationships" xmlns:p="http://schemas.openxmlformats.org/presentationml/2006/main">
-  <p:cSld>
-    <p:spTree>
-      <p:nvGrpSpPr>
-        <p:cNvPr id="1" name=""/>
-        <p:cNvGrpSpPr/>
-        <p:nvPr/>
-      </p:nvGrpSpPr>
-      <p:grpSpPr>
-        <a:xfrm>
-          <a:off x="0" y="0"/>
-          <a:ext cx="0" cy="0"/>
-          <a:chOff x="0" y="0"/>
-          <a:chExt cx="0" cy="0"/>
-        </a:xfrm>
-      </p:grpSpPr>
-      <p:sp>
-        <p:nvSpPr>
-          <p:cNvPr id="13314" name="Title 1"/>
-          <p:cNvSpPr>
-            <a:spLocks noGrp="1"/>
-          </p:cNvSpPr>
-          <p:nvPr>
-            <p:ph type="title"/>
-          </p:nvPr>
-        </p:nvSpPr>
-        <p:spPr/>
-        <p:txBody>
-          <a:bodyPr>
-            <a:normAutofit fontScale="90000"/>
-          </a:bodyPr>
-          <a:lstStyle/>
-          <a:p>
-            <a:pPr eaLnBrk="1" hangingPunct="1"/>
-            <a:r>
-              <a:rPr lang="en-US" smtClean="0"/>
-              <a:t>Dự án - </a:t>
-            </a:r>
-            <a:r>
-              <a:rPr lang="en-US" sz="3100" smtClean="0">
-                <a:solidFill>
-                  <a:srgbClr val="C00000"/>
-                </a:solidFill>
-              </a:rPr>
-              <a:t>Phương pháp, công cụ sử dụng</a:t>
-            </a:r>
-            <a:endParaRPr lang="vi-VN" smtClean="0">
-              <a:solidFill>
-                <a:srgbClr val="C00000"/>
-              </a:solidFill>
-            </a:endParaRPr>
-          </a:p>
-        </p:txBody>
-      </p:sp>
-      <p:sp>
-        <p:nvSpPr>
-          <p:cNvPr id="13315" name="Content Placeholder 2"/>
-          <p:cNvSpPr>
-            <a:spLocks noGrp="1"/>
-          </p:cNvSpPr>
-          <p:nvPr>
-            <p:ph sz="quarter" idx="1"/>
-          </p:nvPr>
-        </p:nvSpPr>
-        <p:spPr/>
-        <p:txBody>
-          <a:bodyPr>
-            <a:normAutofit fontScale="92500" lnSpcReduction="10000"/>
-          </a:bodyPr>
-          <a:lstStyle/>
-          <a:p>
-            <a:pPr eaLnBrk="1" hangingPunct="1">
-              <a:defRPr/>
-            </a:pPr>
-            <a:r>
-              <a:rPr lang="en-US" dirty="0" smtClean="0"/>
-              <a:t>Agile process</a:t>
-            </a:r>
-          </a:p>
-          <a:p>
-            <a:pPr lvl="1" eaLnBrk="1" hangingPunct="1">
-              <a:defRPr/>
-            </a:pPr>
-            <a:r>
-              <a:rPr lang="en-US" dirty="0" err="1" smtClean="0"/>
-              <a:t>Làm</a:t>
-            </a:r>
-            <a:r>
-              <a:rPr lang="en-US" dirty="0" smtClean="0"/>
-              <a:t> </a:t>
-            </a:r>
-            <a:r>
-              <a:rPr lang="en-US" dirty="0" err="1" smtClean="0"/>
-              <a:t>tài</a:t>
-            </a:r>
-            <a:r>
-              <a:rPr lang="en-US" dirty="0" smtClean="0"/>
-              <a:t> </a:t>
-            </a:r>
-            <a:r>
-              <a:rPr lang="en-US" dirty="0" err="1" smtClean="0"/>
-              <a:t>liệu</a:t>
-            </a:r>
-            <a:r>
-              <a:rPr lang="en-US" dirty="0" smtClean="0"/>
-              <a:t> </a:t>
-            </a:r>
-            <a:r>
-              <a:rPr lang="en-US" err="1" smtClean="0"/>
-              <a:t>bằng</a:t>
-            </a:r>
-            <a:r>
-              <a:rPr lang="en-US" smtClean="0"/>
-              <a:t> </a:t>
-            </a:r>
-            <a:r>
-              <a:rPr lang="en-US" smtClean="0"/>
-              <a:t>UML hoặc  ngôn ngữ khác</a:t>
-            </a:r>
-            <a:endParaRPr lang="en-US" dirty="0" smtClean="0"/>
-          </a:p>
-          <a:p>
-            <a:pPr lvl="1" eaLnBrk="1" hangingPunct="1">
-              <a:defRPr/>
-            </a:pPr>
-            <a:r>
-              <a:rPr lang="en-US" dirty="0" err="1" smtClean="0"/>
-              <a:t>Quản</a:t>
-            </a:r>
-            <a:r>
-              <a:rPr lang="en-US" dirty="0" smtClean="0"/>
-              <a:t> </a:t>
-            </a:r>
-            <a:r>
-              <a:rPr lang="en-US" dirty="0" err="1" smtClean="0"/>
-              <a:t>lý</a:t>
-            </a:r>
-            <a:r>
-              <a:rPr lang="en-US" dirty="0" smtClean="0"/>
-              <a:t> </a:t>
-            </a:r>
-            <a:r>
-              <a:rPr lang="en-US" dirty="0" err="1" smtClean="0"/>
-              <a:t>dự</a:t>
-            </a:r>
-            <a:r>
-              <a:rPr lang="en-US" dirty="0" smtClean="0"/>
-              <a:t> </a:t>
-            </a:r>
-            <a:r>
-              <a:rPr lang="en-US" dirty="0" err="1" smtClean="0"/>
-              <a:t>án</a:t>
-            </a:r>
-            <a:r>
-              <a:rPr lang="en-US" dirty="0" smtClean="0"/>
-              <a:t> </a:t>
-            </a:r>
-            <a:r>
-              <a:rPr lang="en-US" dirty="0" err="1" smtClean="0"/>
-              <a:t>sử</a:t>
-            </a:r>
-            <a:r>
-              <a:rPr lang="en-US" dirty="0" smtClean="0"/>
-              <a:t> </a:t>
-            </a:r>
-            <a:r>
-              <a:rPr lang="en-US" err="1" smtClean="0"/>
-              <a:t>dụng</a:t>
-            </a:r>
-            <a:r>
-              <a:rPr lang="en-US" smtClean="0"/>
-              <a:t> </a:t>
-            </a:r>
-            <a:r>
-              <a:rPr lang="en-US" b="1" smtClean="0"/>
-              <a:t>GitHub</a:t>
-            </a:r>
-            <a:r>
-              <a:rPr lang="en-US" smtClean="0"/>
-              <a:t> </a:t>
-            </a:r>
-            <a:r>
-              <a:rPr lang="en-US" smtClean="0"/>
-              <a:t>(</a:t>
-            </a:r>
-            <a:r>
-              <a:rPr lang="en-US" smtClean="0">
-                <a:hlinkClick r:id="rId2"/>
-              </a:rPr>
-              <a:t>https://</a:t>
-            </a:r>
-            <a:r>
-              <a:rPr lang="en-US" smtClean="0">
-                <a:hlinkClick r:id="rId2"/>
-              </a:rPr>
-              <a:t>github.com</a:t>
-            </a:r>
-            <a:r>
-              <a:rPr lang="en-US" smtClean="0">
-                <a:hlinkClick r:id="rId2"/>
-              </a:rPr>
-              <a:t>/</a:t>
-            </a:r>
-            <a:r>
-              <a:rPr lang="en-US" smtClean="0"/>
-              <a:t>)</a:t>
-            </a:r>
-          </a:p>
-          <a:p>
-            <a:pPr lvl="1" eaLnBrk="1" hangingPunct="1">
-              <a:defRPr/>
-            </a:pPr>
-            <a:r>
-              <a:rPr lang="en-US" smtClean="0"/>
-              <a:t>D</a:t>
-            </a:r>
-            <a:r>
-              <a:rPr lang="en-US" smtClean="0"/>
-              <a:t>ự án mẫu, tài liệu mẫu </a:t>
-            </a:r>
-          </a:p>
-          <a:p>
-            <a:pPr lvl="1" indent="4763" eaLnBrk="1" hangingPunct="1">
-              <a:buNone/>
-              <a:defRPr/>
-            </a:pPr>
-            <a:r>
-              <a:rPr lang="en-US" smtClean="0">
-                <a:hlinkClick r:id="rId3"/>
-              </a:rPr>
-              <a:t>http</a:t>
-            </a:r>
-            <a:r>
-              <a:rPr lang="en-US" smtClean="0">
-                <a:hlinkClick r:id="rId3"/>
-              </a:rPr>
-              <a:t>://</a:t>
-            </a:r>
-            <a:r>
-              <a:rPr lang="en-US" smtClean="0">
-                <a:hlinkClick r:id="rId3"/>
-              </a:rPr>
-              <a:t>www.thoughtworks-studios.com/mingle-agile-project-management</a:t>
-            </a:r>
-            <a:r>
-              <a:rPr lang="en-US" smtClean="0"/>
-              <a:t> </a:t>
-            </a:r>
-            <a:endParaRPr lang="en-US" dirty="0" smtClean="0"/>
-          </a:p>
-          <a:p>
-            <a:pPr eaLnBrk="1" hangingPunct="1">
-              <a:defRPr/>
-            </a:pPr>
-            <a:r>
-              <a:rPr lang="en-US" dirty="0" err="1" smtClean="0"/>
-              <a:t>Sử</a:t>
-            </a:r>
-            <a:r>
-              <a:rPr lang="en-US" dirty="0" smtClean="0"/>
-              <a:t> </a:t>
-            </a:r>
-            <a:r>
-              <a:rPr lang="en-US" err="1" smtClean="0"/>
-              <a:t>dụng</a:t>
-            </a:r>
-            <a:r>
-              <a:rPr lang="en-US" smtClean="0"/>
-              <a:t> </a:t>
-            </a:r>
-            <a:r>
-              <a:rPr lang="en-US" smtClean="0"/>
-              <a:t>GitHub </a:t>
-            </a:r>
-            <a:r>
-              <a:rPr lang="en-US" dirty="0" err="1" smtClean="0"/>
-              <a:t>để</a:t>
-            </a:r>
-            <a:r>
-              <a:rPr lang="en-US" dirty="0" smtClean="0"/>
-              <a:t> </a:t>
-            </a:r>
-            <a:r>
-              <a:rPr lang="en-US" dirty="0" err="1" smtClean="0"/>
-              <a:t>lưu</a:t>
-            </a:r>
-            <a:r>
-              <a:rPr lang="en-US" dirty="0" smtClean="0"/>
-              <a:t> </a:t>
-            </a:r>
-            <a:r>
-              <a:rPr lang="en-US" dirty="0" err="1" smtClean="0"/>
-              <a:t>trữ</a:t>
-            </a:r>
-            <a:r>
-              <a:rPr lang="en-US" dirty="0" smtClean="0"/>
-              <a:t> </a:t>
-            </a:r>
-            <a:r>
-              <a:rPr lang="en-US" dirty="0" err="1" smtClean="0"/>
-              <a:t>các</a:t>
-            </a:r>
-            <a:r>
-              <a:rPr lang="en-US" dirty="0" smtClean="0"/>
-              <a:t> </a:t>
-            </a:r>
-            <a:r>
-              <a:rPr lang="en-US" dirty="0" err="1" smtClean="0"/>
-              <a:t>chế</a:t>
-            </a:r>
-            <a:r>
-              <a:rPr lang="en-US" dirty="0" smtClean="0"/>
-              <a:t> </a:t>
-            </a:r>
-            <a:r>
-              <a:rPr lang="en-US" dirty="0" err="1" smtClean="0"/>
-              <a:t>tác</a:t>
-            </a:r>
-            <a:r>
-              <a:rPr lang="en-US" dirty="0" smtClean="0"/>
-              <a:t> </a:t>
-            </a:r>
-            <a:r>
-              <a:rPr lang="en-US" dirty="0" err="1" smtClean="0"/>
-              <a:t>trong</a:t>
-            </a:r>
-            <a:r>
-              <a:rPr lang="en-US" dirty="0" smtClean="0"/>
-              <a:t> </a:t>
-            </a:r>
-            <a:r>
-              <a:rPr lang="en-US" dirty="0" err="1" smtClean="0"/>
-              <a:t>quá</a:t>
-            </a:r>
-            <a:r>
-              <a:rPr lang="en-US" dirty="0" smtClean="0"/>
-              <a:t> </a:t>
-            </a:r>
-            <a:r>
-              <a:rPr lang="en-US" dirty="0" err="1" smtClean="0"/>
-              <a:t>trình</a:t>
-            </a:r>
-            <a:r>
-              <a:rPr lang="en-US" dirty="0" smtClean="0"/>
-              <a:t> </a:t>
-            </a:r>
-            <a:r>
-              <a:rPr lang="en-US" dirty="0" err="1" smtClean="0"/>
-              <a:t>thực</a:t>
-            </a:r>
-            <a:r>
-              <a:rPr lang="en-US" dirty="0" smtClean="0"/>
-              <a:t> </a:t>
-            </a:r>
-            <a:r>
-              <a:rPr lang="en-US" dirty="0" err="1" smtClean="0"/>
-              <a:t>hiện</a:t>
-            </a:r>
-            <a:r>
-              <a:rPr lang="en-US" dirty="0" smtClean="0"/>
-              <a:t> </a:t>
-            </a:r>
-            <a:r>
-              <a:rPr lang="en-US" err="1" smtClean="0"/>
-              <a:t>dự</a:t>
-            </a:r>
-            <a:r>
-              <a:rPr lang="en-US" smtClean="0"/>
-              <a:t> </a:t>
-            </a:r>
-            <a:r>
-              <a:rPr lang="en-US" smtClean="0"/>
-              <a:t>án</a:t>
-            </a:r>
-            <a:endParaRPr lang="en-US" dirty="0" smtClean="0"/>
-          </a:p>
-          <a:p>
-            <a:pPr lvl="1" eaLnBrk="1" hangingPunct="1">
-              <a:defRPr/>
-            </a:pPr>
-            <a:r>
-              <a:rPr lang="en-US" dirty="0" err="1" smtClean="0"/>
-              <a:t>Mỗi</a:t>
-            </a:r>
-            <a:r>
-              <a:rPr lang="en-US" dirty="0" smtClean="0"/>
-              <a:t> </a:t>
-            </a:r>
-            <a:r>
-              <a:rPr lang="en-US" dirty="0" err="1" smtClean="0"/>
-              <a:t>nhóm</a:t>
-            </a:r>
-            <a:r>
-              <a:rPr lang="en-US" dirty="0" smtClean="0"/>
-              <a:t> </a:t>
-            </a:r>
-            <a:r>
-              <a:rPr lang="en-US" dirty="0" err="1" smtClean="0"/>
-              <a:t>tự</a:t>
-            </a:r>
-            <a:r>
-              <a:rPr lang="en-US" dirty="0" smtClean="0"/>
-              <a:t> </a:t>
-            </a:r>
-            <a:r>
-              <a:rPr lang="en-US" dirty="0" err="1" smtClean="0"/>
-              <a:t>tạo</a:t>
-            </a:r>
-            <a:r>
-              <a:rPr lang="en-US" dirty="0" smtClean="0"/>
-              <a:t> </a:t>
-            </a:r>
-            <a:r>
-              <a:rPr lang="en-US" dirty="0" err="1" smtClean="0"/>
-              <a:t>một</a:t>
-            </a:r>
-            <a:r>
-              <a:rPr lang="en-US" dirty="0" smtClean="0"/>
-              <a:t> </a:t>
-            </a:r>
-            <a:r>
-              <a:rPr lang="en-US" dirty="0" err="1" smtClean="0"/>
-              <a:t>kho</a:t>
-            </a:r>
-            <a:r>
-              <a:rPr lang="en-US" dirty="0" smtClean="0"/>
-              <a:t> </a:t>
-            </a:r>
-            <a:r>
-              <a:rPr lang="en-US" dirty="0" err="1" smtClean="0"/>
-              <a:t>lưu</a:t>
-            </a:r>
-            <a:r>
-              <a:rPr lang="en-US" dirty="0" smtClean="0"/>
-              <a:t> </a:t>
-            </a:r>
-            <a:r>
-              <a:rPr lang="en-US" err="1" smtClean="0"/>
-              <a:t>trữ</a:t>
-            </a:r>
-            <a:r>
-              <a:rPr lang="en-US" smtClean="0"/>
-              <a:t> </a:t>
-            </a:r>
-            <a:r>
-              <a:rPr lang="en-US" smtClean="0"/>
-              <a:t>riêng </a:t>
-            </a:r>
-            <a:r>
-              <a:rPr lang="en-US" smtClean="0">
-                <a:hlinkClick r:id="rId4"/>
-              </a:rPr>
-              <a:t>https</a:t>
-            </a:r>
-            <a:r>
-              <a:rPr lang="en-US" smtClean="0">
-                <a:hlinkClick r:id="rId4"/>
-              </a:rPr>
-              <a:t>://</a:t>
-            </a:r>
-            <a:r>
-              <a:rPr lang="en-US" smtClean="0">
-                <a:hlinkClick r:id="rId4"/>
-              </a:rPr>
-              <a:t>help.github.com/articles/creating-a-new-repository</a:t>
-            </a:r>
-            <a:r>
-              <a:rPr lang="en-US" smtClean="0"/>
-              <a:t> </a:t>
-            </a:r>
-            <a:endParaRPr lang="en-US" dirty="0"/>
-          </a:p>
-          <a:p>
-            <a:pPr lvl="1" eaLnBrk="1" hangingPunct="1">
-              <a:defRPr/>
-            </a:pPr>
-            <a:r>
-              <a:rPr lang="en-US" dirty="0" err="1" smtClean="0"/>
-              <a:t>Thêm</a:t>
-            </a:r>
-            <a:r>
-              <a:rPr lang="en-US" dirty="0" smtClean="0"/>
-              <a:t> </a:t>
-            </a:r>
-            <a:r>
-              <a:rPr lang="en-US" dirty="0" err="1" smtClean="0"/>
-              <a:t>các</a:t>
-            </a:r>
-            <a:r>
-              <a:rPr lang="en-US" dirty="0" smtClean="0"/>
-              <a:t> </a:t>
-            </a:r>
-            <a:r>
-              <a:rPr lang="en-US" dirty="0" err="1" smtClean="0"/>
-              <a:t>thành</a:t>
-            </a:r>
-            <a:r>
-              <a:rPr lang="en-US" dirty="0" smtClean="0"/>
-              <a:t> </a:t>
-            </a:r>
-            <a:r>
-              <a:rPr lang="en-US" dirty="0" err="1" smtClean="0"/>
-              <a:t>viên</a:t>
-            </a:r>
-            <a:r>
-              <a:rPr lang="en-US" dirty="0" smtClean="0"/>
-              <a:t>/</a:t>
-            </a:r>
-            <a:r>
-              <a:rPr lang="en-US" dirty="0" err="1" smtClean="0"/>
-              <a:t>người</a:t>
-            </a:r>
-            <a:r>
-              <a:rPr lang="en-US" dirty="0" smtClean="0"/>
-              <a:t> </a:t>
-            </a:r>
-            <a:r>
-              <a:rPr lang="en-US" dirty="0" err="1" smtClean="0"/>
-              <a:t>dùng</a:t>
-            </a:r>
-            <a:r>
-              <a:rPr lang="en-US" dirty="0" smtClean="0"/>
-              <a:t> </a:t>
-            </a:r>
-            <a:r>
-              <a:rPr lang="en-US" dirty="0" err="1" smtClean="0"/>
-              <a:t>là</a:t>
-            </a:r>
-            <a:r>
-              <a:rPr lang="en-US" dirty="0" smtClean="0"/>
-              <a:t> </a:t>
-            </a:r>
-            <a:r>
-              <a:rPr lang="en-US" dirty="0" err="1" smtClean="0"/>
-              <a:t>các</a:t>
-            </a:r>
-            <a:r>
-              <a:rPr lang="en-US" dirty="0" smtClean="0"/>
-              <a:t> </a:t>
-            </a:r>
-            <a:r>
-              <a:rPr lang="en-US" dirty="0" err="1" smtClean="0"/>
-              <a:t>thành</a:t>
-            </a:r>
-            <a:r>
-              <a:rPr lang="en-US" dirty="0" smtClean="0"/>
-              <a:t> </a:t>
-            </a:r>
-            <a:r>
-              <a:rPr lang="en-US" dirty="0" err="1" smtClean="0"/>
-              <a:t>viên</a:t>
-            </a:r>
-            <a:r>
-              <a:rPr lang="en-US" dirty="0" smtClean="0"/>
-              <a:t> </a:t>
-            </a:r>
-            <a:r>
-              <a:rPr lang="en-US" dirty="0" err="1" smtClean="0"/>
-              <a:t>trong</a:t>
-            </a:r>
-            <a:r>
-              <a:rPr lang="en-US" dirty="0" smtClean="0"/>
-              <a:t> </a:t>
-            </a:r>
-            <a:r>
-              <a:rPr lang="en-US" dirty="0" err="1" smtClean="0"/>
-              <a:t>nhóm</a:t>
-            </a:r>
-            <a:r>
-              <a:rPr lang="en-US" dirty="0" smtClean="0"/>
-              <a:t> </a:t>
-            </a:r>
-            <a:r>
-              <a:rPr lang="en-US" dirty="0" err="1" smtClean="0"/>
-              <a:t>và</a:t>
-            </a:r>
-            <a:r>
-              <a:rPr lang="en-US" dirty="0" smtClean="0"/>
-              <a:t> 2 </a:t>
-            </a:r>
-            <a:r>
-              <a:rPr lang="en-US" err="1" smtClean="0"/>
-              <a:t>giáo</a:t>
-            </a:r>
-            <a:r>
-              <a:rPr lang="en-US" smtClean="0"/>
-              <a:t> </a:t>
-            </a:r>
-            <a:r>
-              <a:rPr lang="en-US" smtClean="0"/>
-              <a:t>viên</a:t>
-            </a:r>
-          </a:p>
-          <a:p>
-            <a:pPr lvl="1" indent="4763" eaLnBrk="1" hangingPunct="1">
-              <a:buNone/>
-              <a:defRPr/>
-            </a:pPr>
-            <a:r>
-              <a:rPr lang="en-US" smtClean="0">
-                <a:hlinkClick r:id="rId5"/>
-              </a:rPr>
-              <a:t>https</a:t>
-            </a:r>
-            <a:r>
-              <a:rPr lang="en-US" smtClean="0">
-                <a:hlinkClick r:id="rId5"/>
-              </a:rPr>
-              <a:t>://</a:t>
-            </a:r>
-            <a:r>
-              <a:rPr lang="en-US" smtClean="0">
-                <a:hlinkClick r:id="rId5"/>
-              </a:rPr>
-              <a:t>github.com/vdhuong/Lectures/settings/collaboration</a:t>
-            </a:r>
-            <a:r>
-              <a:rPr lang="en-US" smtClean="0"/>
-              <a:t> (sample) </a:t>
-            </a:r>
-            <a:endParaRPr lang="en-US" dirty="0"/>
-          </a:p>
-          <a:p>
-            <a:pPr lvl="1" eaLnBrk="1" hangingPunct="1">
-              <a:defRPr/>
-            </a:pPr>
-            <a:r>
-              <a:rPr lang="en-US" dirty="0" err="1" smtClean="0"/>
-              <a:t>Tất</a:t>
-            </a:r>
-            <a:r>
-              <a:rPr lang="en-US" dirty="0" smtClean="0"/>
-              <a:t> </a:t>
-            </a:r>
-            <a:r>
-              <a:rPr lang="en-US" dirty="0" err="1" smtClean="0"/>
-              <a:t>cả</a:t>
-            </a:r>
-            <a:r>
-              <a:rPr lang="en-US" dirty="0" smtClean="0"/>
-              <a:t> </a:t>
-            </a:r>
-            <a:r>
-              <a:rPr lang="en-US" dirty="0" err="1" smtClean="0"/>
-              <a:t>các</a:t>
-            </a:r>
-            <a:r>
-              <a:rPr lang="en-US" dirty="0" smtClean="0"/>
-              <a:t> </a:t>
-            </a:r>
-            <a:r>
-              <a:rPr lang="en-US" dirty="0" err="1" smtClean="0"/>
-              <a:t>chế</a:t>
-            </a:r>
-            <a:r>
-              <a:rPr lang="en-US" dirty="0" smtClean="0"/>
-              <a:t> </a:t>
-            </a:r>
-            <a:r>
-              <a:rPr lang="en-US" dirty="0" err="1" smtClean="0"/>
-              <a:t>tác</a:t>
-            </a:r>
-            <a:r>
-              <a:rPr lang="en-US" dirty="0" smtClean="0"/>
-              <a:t>: </a:t>
-            </a:r>
-            <a:r>
-              <a:rPr lang="en-US" dirty="0" err="1" smtClean="0"/>
-              <a:t>tài</a:t>
-            </a:r>
-            <a:r>
-              <a:rPr lang="en-US" dirty="0" smtClean="0"/>
-              <a:t> </a:t>
-            </a:r>
-            <a:r>
-              <a:rPr lang="en-US" dirty="0" err="1" smtClean="0"/>
-              <a:t>liệu</a:t>
-            </a:r>
-            <a:r>
-              <a:rPr lang="en-US" dirty="0" smtClean="0"/>
-              <a:t>, </a:t>
-            </a:r>
-            <a:r>
-              <a:rPr lang="en-US" dirty="0" err="1" smtClean="0"/>
-              <a:t>mã</a:t>
-            </a:r>
-            <a:r>
-              <a:rPr lang="en-US" dirty="0" smtClean="0"/>
-              <a:t> </a:t>
-            </a:r>
-            <a:r>
-              <a:rPr lang="en-US" dirty="0" err="1" smtClean="0"/>
-              <a:t>nguồn</a:t>
-            </a:r>
-            <a:r>
-              <a:rPr lang="en-US" dirty="0" smtClean="0"/>
-              <a:t>, </a:t>
-            </a:r>
-            <a:r>
-              <a:rPr lang="en-US" dirty="0" err="1" smtClean="0"/>
-              <a:t>dữ</a:t>
-            </a:r>
-            <a:r>
-              <a:rPr lang="en-US" dirty="0" smtClean="0"/>
-              <a:t> </a:t>
-            </a:r>
-            <a:r>
-              <a:rPr lang="en-US" dirty="0" err="1" smtClean="0"/>
-              <a:t>liệu</a:t>
-            </a:r>
-            <a:r>
-              <a:rPr lang="en-US" dirty="0" smtClean="0"/>
-              <a:t>,… </a:t>
-            </a:r>
-            <a:r>
-              <a:rPr lang="en-US" dirty="0" err="1" smtClean="0"/>
-              <a:t>cần</a:t>
-            </a:r>
-            <a:r>
-              <a:rPr lang="en-US" dirty="0" smtClean="0"/>
-              <a:t> </a:t>
-            </a:r>
-            <a:r>
-              <a:rPr lang="en-US" dirty="0" err="1" smtClean="0"/>
-              <a:t>được</a:t>
-            </a:r>
-            <a:r>
-              <a:rPr lang="en-US" dirty="0" smtClean="0"/>
-              <a:t> </a:t>
-            </a:r>
-            <a:r>
-              <a:rPr lang="en-US" dirty="0" err="1" smtClean="0"/>
-              <a:t>lưu</a:t>
-            </a:r>
-            <a:r>
-              <a:rPr lang="en-US" dirty="0" smtClean="0"/>
-              <a:t> </a:t>
-            </a:r>
-            <a:r>
-              <a:rPr lang="en-US" dirty="0" err="1" smtClean="0"/>
-              <a:t>trữ</a:t>
-            </a:r>
-            <a:r>
-              <a:rPr lang="en-US" dirty="0" smtClean="0"/>
-              <a:t> </a:t>
-            </a:r>
-            <a:r>
-              <a:rPr lang="en-US" dirty="0" err="1" smtClean="0"/>
-              <a:t>trong</a:t>
-            </a:r>
-            <a:r>
-              <a:rPr lang="en-US" dirty="0" smtClean="0"/>
-              <a:t> </a:t>
-            </a:r>
-            <a:r>
-              <a:rPr lang="en-US" dirty="0" err="1" smtClean="0"/>
-              <a:t>kho</a:t>
-            </a:r>
-            <a:r>
-              <a:rPr lang="en-US" dirty="0" smtClean="0"/>
-              <a:t> </a:t>
-            </a:r>
-            <a:r>
-              <a:rPr lang="en-US" dirty="0" err="1" smtClean="0"/>
-              <a:t>và</a:t>
-            </a:r>
-            <a:r>
-              <a:rPr lang="en-US" dirty="0" smtClean="0"/>
-              <a:t> </a:t>
-            </a:r>
-            <a:r>
-              <a:rPr lang="en-US" dirty="0" err="1" smtClean="0"/>
-              <a:t>thường</a:t>
-            </a:r>
-            <a:r>
-              <a:rPr lang="en-US" dirty="0" smtClean="0"/>
-              <a:t> </a:t>
-            </a:r>
-            <a:r>
-              <a:rPr lang="en-US" dirty="0" err="1" smtClean="0"/>
-              <a:t>xuyên</a:t>
-            </a:r>
-            <a:r>
-              <a:rPr lang="en-US" dirty="0" smtClean="0"/>
-              <a:t> </a:t>
-            </a:r>
-            <a:r>
-              <a:rPr lang="en-US" dirty="0" err="1" smtClean="0"/>
-              <a:t>cập</a:t>
-            </a:r>
-            <a:r>
-              <a:rPr lang="en-US" dirty="0" smtClean="0"/>
-              <a:t> </a:t>
-            </a:r>
-            <a:r>
-              <a:rPr lang="en-US" dirty="0" err="1" smtClean="0"/>
-              <a:t>nhật</a:t>
-            </a:r>
-            <a:endParaRPr lang="en-US" dirty="0" smtClean="0"/>
-          </a:p>
-          <a:p>
-            <a:pPr eaLnBrk="1" hangingPunct="1">
-              <a:defRPr/>
-            </a:pPr>
-            <a:r>
-              <a:rPr lang="en-US" dirty="0" err="1" smtClean="0"/>
-              <a:t>Sử</a:t>
-            </a:r>
-            <a:r>
-              <a:rPr lang="en-US" dirty="0" smtClean="0"/>
-              <a:t> </a:t>
-            </a:r>
-            <a:r>
-              <a:rPr lang="en-US" dirty="0" err="1" smtClean="0"/>
-              <a:t>dụng</a:t>
-            </a:r>
-            <a:r>
-              <a:rPr lang="en-US" dirty="0" smtClean="0"/>
-              <a:t> </a:t>
-            </a:r>
-            <a:r>
-              <a:rPr lang="en-US" dirty="0" err="1" smtClean="0"/>
-              <a:t>các</a:t>
-            </a:r>
-            <a:r>
-              <a:rPr lang="en-US" dirty="0" smtClean="0"/>
-              <a:t> </a:t>
-            </a:r>
-            <a:r>
-              <a:rPr lang="en-US" dirty="0" err="1" smtClean="0"/>
-              <a:t>công</a:t>
-            </a:r>
-            <a:r>
-              <a:rPr lang="en-US" dirty="0" smtClean="0"/>
-              <a:t> </a:t>
-            </a:r>
-            <a:r>
-              <a:rPr lang="en-US" dirty="0" err="1" smtClean="0"/>
-              <a:t>cụ</a:t>
-            </a:r>
-            <a:r>
-              <a:rPr lang="en-US" dirty="0" smtClean="0"/>
-              <a:t> </a:t>
-            </a:r>
-            <a:r>
-              <a:rPr lang="en-US" dirty="0" err="1" smtClean="0"/>
-              <a:t>sẵn</a:t>
-            </a:r>
-            <a:r>
-              <a:rPr lang="en-US" dirty="0" smtClean="0"/>
-              <a:t> </a:t>
-            </a:r>
-            <a:r>
-              <a:rPr lang="en-US" dirty="0" err="1" smtClean="0"/>
-              <a:t>có</a:t>
-            </a:r>
-            <a:r>
-              <a:rPr lang="en-US" dirty="0" smtClean="0"/>
-              <a:t> </a:t>
-            </a:r>
-            <a:r>
-              <a:rPr lang="en-US" dirty="0" err="1" smtClean="0"/>
-              <a:t>khác</a:t>
-            </a:r>
-            <a:r>
-              <a:rPr lang="en-US" dirty="0" smtClean="0"/>
-              <a:t> </a:t>
-            </a:r>
-            <a:r>
-              <a:rPr lang="en-US" dirty="0" err="1" smtClean="0"/>
-              <a:t>để</a:t>
-            </a:r>
-            <a:r>
-              <a:rPr lang="en-US" dirty="0" smtClean="0"/>
-              <a:t> </a:t>
-            </a:r>
-            <a:r>
-              <a:rPr lang="en-US" dirty="0" err="1" smtClean="0"/>
-              <a:t>hỗ</a:t>
-            </a:r>
-            <a:r>
-              <a:rPr lang="en-US" dirty="0" smtClean="0"/>
-              <a:t> </a:t>
-            </a:r>
-            <a:r>
-              <a:rPr lang="en-US" dirty="0" err="1" smtClean="0"/>
-              <a:t>trợ</a:t>
-            </a:r>
-            <a:r>
-              <a:rPr lang="en-US" dirty="0" smtClean="0"/>
-              <a:t> </a:t>
-            </a:r>
-            <a:r>
-              <a:rPr lang="en-US" dirty="0" err="1" smtClean="0"/>
-              <a:t>giao</a:t>
-            </a:r>
-            <a:r>
-              <a:rPr lang="en-US" dirty="0" smtClean="0"/>
-              <a:t> </a:t>
-            </a:r>
-            <a:r>
-              <a:rPr lang="en-US" dirty="0" err="1" smtClean="0"/>
-              <a:t>tiếp</a:t>
-            </a:r>
-            <a:r>
-              <a:rPr lang="en-US" dirty="0" smtClean="0"/>
-              <a:t> </a:t>
-            </a:r>
-            <a:r>
-              <a:rPr lang="en-US" dirty="0" err="1" smtClean="0"/>
-              <a:t>trong</a:t>
-            </a:r>
-            <a:r>
-              <a:rPr lang="en-US" dirty="0" smtClean="0"/>
-              <a:t> </a:t>
-            </a:r>
-            <a:r>
-              <a:rPr lang="en-US" dirty="0" err="1" smtClean="0"/>
-              <a:t>nhóm</a:t>
-            </a:r>
-            <a:r>
-              <a:rPr lang="en-US" dirty="0" smtClean="0"/>
-              <a:t>,….</a:t>
-            </a:r>
-          </a:p>
-          <a:p>
-            <a:pPr lvl="1" eaLnBrk="1" hangingPunct="1">
-              <a:defRPr/>
-            </a:pPr>
-            <a:endParaRPr lang="en-US" dirty="0"/>
-          </a:p>
-          <a:p>
-            <a:pPr eaLnBrk="1" hangingPunct="1">
-              <a:defRPr/>
-            </a:pPr>
-            <a:endParaRPr lang="en-US" dirty="0" smtClean="0"/>
-          </a:p>
-        </p:txBody>
-      </p:sp>
-    </p:spTree>
-  </p:cSld>
-  <p:clrMapOvr>
-    <a:masterClrMapping/>
-  </p:clrMapOvr>
-  <p:timing>
-    <p:tnLst>
-      <p:par>
-        <p:cTn id="1" dur="indefinite" restart="never" nodeType="tmRoot"/>
-      </p:par>
-    </p:tnLst>
-  </p:timing>
-</p:sld>
-</file>
-
-<file path=ppt/slides/slide7.xml><?xml version="1.0" encoding="utf-8"?>
-<p:sld xmlns:a="http://schemas.openxmlformats.org/drawingml/2006/main" xmlns:r="http://schemas.openxmlformats.org/officeDocument/2006/relationships" xmlns:p="http://schemas.openxmlformats.org/presentationml/2006/main">
-  <p:cSld>
-    <p:spTree>
-      <p:nvGrpSpPr>
-        <p:cNvPr id="1" name=""/>
-        <p:cNvGrpSpPr/>
-        <p:nvPr/>
-      </p:nvGrpSpPr>
-      <p:grpSpPr>
-        <a:xfrm>
-          <a:off x="0" y="0"/>
-          <a:ext cx="0" cy="0"/>
-          <a:chOff x="0" y="0"/>
-          <a:chExt cx="0" cy="0"/>
-        </a:xfrm>
-      </p:grpSpPr>
-      <p:sp>
-        <p:nvSpPr>
-          <p:cNvPr id="14338" name="Title 1"/>
-          <p:cNvSpPr>
-            <a:spLocks noGrp="1"/>
-          </p:cNvSpPr>
-          <p:nvPr>
-            <p:ph type="title"/>
-          </p:nvPr>
-        </p:nvSpPr>
-        <p:spPr/>
-        <p:txBody>
-          <a:bodyPr/>
-          <a:lstStyle/>
-          <a:p>
-            <a:pPr eaLnBrk="1" hangingPunct="1"/>
-            <a:r>
-              <a:rPr lang="en-US" smtClean="0"/>
-              <a:t>Dự án – </a:t>
-            </a:r>
-            <a:r>
-              <a:rPr lang="en-US" sz="3600" smtClean="0">
-                <a:solidFill>
-                  <a:srgbClr val="C00000"/>
-                </a:solidFill>
-              </a:rPr>
-              <a:t>Các mốc báo cáo kết quả</a:t>
-            </a:r>
-            <a:endParaRPr lang="vi-VN" smtClean="0"/>
-          </a:p>
-        </p:txBody>
-      </p:sp>
-      <p:sp>
-        <p:nvSpPr>
-          <p:cNvPr id="14339" name="Content Placeholder 2"/>
-          <p:cNvSpPr>
-            <a:spLocks noGrp="1"/>
-          </p:cNvSpPr>
-          <p:nvPr>
-            <p:ph sz="quarter" idx="1"/>
-          </p:nvPr>
-        </p:nvSpPr>
-        <p:spPr/>
-        <p:txBody>
-          <a:bodyPr>
-            <a:normAutofit/>
-          </a:bodyPr>
-          <a:lstStyle/>
-          <a:p>
-            <a:pPr eaLnBrk="1" hangingPunct="1">
-              <a:defRPr/>
-            </a:pPr>
-            <a:r>
-              <a:rPr lang="en-US" smtClean="0"/>
-              <a:t>Tuần 5: </a:t>
-            </a:r>
-            <a:r>
-              <a:rPr lang="en-US" smtClean="0">
-                <a:solidFill>
-                  <a:srgbClr val="C80043"/>
-                </a:solidFill>
-              </a:rPr>
-              <a:t>Báo cáo lần 1 </a:t>
-            </a:r>
-          </a:p>
-          <a:p>
-            <a:pPr eaLnBrk="1" hangingPunct="1">
-              <a:defRPr/>
-            </a:pPr>
-            <a:r>
-              <a:rPr lang="en-US" smtClean="0"/>
-              <a:t>Tuần </a:t>
-            </a:r>
-            <a:r>
-              <a:rPr lang="en-US" smtClean="0"/>
-              <a:t>10: </a:t>
-            </a:r>
-            <a:r>
-              <a:rPr lang="en-US" smtClean="0">
-                <a:solidFill>
-                  <a:srgbClr val="C00000"/>
-                </a:solidFill>
-              </a:rPr>
-              <a:t>Báo cáo </a:t>
-            </a:r>
-            <a:r>
-              <a:rPr lang="en-US" smtClean="0">
-                <a:solidFill>
-                  <a:srgbClr val="C00000"/>
-                </a:solidFill>
-              </a:rPr>
-              <a:t>lần </a:t>
-            </a:r>
-            <a:r>
-              <a:rPr lang="en-US" smtClean="0">
-                <a:solidFill>
-                  <a:srgbClr val="C00000"/>
-                </a:solidFill>
-              </a:rPr>
-              <a:t>2</a:t>
-            </a:r>
-            <a:endParaRPr lang="en-US" smtClean="0">
-              <a:solidFill>
-                <a:srgbClr val="C00000"/>
-              </a:solidFill>
-            </a:endParaRPr>
-          </a:p>
-          <a:p>
-            <a:pPr eaLnBrk="1" hangingPunct="1">
-              <a:defRPr/>
-            </a:pPr>
-            <a:r>
-              <a:rPr lang="en-US" smtClean="0"/>
-              <a:t>Tuần </a:t>
-            </a:r>
-            <a:r>
-              <a:rPr lang="en-US" smtClean="0"/>
-              <a:t>13-15</a:t>
-            </a:r>
-          </a:p>
-          <a:p>
-            <a:pPr lvl="1" eaLnBrk="1" hangingPunct="1">
-              <a:defRPr/>
-            </a:pPr>
-            <a:r>
-              <a:rPr lang="en-US" smtClean="0">
-                <a:solidFill>
-                  <a:srgbClr val="C00000"/>
-                </a:solidFill>
-              </a:rPr>
-              <a:t>Báo cáo kết thúc dự án, trình bày kết quả</a:t>
-            </a:r>
-          </a:p>
-          <a:p>
-            <a:pPr lvl="1" eaLnBrk="1" hangingPunct="1">
-              <a:defRPr/>
-            </a:pPr>
-            <a:r>
-              <a:rPr lang="en-US" smtClean="0">
-                <a:solidFill>
-                  <a:srgbClr val="C00000"/>
-                </a:solidFill>
-              </a:rPr>
-              <a:t>Nộp </a:t>
-            </a:r>
-            <a:r>
-              <a:rPr lang="en-US" dirty="0" err="1" smtClean="0">
-                <a:solidFill>
-                  <a:srgbClr val="C00000"/>
-                </a:solidFill>
-              </a:rPr>
-              <a:t>sản</a:t>
-            </a:r>
-            <a:r>
-              <a:rPr lang="en-US" dirty="0" smtClean="0">
-                <a:solidFill>
-                  <a:srgbClr val="C00000"/>
-                </a:solidFill>
-              </a:rPr>
-              <a:t> </a:t>
-            </a:r>
-            <a:r>
-              <a:rPr lang="en-US" dirty="0" err="1" smtClean="0">
-                <a:solidFill>
-                  <a:srgbClr val="C00000"/>
-                </a:solidFill>
-              </a:rPr>
-              <a:t>phẩm</a:t>
-            </a:r>
-            <a:r>
-              <a:rPr lang="en-US" dirty="0" smtClean="0">
-                <a:solidFill>
-                  <a:srgbClr val="C00000"/>
-                </a:solidFill>
-              </a:rPr>
-              <a:t> </a:t>
-            </a:r>
-            <a:r>
-              <a:rPr lang="en-US" dirty="0" err="1" smtClean="0">
-                <a:solidFill>
-                  <a:srgbClr val="C00000"/>
-                </a:solidFill>
-              </a:rPr>
-              <a:t>của</a:t>
-            </a:r>
-            <a:r>
-              <a:rPr lang="en-US" dirty="0" smtClean="0">
-                <a:solidFill>
-                  <a:srgbClr val="C00000"/>
-                </a:solidFill>
-              </a:rPr>
-              <a:t> </a:t>
-            </a:r>
-            <a:r>
-              <a:rPr lang="en-US" dirty="0" err="1" smtClean="0">
-                <a:solidFill>
-                  <a:srgbClr val="C00000"/>
-                </a:solidFill>
-              </a:rPr>
-              <a:t>dự</a:t>
-            </a:r>
-            <a:r>
-              <a:rPr lang="en-US" dirty="0" smtClean="0">
-                <a:solidFill>
-                  <a:srgbClr val="C00000"/>
-                </a:solidFill>
-              </a:rPr>
-              <a:t> </a:t>
-            </a:r>
-            <a:r>
-              <a:rPr lang="en-US" dirty="0" err="1" smtClean="0">
-                <a:solidFill>
-                  <a:srgbClr val="C00000"/>
-                </a:solidFill>
-              </a:rPr>
-              <a:t>án</a:t>
-            </a:r>
-            <a:endParaRPr lang="en-US" dirty="0" smtClean="0">
-              <a:solidFill>
-                <a:srgbClr val="C00000"/>
-              </a:solidFill>
-            </a:endParaRPr>
-          </a:p>
-        </p:txBody>
-      </p:sp>
-    </p:spTree>
-  </p:cSld>
-  <p:clrMapOvr>
-    <a:masterClrMapping/>
-  </p:clrMapOvr>
-  <p:timing>
-    <p:tnLst>
-      <p:par>
-        <p:cTn id="1" dur="indefinite" restart="never" nodeType="tmRoot"/>
-      </p:par>
-    </p:tnLst>
-  </p:timing>
-</p:sld>
-</file>
-
 <file path=ppt/slides/slide8.xml><?xml version="1.0" encoding="utf-8"?>
 <p:sld xmlns:a="http://schemas.openxmlformats.org/drawingml/2006/main" xmlns:r="http://schemas.openxmlformats.org/officeDocument/2006/relationships" xmlns:p="http://schemas.openxmlformats.org/presentationml/2006/main">
   <p:cSld>
@@ -13324,7 +14995,7 @@
       </p:grpSpPr>
       <p:sp>
         <p:nvSpPr>
-          <p:cNvPr id="16386" name="Title 1"/>
+          <p:cNvPr id="2" name="Title 1"/>
           <p:cNvSpPr>
             <a:spLocks noGrp="1"/>
           </p:cNvSpPr>
@@ -13333,106 +15004,78 @@
           </p:nvPr>
         </p:nvSpPr>
         <p:spPr/>
-        <p:txBody>
-          <a:bodyPr/>
-          <a:lstStyle/>
-          <a:p>
-            <a:pPr eaLnBrk="1" hangingPunct="1"/>
-            <a:r>
-              <a:rPr lang="en-US" smtClean="0"/>
-              <a:t>Bài giảng, Tài liệu tham khảo</a:t>
-            </a:r>
-            <a:endParaRPr lang="vi-VN" smtClean="0"/>
-          </a:p>
-        </p:txBody>
-      </p:sp>
-      <p:sp>
-        <p:nvSpPr>
-          <p:cNvPr id="18435" name="Content Placeholder 2"/>
-          <p:cNvSpPr>
-            <a:spLocks noGrp="1"/>
-          </p:cNvSpPr>
-          <p:nvPr>
-            <p:ph sz="quarter" idx="1"/>
-          </p:nvPr>
-        </p:nvSpPr>
-        <p:spPr>
-          <a:xfrm>
-            <a:off x="838200" y="1600200"/>
-            <a:ext cx="5257800" cy="4525963"/>
-          </a:xfrm>
-        </p:spPr>
         <p:txBody>
           <a:bodyPr>
             <a:normAutofit/>
           </a:bodyPr>
           <a:lstStyle/>
           <a:p>
-            <a:pPr eaLnBrk="1" hangingPunct="1">
-              <a:defRPr/>
-            </a:pPr>
-            <a:r>
-              <a:rPr lang="en-US" dirty="0" err="1" smtClean="0"/>
-              <a:t>Tiếng</a:t>
-            </a:r>
-            <a:r>
-              <a:rPr lang="en-US" dirty="0" smtClean="0"/>
-              <a:t> </a:t>
-            </a:r>
-            <a:r>
-              <a:rPr lang="en-US" dirty="0" err="1" smtClean="0"/>
-              <a:t>Anh</a:t>
-            </a:r>
-            <a:endParaRPr lang="en-US" dirty="0"/>
-          </a:p>
-          <a:p>
-            <a:pPr lvl="1" eaLnBrk="1" hangingPunct="1">
-              <a:defRPr/>
-            </a:pPr>
-            <a:r>
-              <a:rPr lang="en-US" dirty="0" smtClean="0"/>
-              <a:t>“Software Engineering 8”</a:t>
-            </a:r>
-          </a:p>
-          <a:p>
-            <a:pPr lvl="1" eaLnBrk="1" hangingPunct="1">
-              <a:defRPr/>
-            </a:pPr>
-            <a:r>
-              <a:rPr lang="en-US" dirty="0" smtClean="0"/>
-              <a:t>By Ian </a:t>
-            </a:r>
-            <a:r>
-              <a:rPr lang="en-US" dirty="0" err="1" smtClean="0"/>
-              <a:t>Sommerville</a:t>
-            </a:r>
-            <a:endParaRPr lang="en-US" dirty="0" smtClean="0"/>
-          </a:p>
-          <a:p>
-            <a:pPr eaLnBrk="1" hangingPunct="1">
-              <a:defRPr/>
-            </a:pPr>
-            <a:r>
-              <a:rPr lang="en-US" dirty="0" err="1" smtClean="0"/>
-              <a:t>Tiếng</a:t>
-            </a:r>
-            <a:r>
-              <a:rPr lang="en-US" dirty="0" smtClean="0"/>
-              <a:t> </a:t>
-            </a:r>
-            <a:r>
-              <a:rPr lang="en-US" dirty="0" err="1" smtClean="0"/>
-              <a:t>Việt</a:t>
-            </a:r>
-            <a:endParaRPr lang="en-US" dirty="0" smtClean="0"/>
-          </a:p>
-          <a:p>
-            <a:pPr lvl="1" eaLnBrk="1" hangingPunct="1">
-              <a:defRPr/>
-            </a:pPr>
-            <a:r>
-              <a:rPr lang="en-US" dirty="0" err="1" smtClean="0"/>
-              <a:t>Giáo</a:t>
+            <a:r>
+              <a:rPr lang="en-US" dirty="0" err="1" smtClean="0"/>
+              <a:t>Dự</a:t>
+            </a:r>
+            <a:r>
+              <a:rPr lang="en-US" dirty="0" smtClean="0"/>
+              <a:t> </a:t>
+            </a:r>
+            <a:r>
+              <a:rPr lang="en-US" dirty="0" err="1" smtClean="0"/>
+              <a:t>án</a:t>
+            </a:r>
+            <a:r>
+              <a:rPr lang="en-US" dirty="0" smtClean="0"/>
+              <a:t> – </a:t>
+            </a:r>
+            <a:r>
+              <a:rPr lang="en-US" dirty="0" err="1" smtClean="0"/>
+              <a:t>Bài</a:t>
+            </a:r>
+            <a:r>
+              <a:rPr lang="en-US" dirty="0" smtClean="0"/>
+              <a:t> </a:t>
+            </a:r>
+            <a:r>
+              <a:rPr lang="en-US" dirty="0" err="1" smtClean="0"/>
+              <a:t>toán</a:t>
+            </a:r>
+            <a:endParaRPr lang="vi-VN" dirty="0"/>
+          </a:p>
+        </p:txBody>
+      </p:sp>
+      <p:sp>
+        <p:nvSpPr>
+          <p:cNvPr id="3" name="Content Placeholder 2"/>
+          <p:cNvSpPr>
+            <a:spLocks noGrp="1"/>
+          </p:cNvSpPr>
+          <p:nvPr>
+            <p:ph idx="1"/>
+          </p:nvPr>
+        </p:nvSpPr>
+        <p:spPr/>
+        <p:txBody>
+          <a:bodyPr/>
+          <a:lstStyle/>
+          <a:p>
+            <a:r>
+              <a:rPr lang="en-US" dirty="0" err="1" smtClean="0"/>
+              <a:t>Quản</a:t>
+            </a:r>
+            <a:r>
+              <a:rPr lang="en-US" dirty="0" smtClean="0"/>
+              <a:t> </a:t>
+            </a:r>
+            <a:r>
+              <a:rPr lang="en-US" dirty="0" err="1" smtClean="0"/>
+              <a:t>lý</a:t>
+            </a:r>
+            <a:r>
+              <a:rPr lang="en-US" dirty="0" smtClean="0"/>
+              <a:t> </a:t>
+            </a:r>
+            <a:r>
+              <a:rPr lang="en-US" dirty="0" err="1" smtClean="0"/>
+              <a:t>chương</a:t>
             </a:r>
             <a:r>
               <a:rPr lang="en-US" dirty="0" smtClean="0"/>
@@ -13444,210 +15087,356 @@
             </a:r>
             <a:r>
               <a:rPr lang="en-US" dirty="0" smtClean="0"/>
-              <a:t> “</a:t>
-            </a:r>
-            <a:r>
-              <a:rPr lang="en-US" dirty="0" err="1" smtClean="0"/>
-              <a:t>Kỹ</a:t>
-            </a:r>
-            <a:r>
-              <a:rPr lang="en-US" dirty="0" smtClean="0"/>
-              <a:t> </a:t>
-            </a:r>
-            <a:r>
-              <a:rPr lang="en-US" dirty="0" err="1" smtClean="0"/>
-              <a:t>nghệ</a:t>
-            </a:r>
-            <a:r>
-              <a:rPr lang="en-US" dirty="0" smtClean="0"/>
-              <a:t> </a:t>
-            </a:r>
-            <a:r>
-              <a:rPr lang="en-US" dirty="0" err="1" smtClean="0"/>
-              <a:t>phần</a:t>
-            </a:r>
-            <a:r>
-              <a:rPr lang="en-US" dirty="0" smtClean="0"/>
-              <a:t> </a:t>
-            </a:r>
-            <a:r>
-              <a:rPr lang="en-US" dirty="0" err="1" smtClean="0"/>
-              <a:t>mềm</a:t>
-            </a:r>
-            <a:r>
-              <a:rPr lang="en-US" dirty="0" smtClean="0"/>
-              <a:t>”</a:t>
-            </a:r>
-          </a:p>
-          <a:p>
-            <a:pPr lvl="1" eaLnBrk="1" hangingPunct="1">
-              <a:defRPr/>
-            </a:pPr>
-            <a:r>
-              <a:rPr lang="en-US" dirty="0" err="1" smtClean="0"/>
-              <a:t>Tác</a:t>
-            </a:r>
-            <a:r>
-              <a:rPr lang="en-US" dirty="0" smtClean="0"/>
-              <a:t> </a:t>
-            </a:r>
-            <a:r>
-              <a:rPr lang="en-US" dirty="0" err="1" smtClean="0"/>
-              <a:t>giả</a:t>
-            </a:r>
-            <a:r>
-              <a:rPr lang="en-US" dirty="0" smtClean="0"/>
-              <a:t>: </a:t>
-            </a:r>
-            <a:r>
-              <a:rPr lang="en-US" sz="1600" dirty="0" smtClean="0"/>
-              <a:t>PGS.TS. </a:t>
-            </a:r>
-            <a:r>
-              <a:rPr lang="en-US" sz="1600" dirty="0" err="1" smtClean="0"/>
-              <a:t>Nguyễn</a:t>
-            </a:r>
-            <a:r>
-              <a:rPr lang="en-US" sz="1600" dirty="0" smtClean="0"/>
-              <a:t> </a:t>
-            </a:r>
-            <a:r>
-              <a:rPr lang="en-US" sz="1600" err="1" smtClean="0"/>
-              <a:t>Văn</a:t>
-            </a:r>
-            <a:r>
-              <a:rPr lang="en-US" sz="1600" smtClean="0"/>
-              <a:t> </a:t>
-            </a:r>
-            <a:r>
-              <a:rPr lang="en-US" sz="1600" smtClean="0"/>
-              <a:t>Vỵ, </a:t>
-            </a:r>
-          </a:p>
-          <a:p>
-            <a:pPr lvl="1" eaLnBrk="1" hangingPunct="1">
-              <a:buNone/>
-              <a:defRPr/>
-            </a:pPr>
-            <a:r>
-              <a:rPr lang="en-US" sz="1600" smtClean="0"/>
-              <a:t>	</a:t>
-            </a:r>
-            <a:r>
-              <a:rPr lang="en-US" sz="1600" smtClean="0"/>
-              <a:t>	         TS</a:t>
-            </a:r>
-            <a:r>
-              <a:rPr lang="en-US" sz="1600" dirty="0" smtClean="0"/>
-              <a:t>. </a:t>
-            </a:r>
-            <a:r>
-              <a:rPr lang="en-US" sz="1600" dirty="0" err="1" smtClean="0"/>
-              <a:t>Nguyễn</a:t>
-            </a:r>
-            <a:r>
-              <a:rPr lang="en-US" sz="1600" dirty="0" smtClean="0"/>
-              <a:t> </a:t>
-            </a:r>
-            <a:r>
-              <a:rPr lang="en-US" sz="1600" dirty="0" err="1" smtClean="0"/>
-              <a:t>Việt</a:t>
-            </a:r>
-            <a:r>
-              <a:rPr lang="en-US" sz="1600" dirty="0" smtClean="0"/>
-              <a:t> </a:t>
-            </a:r>
-            <a:r>
-              <a:rPr lang="en-US" sz="1600" dirty="0" err="1" smtClean="0"/>
-              <a:t>Hà</a:t>
-            </a:r>
-            <a:endParaRPr lang="en-US" sz="1600" dirty="0" smtClean="0"/>
-          </a:p>
-          <a:p>
-            <a:pPr eaLnBrk="1" hangingPunct="1">
-              <a:defRPr/>
-            </a:pPr>
-            <a:endParaRPr lang="en-US" dirty="0" smtClean="0"/>
-          </a:p>
-          <a:p>
-            <a:pPr lvl="2" eaLnBrk="1" hangingPunct="1">
-              <a:defRPr/>
-            </a:pPr>
-            <a:endParaRPr lang="en-US" dirty="0" smtClean="0"/>
-          </a:p>
-          <a:p>
-            <a:pPr eaLnBrk="1" hangingPunct="1">
-              <a:defRPr/>
-            </a:pPr>
-            <a:endParaRPr lang="vi-VN" dirty="0" smtClean="0"/>
-          </a:p>
-        </p:txBody>
-      </p:sp>
-      <p:pic>
-        <p:nvPicPr>
-          <p:cNvPr id="126978" name="Picture 2" descr="Software Engineering: (Update) (8th Edition)"/>
-          <p:cNvPicPr>
-            <a:picLocks noChangeAspect="1" noChangeArrowheads="1"/>
-          </p:cNvPicPr>
-          <p:nvPr/>
-        </p:nvPicPr>
-        <p:blipFill>
-          <a:blip r:embed="rId2" cstate="print"/>
-          <a:srcRect l="12695" t="13513" r="18919"/>
-          <a:stretch>
-            <a:fillRect/>
-          </a:stretch>
-        </p:blipFill>
-        <p:spPr bwMode="auto">
-          <a:xfrm>
-            <a:off x="5181600" y="1663030"/>
-            <a:ext cx="3505199" cy="4432970"/>
-          </a:xfrm>
-          <a:prstGeom prst="rect">
-            <a:avLst/>
-          </a:prstGeom>
-          <a:scene3d>
-            <a:camera prst="perspectiveContrastingLeftFacing"/>
-            <a:lightRig rig="threePt" dir="t">
-              <a:rot lat="0" lon="0" rev="3600000"/>
-            </a:lightRig>
-          </a:scene3d>
-          <a:sp3d extrusionH="381000" contourW="12700">
-            <a:extrusionClr>
-              <a:schemeClr val="bg1"/>
-            </a:extrusionClr>
-            <a:contourClr>
-              <a:schemeClr val="bg1"/>
-            </a:contourClr>
-          </a:sp3d>
-        </p:spPr>
-        <p:style>
-          <a:lnRef idx="1">
-            <a:schemeClr val="dk1"/>
-          </a:lnRef>
-          <a:fillRef idx="2">
-            <a:schemeClr val="dk1"/>
-          </a:fillRef>
-          <a:effectRef idx="1">
-            <a:schemeClr val="dk1"/>
-          </a:effectRef>
-          <a:fontRef idx="minor">
-            <a:schemeClr val="dk1"/>
-          </a:fontRef>
-        </p:style>
-      </p:pic>
+              <a:t> </a:t>
+            </a:r>
+            <a:r>
+              <a:rPr lang="en-US" dirty="0" err="1" smtClean="0"/>
+              <a:t>đào</a:t>
+            </a:r>
+            <a:r>
+              <a:rPr lang="en-US" dirty="0" smtClean="0"/>
+              <a:t> </a:t>
+            </a:r>
+            <a:r>
+              <a:rPr lang="en-US" dirty="0" err="1" smtClean="0"/>
+              <a:t>tạo</a:t>
+            </a:r>
+            <a:r>
+              <a:rPr lang="en-US" dirty="0" smtClean="0"/>
+              <a:t> (&lt; 4 </a:t>
+            </a:r>
+            <a:r>
+              <a:rPr lang="en-US" dirty="0" err="1" smtClean="0"/>
+              <a:t>nhóm</a:t>
+            </a:r>
+            <a:r>
+              <a:rPr lang="en-US" dirty="0" smtClean="0"/>
+              <a:t>)</a:t>
+            </a:r>
+          </a:p>
+          <a:p>
+            <a:r>
+              <a:rPr lang="en-US" dirty="0" err="1" smtClean="0"/>
+              <a:t>Quản</a:t>
+            </a:r>
+            <a:r>
+              <a:rPr lang="en-US" dirty="0" smtClean="0"/>
+              <a:t> </a:t>
+            </a:r>
+            <a:r>
+              <a:rPr lang="en-US" dirty="0" err="1" smtClean="0"/>
+              <a:t>lý</a:t>
+            </a:r>
+            <a:r>
+              <a:rPr lang="en-US" dirty="0" smtClean="0"/>
+              <a:t> </a:t>
+            </a:r>
+            <a:r>
+              <a:rPr lang="en-US" dirty="0" err="1" smtClean="0"/>
+              <a:t>phân</a:t>
+            </a:r>
+            <a:r>
+              <a:rPr lang="en-US" dirty="0" smtClean="0"/>
+              <a:t> </a:t>
+            </a:r>
+            <a:r>
+              <a:rPr lang="en-US" dirty="0" err="1" smtClean="0"/>
+              <a:t>công</a:t>
+            </a:r>
+            <a:r>
+              <a:rPr lang="en-US" dirty="0" smtClean="0"/>
+              <a:t> </a:t>
+            </a:r>
+            <a:r>
+              <a:rPr lang="en-US" dirty="0" err="1" smtClean="0"/>
+              <a:t>giảng</a:t>
+            </a:r>
+            <a:r>
+              <a:rPr lang="en-US" dirty="0" smtClean="0"/>
+              <a:t> </a:t>
+            </a:r>
+            <a:r>
+              <a:rPr lang="en-US" dirty="0" err="1" smtClean="0"/>
+              <a:t>dạy</a:t>
+            </a:r>
+            <a:r>
+              <a:rPr lang="en-US" dirty="0" smtClean="0"/>
+              <a:t> (&lt; 4 </a:t>
+            </a:r>
+            <a:r>
+              <a:rPr lang="en-US" dirty="0" err="1" smtClean="0"/>
+              <a:t>nhóm</a:t>
+            </a:r>
+            <a:r>
+              <a:rPr lang="en-US" dirty="0" smtClean="0"/>
+              <a:t>)</a:t>
+            </a:r>
+          </a:p>
+          <a:p>
+            <a:r>
+              <a:rPr lang="en-US" dirty="0" err="1" smtClean="0"/>
+              <a:t>Quản</a:t>
+            </a:r>
+            <a:r>
+              <a:rPr lang="en-US" dirty="0" smtClean="0"/>
+              <a:t> </a:t>
+            </a:r>
+            <a:r>
+              <a:rPr lang="en-US" dirty="0" err="1" smtClean="0"/>
+              <a:t>lý</a:t>
+            </a:r>
+            <a:r>
+              <a:rPr lang="en-US" dirty="0" smtClean="0"/>
+              <a:t> </a:t>
+            </a:r>
+            <a:r>
+              <a:rPr lang="en-US" dirty="0" err="1" smtClean="0"/>
+              <a:t>câu</a:t>
+            </a:r>
+            <a:r>
+              <a:rPr lang="en-US" dirty="0" smtClean="0"/>
+              <a:t> </a:t>
+            </a:r>
+            <a:r>
+              <a:rPr lang="en-US" dirty="0" err="1" smtClean="0"/>
+              <a:t>hỏi</a:t>
+            </a:r>
+            <a:r>
+              <a:rPr lang="en-US" dirty="0" smtClean="0"/>
+              <a:t> </a:t>
+            </a:r>
+            <a:r>
+              <a:rPr lang="en-US" dirty="0" err="1" smtClean="0"/>
+              <a:t>trắc</a:t>
+            </a:r>
+            <a:r>
+              <a:rPr lang="en-US" dirty="0" smtClean="0"/>
+              <a:t> </a:t>
+            </a:r>
+            <a:r>
+              <a:rPr lang="en-US" dirty="0" err="1" smtClean="0"/>
+              <a:t>nghiệm</a:t>
+            </a:r>
+            <a:r>
+              <a:rPr lang="en-US" dirty="0" smtClean="0"/>
+              <a:t> (&lt; 4 </a:t>
+            </a:r>
+            <a:r>
+              <a:rPr lang="en-US" dirty="0" err="1" smtClean="0"/>
+              <a:t>nhóm</a:t>
+            </a:r>
+            <a:r>
+              <a:rPr lang="en-US" dirty="0" smtClean="0"/>
+              <a:t>)</a:t>
+            </a:r>
+          </a:p>
+          <a:p>
+            <a:r>
+              <a:rPr lang="en-US" dirty="0" err="1" smtClean="0"/>
+              <a:t>Chỉnh</a:t>
+            </a:r>
+            <a:r>
+              <a:rPr lang="en-US" dirty="0" smtClean="0"/>
+              <a:t> </a:t>
+            </a:r>
+            <a:r>
+              <a:rPr lang="en-US" dirty="0" err="1" smtClean="0"/>
+              <a:t>sửa</a:t>
+            </a:r>
+            <a:r>
+              <a:rPr lang="en-US" dirty="0" smtClean="0"/>
+              <a:t> </a:t>
+            </a:r>
+            <a:r>
+              <a:rPr lang="en-US" dirty="0" err="1" smtClean="0"/>
+              <a:t>mã</a:t>
+            </a:r>
+            <a:r>
+              <a:rPr lang="en-US" dirty="0" smtClean="0"/>
+              <a:t> </a:t>
+            </a:r>
+            <a:r>
+              <a:rPr lang="en-US" dirty="0" err="1" smtClean="0"/>
+              <a:t>mở</a:t>
+            </a:r>
+            <a:r>
+              <a:rPr lang="en-US" dirty="0" smtClean="0"/>
+              <a:t> course-builder (&lt; 3 </a:t>
+            </a:r>
+            <a:r>
+              <a:rPr lang="en-US" dirty="0" err="1" smtClean="0"/>
+              <a:t>nhóm</a:t>
+            </a:r>
+            <a:r>
+              <a:rPr lang="en-US" dirty="0" smtClean="0"/>
+              <a:t>)</a:t>
+            </a:r>
+          </a:p>
+          <a:p>
+            <a:r>
+              <a:rPr lang="en-US" dirty="0" err="1" smtClean="0"/>
+              <a:t>Trang</a:t>
+            </a:r>
+            <a:r>
+              <a:rPr lang="en-US" dirty="0" smtClean="0"/>
+              <a:t> web </a:t>
+            </a:r>
+            <a:r>
+              <a:rPr lang="en-US" dirty="0" err="1" smtClean="0"/>
+              <a:t>bán</a:t>
+            </a:r>
+            <a:r>
+              <a:rPr lang="en-US" dirty="0" smtClean="0"/>
+              <a:t> </a:t>
+            </a:r>
+            <a:r>
+              <a:rPr lang="en-US" dirty="0" err="1" smtClean="0"/>
+              <a:t>hàng</a:t>
+            </a:r>
+            <a:r>
+              <a:rPr lang="en-US" dirty="0" smtClean="0"/>
+              <a:t>, </a:t>
+            </a:r>
+            <a:r>
+              <a:rPr lang="en-US" dirty="0" err="1" smtClean="0"/>
+              <a:t>trưng</a:t>
+            </a:r>
+            <a:r>
+              <a:rPr lang="en-US" dirty="0" smtClean="0"/>
+              <a:t> </a:t>
+            </a:r>
+            <a:r>
+              <a:rPr lang="en-US" dirty="0" err="1" smtClean="0"/>
+              <a:t>bày</a:t>
+            </a:r>
+            <a:r>
+              <a:rPr lang="en-US" dirty="0" smtClean="0"/>
+              <a:t> </a:t>
+            </a:r>
+            <a:r>
+              <a:rPr lang="en-US" dirty="0" err="1" smtClean="0"/>
+              <a:t>sản</a:t>
+            </a:r>
+            <a:r>
+              <a:rPr lang="en-US" dirty="0" smtClean="0"/>
+              <a:t> </a:t>
+            </a:r>
+            <a:r>
+              <a:rPr lang="en-US" dirty="0" err="1" smtClean="0"/>
+              <a:t>phẩm</a:t>
+            </a:r>
+            <a:r>
+              <a:rPr lang="en-US" dirty="0" smtClean="0"/>
+              <a:t> </a:t>
+            </a:r>
+            <a:r>
+              <a:rPr lang="en-US" dirty="0" err="1" smtClean="0"/>
+              <a:t>trực</a:t>
+            </a:r>
+            <a:r>
+              <a:rPr lang="en-US" dirty="0" smtClean="0"/>
+              <a:t> </a:t>
+            </a:r>
+            <a:r>
+              <a:rPr lang="en-US" dirty="0" err="1" smtClean="0"/>
+              <a:t>tuyến</a:t>
+            </a:r>
+            <a:r>
+              <a:rPr lang="en-US" dirty="0" smtClean="0"/>
+              <a:t> (&lt; 3 </a:t>
+            </a:r>
+            <a:r>
+              <a:rPr lang="en-US" dirty="0" err="1" smtClean="0"/>
+              <a:t>nhóm</a:t>
+            </a:r>
+            <a:r>
+              <a:rPr lang="en-US" dirty="0" smtClean="0"/>
+              <a:t>)</a:t>
+            </a:r>
+          </a:p>
+          <a:p>
+            <a:r>
+              <a:rPr lang="en-US" dirty="0" err="1" smtClean="0"/>
+              <a:t>Tự</a:t>
+            </a:r>
+            <a:r>
+              <a:rPr lang="en-US" dirty="0" smtClean="0"/>
+              <a:t> </a:t>
+            </a:r>
+            <a:r>
+              <a:rPr lang="en-US" dirty="0" err="1" smtClean="0"/>
+              <a:t>đề</a:t>
+            </a:r>
+            <a:r>
+              <a:rPr lang="en-US" dirty="0" smtClean="0"/>
+              <a:t> </a:t>
+            </a:r>
+            <a:r>
+              <a:rPr lang="en-US" dirty="0" err="1" smtClean="0"/>
+              <a:t>xuất</a:t>
+            </a:r>
+            <a:r>
+              <a:rPr lang="en-US" dirty="0" smtClean="0"/>
+              <a:t> </a:t>
+            </a:r>
+            <a:r>
+              <a:rPr lang="en-US" dirty="0" err="1" smtClean="0"/>
+              <a:t>và</a:t>
+            </a:r>
+            <a:r>
+              <a:rPr lang="en-US" dirty="0" smtClean="0"/>
+              <a:t> </a:t>
+            </a:r>
+            <a:r>
+              <a:rPr lang="en-US" dirty="0" err="1" smtClean="0"/>
+              <a:t>giáo</a:t>
+            </a:r>
+            <a:r>
+              <a:rPr lang="en-US" dirty="0" smtClean="0"/>
+              <a:t> </a:t>
+            </a:r>
+            <a:r>
+              <a:rPr lang="en-US" dirty="0" err="1" smtClean="0"/>
+              <a:t>viên</a:t>
+            </a:r>
+            <a:r>
+              <a:rPr lang="en-US" dirty="0" smtClean="0"/>
+              <a:t> </a:t>
+            </a:r>
+            <a:r>
+              <a:rPr lang="en-US" dirty="0" err="1" smtClean="0"/>
+              <a:t>sẽ</a:t>
+            </a:r>
+            <a:r>
+              <a:rPr lang="en-US" dirty="0" smtClean="0"/>
+              <a:t> </a:t>
+            </a:r>
+            <a:r>
+              <a:rPr lang="en-US" dirty="0" err="1" smtClean="0"/>
+              <a:t>xem</a:t>
+            </a:r>
+            <a:r>
+              <a:rPr lang="en-US" dirty="0" smtClean="0"/>
+              <a:t> </a:t>
+            </a:r>
+            <a:r>
+              <a:rPr lang="en-US" dirty="0" err="1" smtClean="0"/>
+              <a:t>xét</a:t>
+            </a:r>
+            <a:endParaRPr lang="vi-VN" dirty="0"/>
+          </a:p>
+        </p:txBody>
+      </p:sp>
     </p:spTree>
+    <p:extLst>
+      <p:ext uri="{BB962C8B-B14F-4D97-AF65-F5344CB8AC3E}">
+        <p14:creationId xmlns:p14="http://schemas.microsoft.com/office/powerpoint/2010/main" val="86474730"/>
+      </p:ext>
+    </p:extLst>
   </p:cSld>
   <p:clrMapOvr>
     <a:masterClrMapping/>
   </p:clrMapOvr>
-  <p:timing>
-    <p:tnLst>
-      <p:par>
-        <p:cTn id="1" dur="indefinite" restart="never" nodeType="tmRoot"/>
-      </p:par>
-    </p:tnLst>
-  </p:timing>
 </p:sld>
 </file>
 
@@ -13670,7 +15459,7 @@
       </p:grpSpPr>
       <p:sp>
         <p:nvSpPr>
-          <p:cNvPr id="17410" name="Title 1"/>
+          <p:cNvPr id="2" name="Title 1"/>
           <p:cNvSpPr>
             <a:spLocks noGrp="1"/>
           </p:cNvSpPr>
@@ -13683,27 +15472,46 @@
           <a:bodyPr/>
           <a:lstStyle/>
           <a:p>
-            <a:pPr eaLnBrk="1" hangingPunct="1"/>
-            <a:r>
-              <a:rPr lang="en-US" smtClean="0"/>
-              <a:t>Lịch </a:t>
-            </a:r>
-            <a:r>
-              <a:rPr lang="en-US" smtClean="0"/>
-              <a:t>trình </a:t>
-            </a:r>
-            <a:endParaRPr lang="en-GB" smtClean="0"/>
-          </a:p>
-        </p:txBody>
-      </p:sp>
-      <p:sp>
-        <p:nvSpPr>
-          <p:cNvPr id="7" name="Content Placeholder 6"/>
+            <a:r>
+              <a:rPr lang="en-US" dirty="0" err="1" smtClean="0"/>
+              <a:t>Dự</a:t>
+            </a:r>
+            <a:r>
+              <a:rPr lang="en-US" dirty="0" smtClean="0"/>
+              <a:t> </a:t>
+            </a:r>
+            <a:r>
+              <a:rPr lang="en-US" dirty="0" err="1" smtClean="0"/>
+              <a:t>án</a:t>
+            </a:r>
+            <a:r>
+              <a:rPr lang="en-US" dirty="0" smtClean="0"/>
+              <a:t> – </a:t>
+            </a:r>
+            <a:r>
+              <a:rPr lang="en-US" dirty="0" err="1" smtClean="0"/>
+              <a:t>Công</a:t>
+            </a:r>
+            <a:r>
+              <a:rPr lang="en-US" dirty="0" smtClean="0"/>
+              <a:t> </a:t>
+            </a:r>
+            <a:r>
+              <a:rPr lang="en-US" dirty="0" err="1" smtClean="0"/>
+              <a:t>nghệ</a:t>
+            </a:r>
+            <a:endParaRPr lang="vi-VN" dirty="0"/>
+          </a:p>
+        </p:txBody>
+      </p:sp>
+      <p:sp>
+        <p:nvSpPr>
+          <p:cNvPr id="3" name="Content Placeholder 2"/>
           <p:cNvSpPr>
             <a:spLocks noGrp="1"/>
           </p:cNvSpPr>
           <p:nvPr>
-            <p:ph sz="quarter" idx="1"/>
+            <p:ph idx="1"/>
           </p:nvPr>
         </p:nvSpPr>
         <p:spPr/>
@@ -13712,67 +15520,60 @@
           <a:lstStyle/>
           <a:p>
             <a:r>
-              <a:rPr lang="en-US" smtClean="0"/>
-              <a:t>Under updating</a:t>
-            </a:r>
-            <a:endParaRPr lang="en-US"/>
-          </a:p>
-        </p:txBody>
-      </p:sp>
-      <p:sp>
-        <p:nvSpPr>
-          <p:cNvPr id="17443" name="Rectangle 1"/>
-          <p:cNvSpPr>
-            <a:spLocks noChangeArrowheads="1"/>
-          </p:cNvSpPr>
-          <p:nvPr/>
-        </p:nvSpPr>
-        <p:spPr bwMode="auto">
-          <a:xfrm>
-            <a:off x="2565400" y="1600200"/>
-            <a:ext cx="9144000" cy="0"/>
-          </a:xfrm>
-          <a:prstGeom prst="rect">
-            <a:avLst/>
-          </a:prstGeom>
-          <a:noFill/>
-          <a:ln w="9525">
-            <a:noFill/>
-            <a:miter lim="800000"/>
-            <a:headEnd/>
-            <a:tailEnd/>
-          </a:ln>
-        </p:spPr>
-        <p:txBody>
-          <a:bodyPr wrap="none" anchor="ctr">
-            <a:spAutoFit/>
-          </a:bodyPr>
-          <a:lstStyle/>
-          <a:p>
-            <a:pPr algn="r" eaLnBrk="0" hangingPunct="0">
-              <a:buClr>
-                <a:srgbClr val="000000"/>
-              </a:buClr>
-              <a:buSzPct val="100000"/>
-              <a:buFont typeface="Arial" charset="0"/>
-              <a:buNone/>
-            </a:pPr>
-            <a:endParaRPr lang="en-US"/>
+              <a:rPr lang="en-US" dirty="0" smtClean="0"/>
+              <a:t>Python &amp; </a:t>
+            </a:r>
+            <a:r>
+              <a:rPr lang="en-US" dirty="0" err="1" smtClean="0"/>
+              <a:t>Django</a:t>
+            </a:r>
+            <a:endParaRPr lang="en-US" dirty="0" smtClean="0"/>
+          </a:p>
+          <a:p>
+            <a:r>
+              <a:rPr lang="en-US" dirty="0" smtClean="0"/>
+              <a:t>Ruby &amp; Rails</a:t>
+            </a:r>
+          </a:p>
+          <a:p>
+            <a:r>
+              <a:rPr lang="en-US" dirty="0" err="1" smtClean="0"/>
+              <a:t>Scala</a:t>
+            </a:r>
+            <a:r>
+              <a:rPr lang="en-US" dirty="0" smtClean="0"/>
+              <a:t> &amp; Lift/Play</a:t>
+            </a:r>
+          </a:p>
+          <a:p>
+            <a:r>
+              <a:rPr lang="en-US" dirty="0" err="1" smtClean="0"/>
+              <a:t>Php</a:t>
+            </a:r>
+            <a:r>
+              <a:rPr lang="en-US" dirty="0" smtClean="0"/>
+              <a:t> &amp; ..</a:t>
+            </a:r>
+          </a:p>
+          <a:p>
+            <a:r>
+              <a:rPr lang="en-US" dirty="0" smtClean="0"/>
+              <a:t>Google App Engine, MS Azure, v.v..</a:t>
+            </a:r>
+            <a:endParaRPr lang="vi-VN" dirty="0"/>
           </a:p>
         </p:txBody>
       </p:sp>
     </p:spTree>
+    <p:extLst>
+      <p:ext uri="{BB962C8B-B14F-4D97-AF65-F5344CB8AC3E}">
+        <p14:creationId xmlns:p14="http://schemas.microsoft.com/office/powerpoint/2010/main" val="1460431051"/>
+      </p:ext>
+    </p:extLst>
   </p:cSld>
   <p:clrMapOvr>
     <a:masterClrMapping/>
   </p:clrMapOvr>
-  <p:timing>
-    <p:tnLst>
-      <p:par>
-        <p:cTn id="1" dur="indefinite" restart="never" nodeType="tmRoot"/>
-      </p:par>
-    </p:tnLst>
-  </p:timing>
 </p:sld>
 </file>
 
